--- a/xmind/VIB_Part3.pptx
+++ b/xmind/VIB_Part3.pptx
@@ -5,25 +5,59 @@
     <p:sldMasterId id="2147483662" r:id="rId1"/>
   </p:sldMasterIdLst>
   <p:notesMasterIdLst>
-    <p:notesMasterId r:id="rId18"/>
+    <p:notesMasterId r:id="rId52"/>
   </p:notesMasterIdLst>
   <p:sldIdLst>
     <p:sldId id="256" r:id="rId2"/>
     <p:sldId id="297" r:id="rId3"/>
     <p:sldId id="296" r:id="rId4"/>
-    <p:sldId id="301" r:id="rId5"/>
-    <p:sldId id="298" r:id="rId6"/>
-    <p:sldId id="303" r:id="rId7"/>
-    <p:sldId id="302" r:id="rId8"/>
-    <p:sldId id="304" r:id="rId9"/>
-    <p:sldId id="306" r:id="rId10"/>
-    <p:sldId id="305" r:id="rId11"/>
-    <p:sldId id="308" r:id="rId12"/>
-    <p:sldId id="307" r:id="rId13"/>
-    <p:sldId id="300" r:id="rId14"/>
-    <p:sldId id="299" r:id="rId15"/>
-    <p:sldId id="295" r:id="rId16"/>
-    <p:sldId id="264" r:id="rId17"/>
+    <p:sldId id="316" r:id="rId5"/>
+    <p:sldId id="317" r:id="rId6"/>
+    <p:sldId id="318" r:id="rId7"/>
+    <p:sldId id="310" r:id="rId8"/>
+    <p:sldId id="319" r:id="rId9"/>
+    <p:sldId id="320" r:id="rId10"/>
+    <p:sldId id="347" r:id="rId11"/>
+    <p:sldId id="311" r:id="rId12"/>
+    <p:sldId id="301" r:id="rId13"/>
+    <p:sldId id="298" r:id="rId14"/>
+    <p:sldId id="303" r:id="rId15"/>
+    <p:sldId id="302" r:id="rId16"/>
+    <p:sldId id="304" r:id="rId17"/>
+    <p:sldId id="306" r:id="rId18"/>
+    <p:sldId id="305" r:id="rId19"/>
+    <p:sldId id="308" r:id="rId20"/>
+    <p:sldId id="312" r:id="rId21"/>
+    <p:sldId id="307" r:id="rId22"/>
+    <p:sldId id="322" r:id="rId23"/>
+    <p:sldId id="323" r:id="rId24"/>
+    <p:sldId id="326" r:id="rId25"/>
+    <p:sldId id="324" r:id="rId26"/>
+    <p:sldId id="325" r:id="rId27"/>
+    <p:sldId id="327" r:id="rId28"/>
+    <p:sldId id="328" r:id="rId29"/>
+    <p:sldId id="329" r:id="rId30"/>
+    <p:sldId id="330" r:id="rId31"/>
+    <p:sldId id="331" r:id="rId32"/>
+    <p:sldId id="332" r:id="rId33"/>
+    <p:sldId id="335" r:id="rId34"/>
+    <p:sldId id="334" r:id="rId35"/>
+    <p:sldId id="336" r:id="rId36"/>
+    <p:sldId id="337" r:id="rId37"/>
+    <p:sldId id="338" r:id="rId38"/>
+    <p:sldId id="339" r:id="rId39"/>
+    <p:sldId id="333" r:id="rId40"/>
+    <p:sldId id="344" r:id="rId41"/>
+    <p:sldId id="345" r:id="rId42"/>
+    <p:sldId id="340" r:id="rId43"/>
+    <p:sldId id="341" r:id="rId44"/>
+    <p:sldId id="346" r:id="rId45"/>
+    <p:sldId id="342" r:id="rId46"/>
+    <p:sldId id="343" r:id="rId47"/>
+    <p:sldId id="300" r:id="rId48"/>
+    <p:sldId id="299" r:id="rId49"/>
+    <p:sldId id="295" r:id="rId50"/>
+    <p:sldId id="264" r:id="rId51"/>
   </p:sldIdLst>
   <p:sldSz cx="9144000" cy="6858000" type="screen4x3"/>
   <p:notesSz cx="6858000" cy="9144000"/>
@@ -4993,43 +5027,6 @@
         </a:p>
       </dgm:t>
     </dgm:pt>
-    <dgm:pt modelId="{6972F710-5B3A-487C-9F48-333897D3C8CF}">
-      <dgm:prSet phldrT="[Text]"/>
-      <dgm:spPr/>
-      <dgm:t>
-        <a:bodyPr/>
-        <a:lstStyle/>
-        <a:p>
-          <a:r>
-            <a:rPr lang="en-US" dirty="0" smtClean="0"/>
-            <a:t>Taint Tracking</a:t>
-          </a:r>
-          <a:endParaRPr lang="en-US" dirty="0"/>
-        </a:p>
-      </dgm:t>
-    </dgm:pt>
-    <dgm:pt modelId="{5ED066B7-D42A-4272-992E-0CBF786A3720}" type="parTrans" cxnId="{95573857-77CC-4312-B81A-73D2539ACC5D}">
-      <dgm:prSet/>
-      <dgm:spPr/>
-      <dgm:t>
-        <a:bodyPr/>
-        <a:lstStyle/>
-        <a:p>
-          <a:endParaRPr lang="en-US"/>
-        </a:p>
-      </dgm:t>
-    </dgm:pt>
-    <dgm:pt modelId="{D4004E4E-8DC0-40FD-B2E6-A2D68EADCFCE}" type="sibTrans" cxnId="{95573857-77CC-4312-B81A-73D2539ACC5D}">
-      <dgm:prSet/>
-      <dgm:spPr/>
-      <dgm:t>
-        <a:bodyPr/>
-        <a:lstStyle/>
-        <a:p>
-          <a:endParaRPr lang="en-US"/>
-        </a:p>
-      </dgm:t>
-    </dgm:pt>
     <dgm:pt modelId="{9A50FE0C-9FAF-4C68-9A20-4B4421E3FB2A}">
       <dgm:prSet phldrT="[Text]"/>
       <dgm:spPr/>
@@ -5104,25 +5101,6 @@
         </a:p>
       </dgm:t>
     </dgm:pt>
-    <dgm:pt modelId="{70674082-46E5-4FB3-A78B-CD76830AA890}">
-      <dgm:prSet phldrT="[Text]"/>
-      <dgm:spPr/>
-      <dgm:t>
-        <a:bodyPr/>
-        <a:lstStyle/>
-        <a:p>
-          <a:endParaRPr lang="en-US" dirty="0"/>
-        </a:p>
-      </dgm:t>
-    </dgm:pt>
-    <dgm:pt modelId="{EA516AAF-C060-4F4D-A178-F803C88DDEF8}" type="parTrans" cxnId="{8F82FD41-696B-4FB4-B341-39B9D1CA2A5F}">
-      <dgm:prSet/>
-      <dgm:spPr/>
-    </dgm:pt>
-    <dgm:pt modelId="{A18B2AB1-2F00-4DD2-AF82-D3B97B7102A6}" type="sibTrans" cxnId="{8F82FD41-696B-4FB4-B341-39B9D1CA2A5F}">
-      <dgm:prSet/>
-      <dgm:spPr/>
-    </dgm:pt>
     <dgm:pt modelId="{DA108B96-B57D-4106-999E-18764A030E80}">
       <dgm:prSet phldrT="[Text]"/>
       <dgm:spPr/>
@@ -5155,22 +5133,36 @@
         </dgm:presLayoutVars>
       </dgm:prSet>
       <dgm:spPr/>
+      <dgm:t>
+        <a:bodyPr/>
+        <a:lstStyle/>
+        <a:p>
+          <a:endParaRPr lang="en-US"/>
+        </a:p>
+      </dgm:t>
     </dgm:pt>
     <dgm:pt modelId="{0579AC0A-0BB0-47AF-A1E6-4D6707FA206C}" type="pres">
       <dgm:prSet presAssocID="{98B56EA5-F140-4B9C-84CB-D697DD2374D3}" presName="composite" presStyleCnt="0"/>
       <dgm:spPr/>
     </dgm:pt>
     <dgm:pt modelId="{85899FEB-BB36-41EB-AF15-7B75F1268C5B}" type="pres">
-      <dgm:prSet presAssocID="{98B56EA5-F140-4B9C-84CB-D697DD2374D3}" presName="parentText" presStyleLbl="alignNode1" presStyleIdx="0" presStyleCnt="6">
+      <dgm:prSet presAssocID="{98B56EA5-F140-4B9C-84CB-D697DD2374D3}" presName="parentText" presStyleLbl="alignNode1" presStyleIdx="0" presStyleCnt="5">
         <dgm:presLayoutVars>
           <dgm:chMax val="1"/>
           <dgm:bulletEnabled val="1"/>
         </dgm:presLayoutVars>
       </dgm:prSet>
       <dgm:spPr/>
+      <dgm:t>
+        <a:bodyPr/>
+        <a:lstStyle/>
+        <a:p>
+          <a:endParaRPr lang="en-US"/>
+        </a:p>
+      </dgm:t>
     </dgm:pt>
     <dgm:pt modelId="{B07357FA-3AD7-45B2-873C-F7411ABE1AB7}" type="pres">
-      <dgm:prSet presAssocID="{98B56EA5-F140-4B9C-84CB-D697DD2374D3}" presName="descendantText" presStyleLbl="alignAcc1" presStyleIdx="0" presStyleCnt="6">
+      <dgm:prSet presAssocID="{98B56EA5-F140-4B9C-84CB-D697DD2374D3}" presName="descendantText" presStyleLbl="alignAcc1" presStyleIdx="0" presStyleCnt="5">
         <dgm:presLayoutVars>
           <dgm:bulletEnabled val="1"/>
         </dgm:presLayoutVars>
@@ -5193,16 +5185,23 @@
       <dgm:spPr/>
     </dgm:pt>
     <dgm:pt modelId="{6EADA821-A023-4149-84FA-7E56FE18D484}" type="pres">
-      <dgm:prSet presAssocID="{B1BF15A8-97B2-457B-A975-3502DBD36C4C}" presName="parentText" presStyleLbl="alignNode1" presStyleIdx="1" presStyleCnt="6">
+      <dgm:prSet presAssocID="{B1BF15A8-97B2-457B-A975-3502DBD36C4C}" presName="parentText" presStyleLbl="alignNode1" presStyleIdx="1" presStyleCnt="5">
         <dgm:presLayoutVars>
           <dgm:chMax val="1"/>
           <dgm:bulletEnabled val="1"/>
         </dgm:presLayoutVars>
       </dgm:prSet>
       <dgm:spPr/>
+      <dgm:t>
+        <a:bodyPr/>
+        <a:lstStyle/>
+        <a:p>
+          <a:endParaRPr lang="en-US"/>
+        </a:p>
+      </dgm:t>
     </dgm:pt>
     <dgm:pt modelId="{F746FC6B-C49F-4C75-B0B5-0E8200D317B7}" type="pres">
-      <dgm:prSet presAssocID="{B1BF15A8-97B2-457B-A975-3502DBD36C4C}" presName="descendantText" presStyleLbl="alignAcc1" presStyleIdx="1" presStyleCnt="6">
+      <dgm:prSet presAssocID="{B1BF15A8-97B2-457B-A975-3502DBD36C4C}" presName="descendantText" presStyleLbl="alignAcc1" presStyleIdx="1" presStyleCnt="5">
         <dgm:presLayoutVars>
           <dgm:bulletEnabled val="1"/>
         </dgm:presLayoutVars>
@@ -5225,7 +5224,7 @@
       <dgm:spPr/>
     </dgm:pt>
     <dgm:pt modelId="{2D24FD2B-D7B6-4A54-B907-4ADA0FC73F78}" type="pres">
-      <dgm:prSet presAssocID="{776174DD-F73D-4B42-971A-8D89D46E1003}" presName="parentText" presStyleLbl="alignNode1" presStyleIdx="2" presStyleCnt="6">
+      <dgm:prSet presAssocID="{776174DD-F73D-4B42-971A-8D89D46E1003}" presName="parentText" presStyleLbl="alignNode1" presStyleIdx="2" presStyleCnt="5">
         <dgm:presLayoutVars>
           <dgm:chMax val="1"/>
           <dgm:bulletEnabled val="1"/>
@@ -5241,7 +5240,7 @@
       </dgm:t>
     </dgm:pt>
     <dgm:pt modelId="{4CF64321-1F4E-4ECB-91EF-26FB9FA5D709}" type="pres">
-      <dgm:prSet presAssocID="{776174DD-F73D-4B42-971A-8D89D46E1003}" presName="descendantText" presStyleLbl="alignAcc1" presStyleIdx="2" presStyleCnt="6">
+      <dgm:prSet presAssocID="{776174DD-F73D-4B42-971A-8D89D46E1003}" presName="descendantText" presStyleLbl="alignAcc1" presStyleIdx="2" presStyleCnt="5">
         <dgm:presLayoutVars>
           <dgm:bulletEnabled val="1"/>
         </dgm:presLayoutVars>
@@ -5264,7 +5263,7 @@
       <dgm:spPr/>
     </dgm:pt>
     <dgm:pt modelId="{95E71DEF-31C7-40D0-ABE6-063E643C3CCF}" type="pres">
-      <dgm:prSet presAssocID="{9A50FE0C-9FAF-4C68-9A20-4B4421E3FB2A}" presName="parentText" presStyleLbl="alignNode1" presStyleIdx="3" presStyleCnt="6">
+      <dgm:prSet presAssocID="{9A50FE0C-9FAF-4C68-9A20-4B4421E3FB2A}" presName="parentText" presStyleLbl="alignNode1" presStyleIdx="3" presStyleCnt="5">
         <dgm:presLayoutVars>
           <dgm:chMax val="1"/>
           <dgm:bulletEnabled val="1"/>
@@ -5280,7 +5279,7 @@
       </dgm:t>
     </dgm:pt>
     <dgm:pt modelId="{CA4A00F2-AC9D-450C-8784-7ED15F8E0E72}" type="pres">
-      <dgm:prSet presAssocID="{9A50FE0C-9FAF-4C68-9A20-4B4421E3FB2A}" presName="descendantText" presStyleLbl="alignAcc1" presStyleIdx="3" presStyleCnt="6">
+      <dgm:prSet presAssocID="{9A50FE0C-9FAF-4C68-9A20-4B4421E3FB2A}" presName="descendantText" presStyleLbl="alignAcc1" presStyleIdx="3" presStyleCnt="5">
         <dgm:presLayoutVars>
           <dgm:bulletEnabled val="1"/>
         </dgm:presLayoutVars>
@@ -5303,7 +5302,7 @@
       <dgm:spPr/>
     </dgm:pt>
     <dgm:pt modelId="{170C062D-78C4-4F11-B1FF-1EAFDCAC2720}" type="pres">
-      <dgm:prSet presAssocID="{CA428C37-7F4A-426D-B18A-E869D4CA8004}" presName="parentText" presStyleLbl="alignNode1" presStyleIdx="4" presStyleCnt="6">
+      <dgm:prSet presAssocID="{CA428C37-7F4A-426D-B18A-E869D4CA8004}" presName="parentText" presStyleLbl="alignNode1" presStyleIdx="4" presStyleCnt="5">
         <dgm:presLayoutVars>
           <dgm:chMax val="1"/>
           <dgm:bulletEnabled val="1"/>
@@ -5319,7 +5318,7 @@
       </dgm:t>
     </dgm:pt>
     <dgm:pt modelId="{83482D8D-E648-4688-8BF4-CCE3B7B37915}" type="pres">
-      <dgm:prSet presAssocID="{CA428C37-7F4A-426D-B18A-E869D4CA8004}" presName="descendantText" presStyleLbl="alignAcc1" presStyleIdx="4" presStyleCnt="6">
+      <dgm:prSet presAssocID="{CA428C37-7F4A-426D-B18A-E869D4CA8004}" presName="descendantText" presStyleLbl="alignAcc1" presStyleIdx="4" presStyleCnt="5">
         <dgm:presLayoutVars>
           <dgm:bulletEnabled val="1"/>
         </dgm:presLayoutVars>
@@ -5333,31 +5332,6 @@
         </a:p>
       </dgm:t>
     </dgm:pt>
-    <dgm:pt modelId="{1C725CE7-A65D-4514-A12E-DAAD5FE20447}" type="pres">
-      <dgm:prSet presAssocID="{B7433470-EF45-4A1D-A4FE-B34C64A96A7C}" presName="sp" presStyleCnt="0"/>
-      <dgm:spPr/>
-    </dgm:pt>
-    <dgm:pt modelId="{B75C0487-22C6-4321-8A4F-F45900BDF4F3}" type="pres">
-      <dgm:prSet presAssocID="{70674082-46E5-4FB3-A78B-CD76830AA890}" presName="composite" presStyleCnt="0"/>
-      <dgm:spPr/>
-    </dgm:pt>
-    <dgm:pt modelId="{8DBE12AB-5DE4-493A-9E69-D9A311B86A03}" type="pres">
-      <dgm:prSet presAssocID="{70674082-46E5-4FB3-A78B-CD76830AA890}" presName="parentText" presStyleLbl="alignNode1" presStyleIdx="5" presStyleCnt="6">
-        <dgm:presLayoutVars>
-          <dgm:chMax val="1"/>
-          <dgm:bulletEnabled val="1"/>
-        </dgm:presLayoutVars>
-      </dgm:prSet>
-      <dgm:spPr/>
-    </dgm:pt>
-    <dgm:pt modelId="{A4326992-40D6-4679-B786-28ACF64CEBF9}" type="pres">
-      <dgm:prSet presAssocID="{70674082-46E5-4FB3-A78B-CD76830AA890}" presName="descendantText" presStyleLbl="alignAcc1" presStyleIdx="5" presStyleCnt="6">
-        <dgm:presLayoutVars>
-          <dgm:bulletEnabled val="1"/>
-        </dgm:presLayoutVars>
-      </dgm:prSet>
-      <dgm:spPr/>
-    </dgm:pt>
   </dgm:ptLst>
   <dgm:cxnLst>
     <dgm:cxn modelId="{D229BD5B-3472-446D-802E-06C8E3A665DC}" srcId="{CA428C37-7F4A-426D-B18A-E869D4CA8004}" destId="{DA108B96-B57D-4106-999E-18764A030E80}" srcOrd="0" destOrd="0" parTransId="{3AB777C5-33D9-462F-B725-5A72512AC08F}" sibTransId="{441D0D70-A6F0-4954-B198-ECA30FBFC721}"/>
@@ -5370,15 +5344,11 @@
     <dgm:cxn modelId="{124707A4-0B71-4C6A-B485-B4EAE760A637}" srcId="{98B56EA5-F140-4B9C-84CB-D697DD2374D3}" destId="{F00FF8A4-C82A-4901-A24B-118B591E33B3}" srcOrd="0" destOrd="0" parTransId="{8F66488A-3703-435F-95CC-DC09FF360149}" sibTransId="{B057E16F-871B-42BE-A4F8-E2DFEB6FDEAA}"/>
     <dgm:cxn modelId="{F1606C8A-B94A-4673-AAD1-E37146FBA393}" type="presOf" srcId="{B1BF15A8-97B2-457B-A975-3502DBD36C4C}" destId="{6EADA821-A023-4149-84FA-7E56FE18D484}" srcOrd="0" destOrd="0" presId="urn:microsoft.com/office/officeart/2005/8/layout/chevron2"/>
     <dgm:cxn modelId="{BFD62C71-8161-4EB3-AE46-E05E6C1D7EBF}" type="presOf" srcId="{98B56EA5-F140-4B9C-84CB-D697DD2374D3}" destId="{85899FEB-BB36-41EB-AF15-7B75F1268C5B}" srcOrd="0" destOrd="0" presId="urn:microsoft.com/office/officeart/2005/8/layout/chevron2"/>
-    <dgm:cxn modelId="{5580F1B4-8ED0-4DB6-BDA2-B070B4429A59}" type="presOf" srcId="{6972F710-5B3A-487C-9F48-333897D3C8CF}" destId="{A4326992-40D6-4679-B786-28ACF64CEBF9}" srcOrd="0" destOrd="0" presId="urn:microsoft.com/office/officeart/2005/8/layout/chevron2"/>
-    <dgm:cxn modelId="{E49B1F7F-7012-48ED-9E15-4CBCBE0200A4}" type="presOf" srcId="{70674082-46E5-4FB3-A78B-CD76830AA890}" destId="{8DBE12AB-5DE4-493A-9E69-D9A311B86A03}" srcOrd="0" destOrd="0" presId="urn:microsoft.com/office/officeart/2005/8/layout/chevron2"/>
     <dgm:cxn modelId="{FDAC08B8-CE5A-4527-B5B2-5711293CCE06}" srcId="{B1BF15A8-97B2-457B-A975-3502DBD36C4C}" destId="{6BF1B87D-71F0-44B6-B144-C8B4095CA653}" srcOrd="0" destOrd="0" parTransId="{6C075F2C-DAE3-43DE-ACB5-9FDBCFF09B22}" sibTransId="{994523CB-49C4-46E4-A05E-85CCD4489CB6}"/>
     <dgm:cxn modelId="{8BAB1E67-1CE1-4700-93E2-CA430536610D}" type="presOf" srcId="{F70DEA33-E417-4AB4-BFF5-B138A9C3479E}" destId="{DEC3585A-9BE1-4C01-8D8E-E0C385092A61}" srcOrd="0" destOrd="0" presId="urn:microsoft.com/office/officeart/2005/8/layout/chevron2"/>
     <dgm:cxn modelId="{559FFA82-332C-46CD-A432-85866E1D77D3}" type="presOf" srcId="{776174DD-F73D-4B42-971A-8D89D46E1003}" destId="{2D24FD2B-D7B6-4A54-B907-4ADA0FC73F78}" srcOrd="0" destOrd="0" presId="urn:microsoft.com/office/officeart/2005/8/layout/chevron2"/>
     <dgm:cxn modelId="{C7E045B8-F67B-4CC0-B3A4-F00E8224763A}" type="presOf" srcId="{F00FF8A4-C82A-4901-A24B-118B591E33B3}" destId="{B07357FA-3AD7-45B2-873C-F7411ABE1AB7}" srcOrd="0" destOrd="0" presId="urn:microsoft.com/office/officeart/2005/8/layout/chevron2"/>
-    <dgm:cxn modelId="{8F82FD41-696B-4FB4-B341-39B9D1CA2A5F}" srcId="{F70DEA33-E417-4AB4-BFF5-B138A9C3479E}" destId="{70674082-46E5-4FB3-A78B-CD76830AA890}" srcOrd="5" destOrd="0" parTransId="{EA516AAF-C060-4F4D-A178-F803C88DDEF8}" sibTransId="{A18B2AB1-2F00-4DD2-AF82-D3B97B7102A6}"/>
     <dgm:cxn modelId="{E9E0581D-C4C6-46C4-91F4-5CC92E57AA85}" srcId="{F70DEA33-E417-4AB4-BFF5-B138A9C3479E}" destId="{9A50FE0C-9FAF-4C68-9A20-4B4421E3FB2A}" srcOrd="3" destOrd="0" parTransId="{0D1A0B71-A496-44EA-9FEB-02FA4323D1A4}" sibTransId="{A2F2DCC3-E958-4EEF-9772-95BDAF3EFF9D}"/>
-    <dgm:cxn modelId="{95573857-77CC-4312-B81A-73D2539ACC5D}" srcId="{70674082-46E5-4FB3-A78B-CD76830AA890}" destId="{6972F710-5B3A-487C-9F48-333897D3C8CF}" srcOrd="0" destOrd="0" parTransId="{5ED066B7-D42A-4272-992E-0CBF786A3720}" sibTransId="{D4004E4E-8DC0-40FD-B2E6-A2D68EADCFCE}"/>
     <dgm:cxn modelId="{20EE24FC-74DE-4138-B9A0-FE93AAEC34F5}" type="presOf" srcId="{CA428C37-7F4A-426D-B18A-E869D4CA8004}" destId="{170C062D-78C4-4F11-B1FF-1EAFDCAC2720}" srcOrd="0" destOrd="0" presId="urn:microsoft.com/office/officeart/2005/8/layout/chevron2"/>
     <dgm:cxn modelId="{9679EC04-7A14-4372-9B72-AFD5BB2F0949}" srcId="{776174DD-F73D-4B42-971A-8D89D46E1003}" destId="{144DD4A0-F145-482C-85E4-F1B4C517D427}" srcOrd="0" destOrd="0" parTransId="{6F1D778C-3058-4A8B-B01A-7E65ADE30F93}" sibTransId="{7F473BD3-5D46-4E37-BCDE-BFF6FC0F0C58}"/>
     <dgm:cxn modelId="{15BDE41F-8598-4400-A603-A701122972B7}" type="presOf" srcId="{DA108B96-B57D-4106-999E-18764A030E80}" destId="{83482D8D-E648-4688-8BF4-CCE3B7B37915}" srcOrd="0" destOrd="0" presId="urn:microsoft.com/office/officeart/2005/8/layout/chevron2"/>
@@ -5404,10 +5374,6 @@
     <dgm:cxn modelId="{3BB9B41F-A9C3-4EEF-9C58-8C947C536254}" type="presParOf" srcId="{DEC3585A-9BE1-4C01-8D8E-E0C385092A61}" destId="{339D53C0-B4BB-4997-82A0-2C977DCD7B43}" srcOrd="8" destOrd="0" presId="urn:microsoft.com/office/officeart/2005/8/layout/chevron2"/>
     <dgm:cxn modelId="{DEBAA3C1-1F4F-47CB-BF15-D187666413B8}" type="presParOf" srcId="{339D53C0-B4BB-4997-82A0-2C977DCD7B43}" destId="{170C062D-78C4-4F11-B1FF-1EAFDCAC2720}" srcOrd="0" destOrd="0" presId="urn:microsoft.com/office/officeart/2005/8/layout/chevron2"/>
     <dgm:cxn modelId="{81811113-3C71-4A35-AB89-717C85EE4B6C}" type="presParOf" srcId="{339D53C0-B4BB-4997-82A0-2C977DCD7B43}" destId="{83482D8D-E648-4688-8BF4-CCE3B7B37915}" srcOrd="1" destOrd="0" presId="urn:microsoft.com/office/officeart/2005/8/layout/chevron2"/>
-    <dgm:cxn modelId="{FB598F7C-EDE9-4A69-8803-270388DAE1E0}" type="presParOf" srcId="{DEC3585A-9BE1-4C01-8D8E-E0C385092A61}" destId="{1C725CE7-A65D-4514-A12E-DAAD5FE20447}" srcOrd="9" destOrd="0" presId="urn:microsoft.com/office/officeart/2005/8/layout/chevron2"/>
-    <dgm:cxn modelId="{15AAF958-9E01-416B-A626-5B1212D88129}" type="presParOf" srcId="{DEC3585A-9BE1-4C01-8D8E-E0C385092A61}" destId="{B75C0487-22C6-4321-8A4F-F45900BDF4F3}" srcOrd="10" destOrd="0" presId="urn:microsoft.com/office/officeart/2005/8/layout/chevron2"/>
-    <dgm:cxn modelId="{9C3E93ED-CEF6-4D53-97A7-11602DA2DAD1}" type="presParOf" srcId="{B75C0487-22C6-4321-8A4F-F45900BDF4F3}" destId="{8DBE12AB-5DE4-493A-9E69-D9A311B86A03}" srcOrd="0" destOrd="0" presId="urn:microsoft.com/office/officeart/2005/8/layout/chevron2"/>
-    <dgm:cxn modelId="{71E46566-9460-4A2C-816E-E9F0BBE01C5A}" type="presParOf" srcId="{B75C0487-22C6-4321-8A4F-F45900BDF4F3}" destId="{A4326992-40D6-4679-B786-28ACF64CEBF9}" srcOrd="1" destOrd="0" presId="urn:microsoft.com/office/officeart/2005/8/layout/chevron2"/>
   </dgm:cxnLst>
   <dgm:bg/>
   <dgm:whole/>
@@ -5555,6 +5521,13 @@
         </dgm:presLayoutVars>
       </dgm:prSet>
       <dgm:spPr/>
+      <dgm:t>
+        <a:bodyPr/>
+        <a:lstStyle/>
+        <a:p>
+          <a:endParaRPr lang="en-US"/>
+        </a:p>
+      </dgm:t>
     </dgm:pt>
     <dgm:pt modelId="{D84D69B6-DFDC-4A16-A66A-B5B4C2F5E82C}" type="pres">
       <dgm:prSet presAssocID="{8506DDB1-A783-4B95-90E1-82CAD7A266C0}" presName="composite" presStyleCnt="0"/>
@@ -5571,6 +5544,13 @@
         </dgm:presLayoutVars>
       </dgm:prSet>
       <dgm:spPr/>
+      <dgm:t>
+        <a:bodyPr/>
+        <a:lstStyle/>
+        <a:p>
+          <a:endParaRPr lang="en-US"/>
+        </a:p>
+      </dgm:t>
     </dgm:pt>
     <dgm:pt modelId="{D8E21BC0-73C2-4E1B-B7BE-4CC39A3F5DF5}" type="pres">
       <dgm:prSet presAssocID="{36D45A1F-C351-429F-A4BC-C034C1331326}" presName="spacing" presStyleCnt="0"/>
@@ -5591,6 +5571,13 @@
         </dgm:presLayoutVars>
       </dgm:prSet>
       <dgm:spPr/>
+      <dgm:t>
+        <a:bodyPr/>
+        <a:lstStyle/>
+        <a:p>
+          <a:endParaRPr lang="en-US"/>
+        </a:p>
+      </dgm:t>
     </dgm:pt>
     <dgm:pt modelId="{4122EF64-F203-4A2D-A64B-A2953047FAD2}" type="pres">
       <dgm:prSet presAssocID="{93703D92-C39E-46E2-965C-BB4C031F2C3D}" presName="spacing" presStyleCnt="0"/>
@@ -5611,16 +5598,23 @@
         </dgm:presLayoutVars>
       </dgm:prSet>
       <dgm:spPr/>
+      <dgm:t>
+        <a:bodyPr/>
+        <a:lstStyle/>
+        <a:p>
+          <a:endParaRPr lang="en-US"/>
+        </a:p>
+      </dgm:t>
     </dgm:pt>
   </dgm:ptLst>
   <dgm:cxnLst>
+    <dgm:cxn modelId="{CF4A0628-34DF-4A0E-93CD-E918BDE4A4CA}" type="presOf" srcId="{8506DDB1-A783-4B95-90E1-82CAD7A266C0}" destId="{48943FCA-4490-4C92-9330-3FEB38BFCF1B}" srcOrd="0" destOrd="0" presId="urn:microsoft.com/office/officeart/2005/8/layout/vList3"/>
+    <dgm:cxn modelId="{87FFF4F9-2428-454F-A5F9-2D23D661545E}" type="presOf" srcId="{EAF55567-48E7-4D92-99E9-B272F6EF6AE3}" destId="{9EC5CACE-A818-4A32-86AC-9C2B86805B61}" srcOrd="0" destOrd="0" presId="urn:microsoft.com/office/officeart/2005/8/layout/vList3"/>
+    <dgm:cxn modelId="{6CFF368F-2CEA-445F-AFB2-7BC79B349F98}" srcId="{9495492E-B049-4AF3-9AC3-7EED885D82A8}" destId="{EAF55567-48E7-4D92-99E9-B272F6EF6AE3}" srcOrd="1" destOrd="0" parTransId="{B1AFF43F-C2BA-46C3-8958-5D276CF80FA5}" sibTransId="{93703D92-C39E-46E2-965C-BB4C031F2C3D}"/>
+    <dgm:cxn modelId="{EFA60FB5-358D-4461-8E6E-E915CF011707}" srcId="{9495492E-B049-4AF3-9AC3-7EED885D82A8}" destId="{D4B6BA20-C0F6-43A2-B053-3BAB9895C7EF}" srcOrd="2" destOrd="0" parTransId="{244F6A43-C71D-43A7-916B-7F6E74623875}" sibTransId="{F853CEC7-20F1-4A70-B90D-DC6E90A1473E}"/>
+    <dgm:cxn modelId="{F565B42F-5FBE-45FD-A094-77DEAAA7AC22}" type="presOf" srcId="{9495492E-B049-4AF3-9AC3-7EED885D82A8}" destId="{1759EB97-1F1B-41E0-9DD1-44F38AA3564E}" srcOrd="0" destOrd="0" presId="urn:microsoft.com/office/officeart/2005/8/layout/vList3"/>
     <dgm:cxn modelId="{91FCFE2F-CE99-4648-A5F6-D4895194E9E7}" type="presOf" srcId="{D4B6BA20-C0F6-43A2-B053-3BAB9895C7EF}" destId="{C1974C82-F848-4C61-A678-01D143D4D7F8}" srcOrd="0" destOrd="0" presId="urn:microsoft.com/office/officeart/2005/8/layout/vList3"/>
-    <dgm:cxn modelId="{F565B42F-5FBE-45FD-A094-77DEAAA7AC22}" type="presOf" srcId="{9495492E-B049-4AF3-9AC3-7EED885D82A8}" destId="{1759EB97-1F1B-41E0-9DD1-44F38AA3564E}" srcOrd="0" destOrd="0" presId="urn:microsoft.com/office/officeart/2005/8/layout/vList3"/>
-    <dgm:cxn modelId="{87FFF4F9-2428-454F-A5F9-2D23D661545E}" type="presOf" srcId="{EAF55567-48E7-4D92-99E9-B272F6EF6AE3}" destId="{9EC5CACE-A818-4A32-86AC-9C2B86805B61}" srcOrd="0" destOrd="0" presId="urn:microsoft.com/office/officeart/2005/8/layout/vList3"/>
-    <dgm:cxn modelId="{CF4A0628-34DF-4A0E-93CD-E918BDE4A4CA}" type="presOf" srcId="{8506DDB1-A783-4B95-90E1-82CAD7A266C0}" destId="{48943FCA-4490-4C92-9330-3FEB38BFCF1B}" srcOrd="0" destOrd="0" presId="urn:microsoft.com/office/officeart/2005/8/layout/vList3"/>
     <dgm:cxn modelId="{C27629FA-7DB8-4E36-8EC7-6CC08ABEEE97}" srcId="{9495492E-B049-4AF3-9AC3-7EED885D82A8}" destId="{8506DDB1-A783-4B95-90E1-82CAD7A266C0}" srcOrd="0" destOrd="0" parTransId="{CC2C9A1E-AE2A-45E6-A4AA-4C0CFE7B7BC9}" sibTransId="{36D45A1F-C351-429F-A4BC-C034C1331326}"/>
-    <dgm:cxn modelId="{EFA60FB5-358D-4461-8E6E-E915CF011707}" srcId="{9495492E-B049-4AF3-9AC3-7EED885D82A8}" destId="{D4B6BA20-C0F6-43A2-B053-3BAB9895C7EF}" srcOrd="2" destOrd="0" parTransId="{244F6A43-C71D-43A7-916B-7F6E74623875}" sibTransId="{F853CEC7-20F1-4A70-B90D-DC6E90A1473E}"/>
-    <dgm:cxn modelId="{6CFF368F-2CEA-445F-AFB2-7BC79B349F98}" srcId="{9495492E-B049-4AF3-9AC3-7EED885D82A8}" destId="{EAF55567-48E7-4D92-99E9-B272F6EF6AE3}" srcOrd="1" destOrd="0" parTransId="{B1AFF43F-C2BA-46C3-8958-5D276CF80FA5}" sibTransId="{93703D92-C39E-46E2-965C-BB4C031F2C3D}"/>
     <dgm:cxn modelId="{D7108CCD-B2A2-4BC6-9D0C-C316E0C5EE35}" type="presParOf" srcId="{1759EB97-1F1B-41E0-9DD1-44F38AA3564E}" destId="{D84D69B6-DFDC-4A16-A66A-B5B4C2F5E82C}" srcOrd="0" destOrd="0" presId="urn:microsoft.com/office/officeart/2005/8/layout/vList3"/>
     <dgm:cxn modelId="{345E69B8-13ED-4DC6-B6F9-D3A73E013B87}" type="presParOf" srcId="{D84D69B6-DFDC-4A16-A66A-B5B4C2F5E82C}" destId="{FC5AA89C-5A81-4749-B935-38A669A895AC}" srcOrd="0" destOrd="0" presId="urn:microsoft.com/office/officeart/2005/8/layout/vList3"/>
     <dgm:cxn modelId="{120FBA6C-BD57-4214-A125-050D49DAFE37}" type="presParOf" srcId="{D84D69B6-DFDC-4A16-A66A-B5B4C2F5E82C}" destId="{48943FCA-4490-4C92-9330-3FEB38BFCF1B}" srcOrd="1" destOrd="0" presId="urn:microsoft.com/office/officeart/2005/8/layout/vList3"/>
@@ -5779,6 +5773,13 @@
         </dgm:presLayoutVars>
       </dgm:prSet>
       <dgm:spPr/>
+      <dgm:t>
+        <a:bodyPr/>
+        <a:lstStyle/>
+        <a:p>
+          <a:endParaRPr lang="en-US"/>
+        </a:p>
+      </dgm:t>
     </dgm:pt>
     <dgm:pt modelId="{3212A7B8-60B4-4E24-A0CA-9D68759C7562}" type="pres">
       <dgm:prSet presAssocID="{307E033C-EC98-4B37-88ED-D407854169BC}" presName="arrow" presStyleLbl="bgShp" presStyleIdx="0" presStyleCnt="1"/>
@@ -5795,6 +5796,13 @@
         </dgm:presLayoutVars>
       </dgm:prSet>
       <dgm:spPr/>
+      <dgm:t>
+        <a:bodyPr/>
+        <a:lstStyle/>
+        <a:p>
+          <a:endParaRPr lang="en-US"/>
+        </a:p>
+      </dgm:t>
     </dgm:pt>
     <dgm:pt modelId="{AB9224DC-3C0A-41AA-816F-657F8236F8F7}" type="pres">
       <dgm:prSet presAssocID="{9218F716-CBF0-4958-8DBF-06E03654B08D}" presName="sibTrans" presStyleCnt="0"/>
@@ -5807,6 +5815,13 @@
         </dgm:presLayoutVars>
       </dgm:prSet>
       <dgm:spPr/>
+      <dgm:t>
+        <a:bodyPr/>
+        <a:lstStyle/>
+        <a:p>
+          <a:endParaRPr lang="en-US"/>
+        </a:p>
+      </dgm:t>
     </dgm:pt>
     <dgm:pt modelId="{97ED44A8-B782-41CC-8FF7-BA5949D857EF}" type="pres">
       <dgm:prSet presAssocID="{A04CD481-DD89-4A66-A01A-329C422576BF}" presName="sibTrans" presStyleCnt="0"/>
@@ -5819,6 +5834,13 @@
         </dgm:presLayoutVars>
       </dgm:prSet>
       <dgm:spPr/>
+      <dgm:t>
+        <a:bodyPr/>
+        <a:lstStyle/>
+        <a:p>
+          <a:endParaRPr lang="en-US"/>
+        </a:p>
+      </dgm:t>
     </dgm:pt>
   </dgm:ptLst>
   <dgm:cxnLst>
@@ -5983,6 +6005,13 @@
         </dgm:presLayoutVars>
       </dgm:prSet>
       <dgm:spPr/>
+      <dgm:t>
+        <a:bodyPr/>
+        <a:lstStyle/>
+        <a:p>
+          <a:endParaRPr lang="en-US"/>
+        </a:p>
+      </dgm:t>
     </dgm:pt>
     <dgm:pt modelId="{D1C3D30E-C0B2-4CBC-A0DE-738B76F1F7FD}" type="pres">
       <dgm:prSet presAssocID="{4CA9E177-8528-4B69-AC19-124A1BC4D384}" presName="arrow" presStyleLbl="bgShp" presStyleIdx="0" presStyleCnt="1"/>
@@ -5999,6 +6028,13 @@
         </dgm:presLayoutVars>
       </dgm:prSet>
       <dgm:spPr/>
+      <dgm:t>
+        <a:bodyPr/>
+        <a:lstStyle/>
+        <a:p>
+          <a:endParaRPr lang="en-US"/>
+        </a:p>
+      </dgm:t>
     </dgm:pt>
     <dgm:pt modelId="{5A53F8AF-993D-4BAB-B2A5-96026745D201}" type="pres">
       <dgm:prSet presAssocID="{CF2554D6-0D42-436A-924F-8A574E96996E}" presName="sibTrans" presStyleCnt="0"/>
@@ -6011,6 +6047,13 @@
         </dgm:presLayoutVars>
       </dgm:prSet>
       <dgm:spPr/>
+      <dgm:t>
+        <a:bodyPr/>
+        <a:lstStyle/>
+        <a:p>
+          <a:endParaRPr lang="en-US"/>
+        </a:p>
+      </dgm:t>
     </dgm:pt>
     <dgm:pt modelId="{5D4FA902-B373-4543-A993-B87A1A44FBB5}" type="pres">
       <dgm:prSet presAssocID="{FAE97CFC-21FB-42DE-B453-B675F7E656E7}" presName="sibTrans" presStyleCnt="0"/>
@@ -6023,6 +6066,13 @@
         </dgm:presLayoutVars>
       </dgm:prSet>
       <dgm:spPr/>
+      <dgm:t>
+        <a:bodyPr/>
+        <a:lstStyle/>
+        <a:p>
+          <a:endParaRPr lang="en-US"/>
+        </a:p>
+      </dgm:t>
     </dgm:pt>
   </dgm:ptLst>
   <dgm:cxnLst>
@@ -6187,6 +6237,13 @@
         </dgm:presLayoutVars>
       </dgm:prSet>
       <dgm:spPr/>
+      <dgm:t>
+        <a:bodyPr/>
+        <a:lstStyle/>
+        <a:p>
+          <a:endParaRPr lang="en-US"/>
+        </a:p>
+      </dgm:t>
     </dgm:pt>
     <dgm:pt modelId="{301EBFC2-C106-432A-9B51-5D18A1B17BDD}" type="pres">
       <dgm:prSet presAssocID="{6F48D83A-54E3-4DF4-9A66-362B64A657E5}" presName="arrow" presStyleLbl="bgShp" presStyleIdx="0" presStyleCnt="1"/>
@@ -6203,6 +6260,13 @@
         </dgm:presLayoutVars>
       </dgm:prSet>
       <dgm:spPr/>
+      <dgm:t>
+        <a:bodyPr/>
+        <a:lstStyle/>
+        <a:p>
+          <a:endParaRPr lang="en-US"/>
+        </a:p>
+      </dgm:t>
     </dgm:pt>
     <dgm:pt modelId="{90F7B76F-DE9E-4EC4-A6EE-9AAAB06D9605}" type="pres">
       <dgm:prSet presAssocID="{CDF260E7-5E5A-4782-BB02-BAB68D0ED694}" presName="sibTrans" presStyleCnt="0"/>
@@ -6215,6 +6279,13 @@
         </dgm:presLayoutVars>
       </dgm:prSet>
       <dgm:spPr/>
+      <dgm:t>
+        <a:bodyPr/>
+        <a:lstStyle/>
+        <a:p>
+          <a:endParaRPr lang="en-US"/>
+        </a:p>
+      </dgm:t>
     </dgm:pt>
     <dgm:pt modelId="{27DC73F3-92EB-44CF-9174-5A2D3199D3F7}" type="pres">
       <dgm:prSet presAssocID="{B444D312-E6A5-4ABD-A687-E71648B2C0BD}" presName="sibTrans" presStyleCnt="0"/>
@@ -6227,6 +6298,13 @@
         </dgm:presLayoutVars>
       </dgm:prSet>
       <dgm:spPr/>
+      <dgm:t>
+        <a:bodyPr/>
+        <a:lstStyle/>
+        <a:p>
+          <a:endParaRPr lang="en-US"/>
+        </a:p>
+      </dgm:t>
     </dgm:pt>
   </dgm:ptLst>
   <dgm:cxnLst>
@@ -6270,8 +6348,8 @@
       </dsp:nvSpPr>
       <dsp:spPr>
         <a:xfrm rot="5400000">
-          <a:off x="-118767" y="120603"/>
-          <a:ext cx="791781" cy="554247"/>
+          <a:off x="-141834" y="143984"/>
+          <a:ext cx="945566" cy="661896"/>
         </a:xfrm>
         <a:prstGeom prst="chevron">
           <a:avLst/>
@@ -6312,12 +6390,12 @@
         </a:fontRef>
       </dsp:style>
       <dsp:txBody>
-        <a:bodyPr spcFirstLastPara="0" vert="horz" wrap="square" lIns="8890" tIns="8890" rIns="8890" bIns="8890" numCol="1" spcCol="1270" anchor="ctr" anchorCtr="0">
+        <a:bodyPr spcFirstLastPara="0" vert="horz" wrap="square" lIns="10795" tIns="10795" rIns="10795" bIns="10795" numCol="1" spcCol="1270" anchor="ctr" anchorCtr="0">
           <a:noAutofit/>
         </a:bodyPr>
         <a:lstStyle/>
         <a:p>
-          <a:pPr lvl="0" algn="ctr" defTabSz="622300">
+          <a:pPr lvl="0" algn="ctr" defTabSz="755650">
             <a:lnSpc>
               <a:spcPct val="90000"/>
             </a:lnSpc>
@@ -6329,15 +6407,15 @@
             </a:spcAft>
           </a:pPr>
           <a:r>
-            <a:rPr lang="en-US" sz="1400" kern="1200" dirty="0" smtClean="0"/>
+            <a:rPr lang="en-US" sz="1700" kern="1200" dirty="0" smtClean="0"/>
             <a:t>1</a:t>
           </a:r>
-          <a:endParaRPr lang="en-US" sz="1400" kern="1200" dirty="0"/>
+          <a:endParaRPr lang="en-US" sz="1700" kern="1200" dirty="0"/>
         </a:p>
       </dsp:txBody>
       <dsp:txXfrm rot="-5400000">
-        <a:off x="1" y="278960"/>
-        <a:ext cx="554247" cy="237534"/>
+        <a:off x="1" y="333097"/>
+        <a:ext cx="661896" cy="283670"/>
       </dsp:txXfrm>
     </dsp:sp>
     <dsp:sp modelId="{B07357FA-3AD7-45B2-873C-F7411ABE1AB7}">
@@ -6347,8 +6425,8 @@
       </dsp:nvSpPr>
       <dsp:spPr>
         <a:xfrm rot="5400000">
-          <a:off x="4134594" y="-3578510"/>
-          <a:ext cx="514658" cy="7675352"/>
+          <a:off x="4138439" y="-3474392"/>
+          <a:ext cx="614618" cy="7567703"/>
         </a:xfrm>
         <a:prstGeom prst="round2SameRect">
           <a:avLst/>
@@ -6388,12 +6466,12 @@
         <a:fontRef idx="minor"/>
       </dsp:style>
       <dsp:txBody>
-        <a:bodyPr spcFirstLastPara="0" vert="horz" wrap="square" lIns="199136" tIns="17780" rIns="17780" bIns="17780" numCol="1" spcCol="1270" anchor="ctr" anchorCtr="0">
+        <a:bodyPr spcFirstLastPara="0" vert="horz" wrap="square" lIns="234696" tIns="20955" rIns="20955" bIns="20955" numCol="1" spcCol="1270" anchor="ctr" anchorCtr="0">
           <a:noAutofit/>
         </a:bodyPr>
         <a:lstStyle/>
         <a:p>
-          <a:pPr marL="285750" lvl="1" indent="-285750" algn="l" defTabSz="1244600">
+          <a:pPr marL="285750" lvl="1" indent="-285750" algn="l" defTabSz="1466850">
             <a:lnSpc>
               <a:spcPct val="90000"/>
             </a:lnSpc>
@@ -6406,15 +6484,15 @@
             <a:buChar char="••"/>
           </a:pPr>
           <a:r>
-            <a:rPr lang="en-US" sz="2800" kern="1200" dirty="0" smtClean="0"/>
+            <a:rPr lang="en-US" sz="3300" kern="1200" dirty="0" smtClean="0"/>
             <a:t>Define</a:t>
           </a:r>
-          <a:endParaRPr lang="en-US" sz="2800" kern="1200" dirty="0"/>
+          <a:endParaRPr lang="en-US" sz="3300" kern="1200" dirty="0"/>
         </a:p>
       </dsp:txBody>
       <dsp:txXfrm rot="-5400000">
-        <a:off x="554247" y="26961"/>
-        <a:ext cx="7650228" cy="464410"/>
+        <a:off x="661897" y="32153"/>
+        <a:ext cx="7537700" cy="554612"/>
       </dsp:txXfrm>
     </dsp:sp>
     <dsp:sp modelId="{6EADA821-A023-4149-84FA-7E56FE18D484}">
@@ -6424,8 +6502,8 @@
       </dsp:nvSpPr>
       <dsp:spPr>
         <a:xfrm rot="5400000">
-          <a:off x="-118767" y="812730"/>
-          <a:ext cx="791781" cy="554247"/>
+          <a:off x="-141834" y="970540"/>
+          <a:ext cx="945566" cy="661896"/>
         </a:xfrm>
         <a:prstGeom prst="chevron">
           <a:avLst/>
@@ -6466,12 +6544,12 @@
         </a:fontRef>
       </dsp:style>
       <dsp:txBody>
-        <a:bodyPr spcFirstLastPara="0" vert="horz" wrap="square" lIns="8890" tIns="8890" rIns="8890" bIns="8890" numCol="1" spcCol="1270" anchor="ctr" anchorCtr="0">
+        <a:bodyPr spcFirstLastPara="0" vert="horz" wrap="square" lIns="10795" tIns="10795" rIns="10795" bIns="10795" numCol="1" spcCol="1270" anchor="ctr" anchorCtr="0">
           <a:noAutofit/>
         </a:bodyPr>
         <a:lstStyle/>
         <a:p>
-          <a:pPr lvl="0" algn="ctr" defTabSz="622300">
+          <a:pPr lvl="0" algn="ctr" defTabSz="755650">
             <a:lnSpc>
               <a:spcPct val="90000"/>
             </a:lnSpc>
@@ -6483,15 +6561,15 @@
             </a:spcAft>
           </a:pPr>
           <a:r>
-            <a:rPr lang="en-US" sz="1400" kern="1200" dirty="0" smtClean="0"/>
+            <a:rPr lang="en-US" sz="1700" kern="1200" dirty="0" smtClean="0"/>
             <a:t>2</a:t>
           </a:r>
-          <a:endParaRPr lang="en-US" sz="1400" kern="1200" dirty="0"/>
+          <a:endParaRPr lang="en-US" sz="1700" kern="1200" dirty="0"/>
         </a:p>
       </dsp:txBody>
       <dsp:txXfrm rot="-5400000">
-        <a:off x="1" y="971087"/>
-        <a:ext cx="554247" cy="237534"/>
+        <a:off x="1" y="1159653"/>
+        <a:ext cx="661896" cy="283670"/>
       </dsp:txXfrm>
     </dsp:sp>
     <dsp:sp modelId="{F746FC6B-C49F-4C75-B0B5-0E8200D317B7}">
@@ -6501,8 +6579,8 @@
       </dsp:nvSpPr>
       <dsp:spPr>
         <a:xfrm rot="5400000">
-          <a:off x="4134594" y="-2886384"/>
-          <a:ext cx="514658" cy="7675352"/>
+          <a:off x="4138439" y="-2647837"/>
+          <a:ext cx="614618" cy="7567703"/>
         </a:xfrm>
         <a:prstGeom prst="round2SameRect">
           <a:avLst/>
@@ -6542,12 +6620,12 @@
         <a:fontRef idx="minor"/>
       </dsp:style>
       <dsp:txBody>
-        <a:bodyPr spcFirstLastPara="0" vert="horz" wrap="square" lIns="199136" tIns="17780" rIns="17780" bIns="17780" numCol="1" spcCol="1270" anchor="ctr" anchorCtr="0">
+        <a:bodyPr spcFirstLastPara="0" vert="horz" wrap="square" lIns="234696" tIns="20955" rIns="20955" bIns="20955" numCol="1" spcCol="1270" anchor="ctr" anchorCtr="0">
           <a:noAutofit/>
         </a:bodyPr>
         <a:lstStyle/>
         <a:p>
-          <a:pPr marL="285750" lvl="1" indent="-285750" algn="l" defTabSz="1244600">
+          <a:pPr marL="285750" lvl="1" indent="-285750" algn="l" defTabSz="1466850">
             <a:lnSpc>
               <a:spcPct val="90000"/>
             </a:lnSpc>
@@ -6560,15 +6638,15 @@
             <a:buChar char="••"/>
           </a:pPr>
           <a:r>
-            <a:rPr lang="en-US" sz="2800" kern="1200" dirty="0" smtClean="0"/>
+            <a:rPr lang="en-US" sz="3300" kern="1200" dirty="0" smtClean="0"/>
             <a:t>Code Review Methodology</a:t>
           </a:r>
-          <a:endParaRPr lang="en-US" sz="2800" kern="1200" dirty="0"/>
+          <a:endParaRPr lang="en-US" sz="3300" kern="1200" dirty="0"/>
         </a:p>
       </dsp:txBody>
       <dsp:txXfrm rot="-5400000">
-        <a:off x="554247" y="719087"/>
-        <a:ext cx="7650228" cy="464410"/>
+        <a:off x="661897" y="858708"/>
+        <a:ext cx="7537700" cy="554612"/>
       </dsp:txXfrm>
     </dsp:sp>
     <dsp:sp modelId="{2D24FD2B-D7B6-4A54-B907-4ADA0FC73F78}">
@@ -6578,8 +6656,8 @@
       </dsp:nvSpPr>
       <dsp:spPr>
         <a:xfrm rot="5400000">
-          <a:off x="-118767" y="1504856"/>
-          <a:ext cx="791781" cy="554247"/>
+          <a:off x="-141834" y="1797095"/>
+          <a:ext cx="945566" cy="661896"/>
         </a:xfrm>
         <a:prstGeom prst="chevron">
           <a:avLst/>
@@ -6620,12 +6698,12 @@
         </a:fontRef>
       </dsp:style>
       <dsp:txBody>
-        <a:bodyPr spcFirstLastPara="0" vert="horz" wrap="square" lIns="8890" tIns="8890" rIns="8890" bIns="8890" numCol="1" spcCol="1270" anchor="ctr" anchorCtr="0">
+        <a:bodyPr spcFirstLastPara="0" vert="horz" wrap="square" lIns="10795" tIns="10795" rIns="10795" bIns="10795" numCol="1" spcCol="1270" anchor="ctr" anchorCtr="0">
           <a:noAutofit/>
         </a:bodyPr>
         <a:lstStyle/>
         <a:p>
-          <a:pPr lvl="0" algn="ctr" defTabSz="622300">
+          <a:pPr lvl="0" algn="ctr" defTabSz="755650">
             <a:lnSpc>
               <a:spcPct val="90000"/>
             </a:lnSpc>
@@ -6637,15 +6715,15 @@
             </a:spcAft>
           </a:pPr>
           <a:r>
-            <a:rPr lang="en-US" sz="1400" kern="1200" dirty="0" smtClean="0"/>
+            <a:rPr lang="en-US" sz="1700" kern="1200" dirty="0" smtClean="0"/>
             <a:t>3</a:t>
           </a:r>
-          <a:endParaRPr lang="en-US" sz="1400" kern="1200" dirty="0"/>
+          <a:endParaRPr lang="en-US" sz="1700" kern="1200" dirty="0"/>
         </a:p>
       </dsp:txBody>
       <dsp:txXfrm rot="-5400000">
-        <a:off x="1" y="1663213"/>
-        <a:ext cx="554247" cy="237534"/>
+        <a:off x="1" y="1986208"/>
+        <a:ext cx="661896" cy="283670"/>
       </dsp:txXfrm>
     </dsp:sp>
     <dsp:sp modelId="{4CF64321-1F4E-4ECB-91EF-26FB9FA5D709}">
@@ -6655,8 +6733,8 @@
       </dsp:nvSpPr>
       <dsp:spPr>
         <a:xfrm rot="5400000">
-          <a:off x="4134594" y="-2194257"/>
-          <a:ext cx="514658" cy="7675352"/>
+          <a:off x="4138439" y="-1821282"/>
+          <a:ext cx="614618" cy="7567703"/>
         </a:xfrm>
         <a:prstGeom prst="round2SameRect">
           <a:avLst/>
@@ -6696,12 +6774,12 @@
         <a:fontRef idx="minor"/>
       </dsp:style>
       <dsp:txBody>
-        <a:bodyPr spcFirstLastPara="0" vert="horz" wrap="square" lIns="199136" tIns="17780" rIns="17780" bIns="17780" numCol="1" spcCol="1270" anchor="ctr" anchorCtr="0">
+        <a:bodyPr spcFirstLastPara="0" vert="horz" wrap="square" lIns="234696" tIns="20955" rIns="20955" bIns="20955" numCol="1" spcCol="1270" anchor="ctr" anchorCtr="0">
           <a:noAutofit/>
         </a:bodyPr>
         <a:lstStyle/>
         <a:p>
-          <a:pPr marL="285750" lvl="1" indent="-285750" algn="l" defTabSz="1244600">
+          <a:pPr marL="285750" lvl="1" indent="-285750" algn="l" defTabSz="1466850">
             <a:lnSpc>
               <a:spcPct val="90000"/>
             </a:lnSpc>
@@ -6714,15 +6792,15 @@
             <a:buChar char="••"/>
           </a:pPr>
           <a:r>
-            <a:rPr lang="en-US" sz="2800" kern="1200" dirty="0" smtClean="0"/>
+            <a:rPr lang="en-US" sz="3300" kern="1200" dirty="0" smtClean="0"/>
             <a:t>Signatures of Common Vulnerabilities</a:t>
           </a:r>
-          <a:endParaRPr lang="en-US" sz="2800" kern="1200" dirty="0"/>
+          <a:endParaRPr lang="en-US" sz="3300" kern="1200" dirty="0"/>
         </a:p>
       </dsp:txBody>
       <dsp:txXfrm rot="-5400000">
-        <a:off x="554247" y="1411214"/>
-        <a:ext cx="7650228" cy="464410"/>
+        <a:off x="661897" y="1685263"/>
+        <a:ext cx="7537700" cy="554612"/>
       </dsp:txXfrm>
     </dsp:sp>
     <dsp:sp modelId="{95E71DEF-31C7-40D0-ABE6-063E643C3CCF}">
@@ -6732,8 +6810,8 @@
       </dsp:nvSpPr>
       <dsp:spPr>
         <a:xfrm rot="5400000">
-          <a:off x="-118767" y="2196983"/>
-          <a:ext cx="791781" cy="554247"/>
+          <a:off x="-141834" y="2623650"/>
+          <a:ext cx="945566" cy="661896"/>
         </a:xfrm>
         <a:prstGeom prst="chevron">
           <a:avLst/>
@@ -6774,12 +6852,12 @@
         </a:fontRef>
       </dsp:style>
       <dsp:txBody>
-        <a:bodyPr spcFirstLastPara="0" vert="horz" wrap="square" lIns="8890" tIns="8890" rIns="8890" bIns="8890" numCol="1" spcCol="1270" anchor="ctr" anchorCtr="0">
+        <a:bodyPr spcFirstLastPara="0" vert="horz" wrap="square" lIns="10795" tIns="10795" rIns="10795" bIns="10795" numCol="1" spcCol="1270" anchor="ctr" anchorCtr="0">
           <a:noAutofit/>
         </a:bodyPr>
         <a:lstStyle/>
         <a:p>
-          <a:pPr lvl="0" algn="ctr" defTabSz="622300">
+          <a:pPr lvl="0" algn="ctr" defTabSz="755650">
             <a:lnSpc>
               <a:spcPct val="90000"/>
             </a:lnSpc>
@@ -6791,15 +6869,15 @@
             </a:spcAft>
           </a:pPr>
           <a:r>
-            <a:rPr lang="en-US" sz="1400" kern="1200" dirty="0" smtClean="0"/>
+            <a:rPr lang="en-US" sz="1700" kern="1200" dirty="0" smtClean="0"/>
             <a:t>4</a:t>
           </a:r>
-          <a:endParaRPr lang="en-US" sz="1400" kern="1200" dirty="0"/>
+          <a:endParaRPr lang="en-US" sz="1700" kern="1200" dirty="0"/>
         </a:p>
       </dsp:txBody>
       <dsp:txXfrm rot="-5400000">
-        <a:off x="1" y="2355340"/>
-        <a:ext cx="554247" cy="237534"/>
+        <a:off x="1" y="2812763"/>
+        <a:ext cx="661896" cy="283670"/>
       </dsp:txXfrm>
     </dsp:sp>
     <dsp:sp modelId="{CA4A00F2-AC9D-450C-8784-7ED15F8E0E72}">
@@ -6809,8 +6887,8 @@
       </dsp:nvSpPr>
       <dsp:spPr>
         <a:xfrm rot="5400000">
-          <a:off x="4134594" y="-1502131"/>
-          <a:ext cx="514658" cy="7675352"/>
+          <a:off x="4138439" y="-994727"/>
+          <a:ext cx="614618" cy="7567703"/>
         </a:xfrm>
         <a:prstGeom prst="round2SameRect">
           <a:avLst/>
@@ -6850,12 +6928,12 @@
         <a:fontRef idx="minor"/>
       </dsp:style>
       <dsp:txBody>
-        <a:bodyPr spcFirstLastPara="0" vert="horz" wrap="square" lIns="199136" tIns="17780" rIns="17780" bIns="17780" numCol="1" spcCol="1270" anchor="ctr" anchorCtr="0">
+        <a:bodyPr spcFirstLastPara="0" vert="horz" wrap="square" lIns="234696" tIns="20955" rIns="20955" bIns="20955" numCol="1" spcCol="1270" anchor="ctr" anchorCtr="0">
           <a:noAutofit/>
         </a:bodyPr>
         <a:lstStyle/>
         <a:p>
-          <a:pPr marL="285750" lvl="1" indent="-285750" algn="l" defTabSz="1244600">
+          <a:pPr marL="285750" lvl="1" indent="-285750" algn="l" defTabSz="1466850">
             <a:lnSpc>
               <a:spcPct val="90000"/>
             </a:lnSpc>
@@ -6868,15 +6946,15 @@
             <a:buChar char="••"/>
           </a:pPr>
           <a:r>
-            <a:rPr lang="en-US" sz="2800" kern="1200" dirty="0" smtClean="0"/>
+            <a:rPr lang="en-US" sz="3300" kern="1200" dirty="0" smtClean="0"/>
             <a:t>Code Review in Some Platform   </a:t>
           </a:r>
-          <a:endParaRPr lang="en-US" sz="2800" kern="1200" dirty="0"/>
+          <a:endParaRPr lang="en-US" sz="3300" kern="1200" dirty="0"/>
         </a:p>
       </dsp:txBody>
       <dsp:txXfrm rot="-5400000">
-        <a:off x="554247" y="2103340"/>
-        <a:ext cx="7650228" cy="464410"/>
+        <a:off x="661897" y="2511818"/>
+        <a:ext cx="7537700" cy="554612"/>
       </dsp:txXfrm>
     </dsp:sp>
     <dsp:sp modelId="{170C062D-78C4-4F11-B1FF-1EAFDCAC2720}">
@@ -6886,8 +6964,8 @@
       </dsp:nvSpPr>
       <dsp:spPr>
         <a:xfrm rot="5400000">
-          <a:off x="-118767" y="2889109"/>
-          <a:ext cx="791781" cy="554247"/>
+          <a:off x="-141834" y="3450205"/>
+          <a:ext cx="945566" cy="661896"/>
         </a:xfrm>
         <a:prstGeom prst="chevron">
           <a:avLst/>
@@ -6928,12 +7006,12 @@
         </a:fontRef>
       </dsp:style>
       <dsp:txBody>
-        <a:bodyPr spcFirstLastPara="0" vert="horz" wrap="square" lIns="8890" tIns="8890" rIns="8890" bIns="8890" numCol="1" spcCol="1270" anchor="ctr" anchorCtr="0">
+        <a:bodyPr spcFirstLastPara="0" vert="horz" wrap="square" lIns="10795" tIns="10795" rIns="10795" bIns="10795" numCol="1" spcCol="1270" anchor="ctr" anchorCtr="0">
           <a:noAutofit/>
         </a:bodyPr>
         <a:lstStyle/>
         <a:p>
-          <a:pPr lvl="0" algn="ctr" defTabSz="622300">
+          <a:pPr lvl="0" algn="ctr" defTabSz="755650">
             <a:lnSpc>
               <a:spcPct val="90000"/>
             </a:lnSpc>
@@ -6945,15 +7023,15 @@
             </a:spcAft>
           </a:pPr>
           <a:r>
-            <a:rPr lang="en-US" sz="1400" kern="1200" dirty="0" smtClean="0"/>
+            <a:rPr lang="en-US" sz="1700" kern="1200" dirty="0" smtClean="0"/>
             <a:t>5</a:t>
           </a:r>
-          <a:endParaRPr lang="en-US" sz="1400" kern="1200" dirty="0"/>
+          <a:endParaRPr lang="en-US" sz="1700" kern="1200" dirty="0"/>
         </a:p>
       </dsp:txBody>
       <dsp:txXfrm rot="-5400000">
-        <a:off x="1" y="3047466"/>
-        <a:ext cx="554247" cy="237534"/>
+        <a:off x="1" y="3639318"/>
+        <a:ext cx="661896" cy="283670"/>
       </dsp:txXfrm>
     </dsp:sp>
     <dsp:sp modelId="{83482D8D-E648-4688-8BF4-CCE3B7B37915}">
@@ -6963,8 +7041,8 @@
       </dsp:nvSpPr>
       <dsp:spPr>
         <a:xfrm rot="5400000">
-          <a:off x="4134594" y="-810004"/>
-          <a:ext cx="514658" cy="7675352"/>
+          <a:off x="4138439" y="-168171"/>
+          <a:ext cx="614618" cy="7567703"/>
         </a:xfrm>
         <a:prstGeom prst="round2SameRect">
           <a:avLst/>
@@ -7004,12 +7082,12 @@
         <a:fontRef idx="minor"/>
       </dsp:style>
       <dsp:txBody>
-        <a:bodyPr spcFirstLastPara="0" vert="horz" wrap="square" lIns="199136" tIns="17780" rIns="17780" bIns="17780" numCol="1" spcCol="1270" anchor="ctr" anchorCtr="0">
+        <a:bodyPr spcFirstLastPara="0" vert="horz" wrap="square" lIns="234696" tIns="20955" rIns="20955" bIns="20955" numCol="1" spcCol="1270" anchor="ctr" anchorCtr="0">
           <a:noAutofit/>
         </a:bodyPr>
         <a:lstStyle/>
         <a:p>
-          <a:pPr marL="285750" lvl="1" indent="-285750" algn="l" defTabSz="1244600">
+          <a:pPr marL="285750" lvl="1" indent="-285750" algn="l" defTabSz="1466850">
             <a:lnSpc>
               <a:spcPct val="90000"/>
             </a:lnSpc>
@@ -7022,165 +7100,15 @@
             <a:buChar char="••"/>
           </a:pPr>
           <a:r>
-            <a:rPr lang="en-US" sz="2800" i="0" kern="1200" dirty="0" smtClean="0"/>
+            <a:rPr lang="en-US" sz="3300" i="0" kern="1200" dirty="0" smtClean="0"/>
             <a:t>Tools for Code Review</a:t>
           </a:r>
-          <a:endParaRPr lang="en-US" sz="2800" kern="1200" dirty="0"/>
+          <a:endParaRPr lang="en-US" sz="3300" kern="1200" dirty="0"/>
         </a:p>
       </dsp:txBody>
       <dsp:txXfrm rot="-5400000">
-        <a:off x="554247" y="2795467"/>
-        <a:ext cx="7650228" cy="464410"/>
-      </dsp:txXfrm>
-    </dsp:sp>
-    <dsp:sp modelId="{8DBE12AB-5DE4-493A-9E69-D9A311B86A03}">
-      <dsp:nvSpPr>
-        <dsp:cNvPr id="0" name=""/>
-        <dsp:cNvSpPr/>
-      </dsp:nvSpPr>
-      <dsp:spPr>
-        <a:xfrm rot="5400000">
-          <a:off x="-118767" y="3581236"/>
-          <a:ext cx="791781" cy="554247"/>
-        </a:xfrm>
-        <a:prstGeom prst="chevron">
-          <a:avLst/>
-        </a:prstGeom>
-        <a:solidFill>
-          <a:schemeClr val="accent2">
-            <a:hueOff val="0"/>
-            <a:satOff val="0"/>
-            <a:lumOff val="0"/>
-            <a:alphaOff val="0"/>
-          </a:schemeClr>
-        </a:solidFill>
-        <a:ln w="25400" cap="flat" cmpd="sng" algn="ctr">
-          <a:solidFill>
-            <a:schemeClr val="accent2">
-              <a:hueOff val="0"/>
-              <a:satOff val="0"/>
-              <a:lumOff val="0"/>
-              <a:alphaOff val="0"/>
-            </a:schemeClr>
-          </a:solidFill>
-          <a:prstDash val="solid"/>
-        </a:ln>
-        <a:effectLst/>
-      </dsp:spPr>
-      <dsp:style>
-        <a:lnRef idx="2">
-          <a:scrgbClr r="0" g="0" b="0"/>
-        </a:lnRef>
-        <a:fillRef idx="1">
-          <a:scrgbClr r="0" g="0" b="0"/>
-        </a:fillRef>
-        <a:effectRef idx="0">
-          <a:scrgbClr r="0" g="0" b="0"/>
-        </a:effectRef>
-        <a:fontRef idx="minor">
-          <a:schemeClr val="lt1"/>
-        </a:fontRef>
-      </dsp:style>
-      <dsp:txBody>
-        <a:bodyPr spcFirstLastPara="0" vert="horz" wrap="square" lIns="8890" tIns="8890" rIns="8890" bIns="8890" numCol="1" spcCol="1270" anchor="ctr" anchorCtr="0">
-          <a:noAutofit/>
-        </a:bodyPr>
-        <a:lstStyle/>
-        <a:p>
-          <a:pPr lvl="0" algn="ctr" defTabSz="622300">
-            <a:lnSpc>
-              <a:spcPct val="90000"/>
-            </a:lnSpc>
-            <a:spcBef>
-              <a:spcPct val="0"/>
-            </a:spcBef>
-            <a:spcAft>
-              <a:spcPct val="35000"/>
-            </a:spcAft>
-          </a:pPr>
-          <a:endParaRPr lang="en-US" sz="1400" kern="1200" dirty="0"/>
-        </a:p>
-      </dsp:txBody>
-      <dsp:txXfrm rot="-5400000">
-        <a:off x="1" y="3739593"/>
-        <a:ext cx="554247" cy="237534"/>
-      </dsp:txXfrm>
-    </dsp:sp>
-    <dsp:sp modelId="{A4326992-40D6-4679-B786-28ACF64CEBF9}">
-      <dsp:nvSpPr>
-        <dsp:cNvPr id="0" name=""/>
-        <dsp:cNvSpPr/>
-      </dsp:nvSpPr>
-      <dsp:spPr>
-        <a:xfrm rot="5400000">
-          <a:off x="4134594" y="-117878"/>
-          <a:ext cx="514658" cy="7675352"/>
-        </a:xfrm>
-        <a:prstGeom prst="round2SameRect">
-          <a:avLst/>
-        </a:prstGeom>
-        <a:solidFill>
-          <a:schemeClr val="lt1">
-            <a:alpha val="90000"/>
-            <a:hueOff val="0"/>
-            <a:satOff val="0"/>
-            <a:lumOff val="0"/>
-            <a:alphaOff val="0"/>
-          </a:schemeClr>
-        </a:solidFill>
-        <a:ln w="25400" cap="flat" cmpd="sng" algn="ctr">
-          <a:solidFill>
-            <a:schemeClr val="accent2">
-              <a:hueOff val="0"/>
-              <a:satOff val="0"/>
-              <a:lumOff val="0"/>
-              <a:alphaOff val="0"/>
-            </a:schemeClr>
-          </a:solidFill>
-          <a:prstDash val="solid"/>
-        </a:ln>
-        <a:effectLst/>
-      </dsp:spPr>
-      <dsp:style>
-        <a:lnRef idx="2">
-          <a:scrgbClr r="0" g="0" b="0"/>
-        </a:lnRef>
-        <a:fillRef idx="1">
-          <a:scrgbClr r="0" g="0" b="0"/>
-        </a:fillRef>
-        <a:effectRef idx="0">
-          <a:scrgbClr r="0" g="0" b="0"/>
-        </a:effectRef>
-        <a:fontRef idx="minor"/>
-      </dsp:style>
-      <dsp:txBody>
-        <a:bodyPr spcFirstLastPara="0" vert="horz" wrap="square" lIns="199136" tIns="17780" rIns="17780" bIns="17780" numCol="1" spcCol="1270" anchor="ctr" anchorCtr="0">
-          <a:noAutofit/>
-        </a:bodyPr>
-        <a:lstStyle/>
-        <a:p>
-          <a:pPr marL="285750" lvl="1" indent="-285750" algn="l" defTabSz="1244600">
-            <a:lnSpc>
-              <a:spcPct val="90000"/>
-            </a:lnSpc>
-            <a:spcBef>
-              <a:spcPct val="0"/>
-            </a:spcBef>
-            <a:spcAft>
-              <a:spcPct val="15000"/>
-            </a:spcAft>
-            <a:buChar char="••"/>
-          </a:pPr>
-          <a:r>
-            <a:rPr lang="en-US" sz="2800" kern="1200" dirty="0" smtClean="0"/>
-            <a:t>Taint Tracking</a:t>
-          </a:r>
-          <a:endParaRPr lang="en-US" sz="2800" kern="1200" dirty="0"/>
-        </a:p>
-      </dsp:txBody>
-      <dsp:txXfrm rot="-5400000">
-        <a:off x="554247" y="3487593"/>
-        <a:ext cx="7650228" cy="464410"/>
+        <a:off x="661897" y="3338374"/>
+        <a:ext cx="7537700" cy="554612"/>
       </dsp:txXfrm>
     </dsp:sp>
   </dsp:spTree>
@@ -14556,7 +14484,7 @@
           <a:p>
             <a:fld id="{D646A940-0B55-4A74-A322-77202D9E85AF}" type="datetimeFigureOut">
               <a:rPr lang="en-US" smtClean="0"/>
-              <a:t>7/19/2015</a:t>
+              <a:t>7/21/2015</a:t>
             </a:fld>
             <a:endParaRPr lang="en-US"/>
           </a:p>
@@ -14912,7 +14840,7 @@
                   <a:spcPct val="0"/>
                 </a:spcAft>
               </a:pPr>
-              <a:t>15</a:t>
+              <a:t>49</a:t>
             </a:fld>
             <a:endParaRPr lang="en-US" dirty="0">
               <a:solidFill>
@@ -15369,7 +15297,7 @@
           <a:p>
             <a:fld id="{DE232201-B8D7-452C-8AB1-80042270467A}" type="datetimeFigureOut">
               <a:rPr lang="en-US" smtClean="0"/>
-              <a:t>7/19/2015</a:t>
+              <a:t>7/21/2015</a:t>
             </a:fld>
             <a:endParaRPr lang="en-US"/>
           </a:p>
@@ -15670,7 +15598,7 @@
           <a:p>
             <a:fld id="{DE232201-B8D7-452C-8AB1-80042270467A}" type="datetimeFigureOut">
               <a:rPr lang="en-US" smtClean="0"/>
-              <a:t>7/19/2015</a:t>
+              <a:t>7/21/2015</a:t>
             </a:fld>
             <a:endParaRPr lang="en-US"/>
           </a:p>
@@ -15812,7 +15740,7 @@
           <a:p>
             <a:fld id="{DE232201-B8D7-452C-8AB1-80042270467A}" type="datetimeFigureOut">
               <a:rPr lang="en-US" smtClean="0"/>
-              <a:t>7/19/2015</a:t>
+              <a:t>7/21/2015</a:t>
             </a:fld>
             <a:endParaRPr lang="en-US"/>
           </a:p>
@@ -15924,7 +15852,7 @@
           <a:p>
             <a:fld id="{DE232201-B8D7-452C-8AB1-80042270467A}" type="datetimeFigureOut">
               <a:rPr lang="en-US" smtClean="0"/>
-              <a:t>7/19/2015</a:t>
+              <a:t>7/21/2015</a:t>
             </a:fld>
             <a:endParaRPr lang="en-US"/>
           </a:p>
@@ -16229,7 +16157,7 @@
           <a:p>
             <a:fld id="{DE232201-B8D7-452C-8AB1-80042270467A}" type="datetimeFigureOut">
               <a:rPr lang="en-US" smtClean="0"/>
-              <a:t>7/19/2015</a:t>
+              <a:t>7/21/2015</a:t>
             </a:fld>
             <a:endParaRPr lang="en-US"/>
           </a:p>
@@ -16691,7 +16619,7 @@
           <a:p>
             <a:fld id="{DE232201-B8D7-452C-8AB1-80042270467A}" type="datetimeFigureOut">
               <a:rPr lang="en-US" smtClean="0"/>
-              <a:t>7/19/2015</a:t>
+              <a:t>7/21/2015</a:t>
             </a:fld>
             <a:endParaRPr lang="en-US"/>
           </a:p>
@@ -16965,7 +16893,7 @@
           <a:p>
             <a:fld id="{DE232201-B8D7-452C-8AB1-80042270467A}" type="datetimeFigureOut">
               <a:rPr lang="en-US" smtClean="0"/>
-              <a:t>7/19/2015</a:t>
+              <a:t>7/21/2015</a:t>
             </a:fld>
             <a:endParaRPr lang="en-US"/>
           </a:p>
@@ -17285,7 +17213,7 @@
           <a:p>
             <a:fld id="{DE232201-B8D7-452C-8AB1-80042270467A}" type="datetimeFigureOut">
               <a:rPr lang="en-US" smtClean="0"/>
-              <a:t>7/19/2015</a:t>
+              <a:t>7/21/2015</a:t>
             </a:fld>
             <a:endParaRPr lang="en-US"/>
           </a:p>
@@ -17780,7 +17708,6 @@
               <a:rPr lang="en-US" dirty="0"/>
               <a:t>namhabach@gmail.com</a:t>
             </a:r>
-            <a:endParaRPr lang="en-US" dirty="0"/>
           </a:p>
         </p:txBody>
       </p:sp>
@@ -17831,149 +17758,657 @@
             <p:ph type="title"/>
           </p:nvPr>
         </p:nvSpPr>
-        <p:spPr>
-          <a:xfrm>
-            <a:off x="457200" y="893763"/>
-            <a:ext cx="8229600" cy="553998"/>
-          </a:xfrm>
-        </p:spPr>
+        <p:spPr/>
         <p:txBody>
           <a:bodyPr/>
           <a:lstStyle/>
           <a:p>
-            <a:pPr lvl="0"/>
-            <a:r>
-              <a:rPr lang="en-US" dirty="0"/>
-              <a:t>Performing a line-by-line </a:t>
-            </a:r>
-            <a:r>
-              <a:rPr lang="en-US" dirty="0" smtClean="0"/>
-              <a:t>review</a:t>
-            </a:r>
-            <a:endParaRPr lang="en-US" dirty="0"/>
+            <a:r>
+              <a:rPr lang="en-US" dirty="0"/>
+              <a:t>Trace</a:t>
+            </a:r>
           </a:p>
         </p:txBody>
       </p:sp>
-      <p:graphicFrame>
-        <p:nvGraphicFramePr>
-          <p:cNvPr id="4" name="Content Placeholder 3"/>
-          <p:cNvGraphicFramePr>
-            <a:graphicFrameLocks noGrp="1"/>
-          </p:cNvGraphicFramePr>
+      <p:sp>
+        <p:nvSpPr>
+          <p:cNvPr id="3" name="Content Placeholder 2"/>
+          <p:cNvSpPr>
+            <a:spLocks noGrp="1"/>
+          </p:cNvSpPr>
           <p:nvPr>
             <p:ph idx="1"/>
-            <p:extLst>
-              <p:ext uri="{D42A27DB-BD31-4B8C-83A1-F6EECF244321}">
-                <p14:modId xmlns:p14="http://schemas.microsoft.com/office/powerpoint/2010/main" val="3994965154"/>
-              </p:ext>
-            </p:extLst>
           </p:nvPr>
-        </p:nvGraphicFramePr>
-        <p:xfrm>
-          <a:off x="449263" y="1598612"/>
-          <a:ext cx="8229600" cy="2287587"/>
-        </p:xfrm>
-        <a:graphic>
-          <a:graphicData uri="http://schemas.openxmlformats.org/drawingml/2006/diagram">
-            <dgm:relIds xmlns:dgm="http://schemas.openxmlformats.org/drawingml/2006/diagram" xmlns:r="http://schemas.openxmlformats.org/officeDocument/2006/relationships" r:dm="rId2" r:lo="rId3" r:qs="rId4" r:cs="rId5"/>
-          </a:graphicData>
-        </a:graphic>
-      </p:graphicFrame>
+        </p:nvSpPr>
+        <p:spPr/>
+        <p:txBody>
+          <a:bodyPr/>
+          <a:lstStyle/>
+          <a:p>
+            <a:endParaRPr lang="en-US" dirty="0"/>
+          </a:p>
+        </p:txBody>
+      </p:sp>
       <p:sp>
         <p:nvSpPr>
-          <p:cNvPr id="6" name="TextBox 5"/>
-          <p:cNvSpPr txBox="1"/>
+          <p:cNvPr id="4" name="Rectangle 3"/>
+          <p:cNvSpPr/>
           <p:nvPr/>
         </p:nvSpPr>
         <p:spPr>
           <a:xfrm>
-            <a:off x="1600200" y="3733800"/>
-            <a:ext cx="4648200" cy="1477328"/>
+            <a:off x="533400" y="3200400"/>
+            <a:ext cx="1752600" cy="533400"/>
           </a:xfrm>
           <a:prstGeom prst="rect">
             <a:avLst/>
           </a:prstGeom>
-          <a:noFill/>
         </p:spPr>
+        <p:style>
+          <a:lnRef idx="2">
+            <a:schemeClr val="accent5">
+              <a:shade val="50000"/>
+            </a:schemeClr>
+          </a:lnRef>
+          <a:fillRef idx="1">
+            <a:schemeClr val="accent5"/>
+          </a:fillRef>
+          <a:effectRef idx="0">
+            <a:schemeClr val="accent5"/>
+          </a:effectRef>
+          <a:fontRef idx="minor">
+            <a:schemeClr val="lt1"/>
+          </a:fontRef>
+        </p:style>
         <p:txBody>
-          <a:bodyPr wrap="square" rtlCol="0">
-            <a:spAutoFit/>
-          </a:bodyPr>
+          <a:bodyPr rtlCol="0" anchor="ctr"/>
           <a:lstStyle/>
           <a:p>
+            <a:pPr algn="ctr"/>
             <a:r>
               <a:rPr lang="en-US" dirty="0" smtClean="0"/>
-              <a:t>For key </a:t>
-            </a:r>
-            <a:r>
-              <a:rPr lang="en-US" dirty="0"/>
-              <a:t>security </a:t>
-            </a:r>
-            <a:r>
-              <a:rPr lang="en-US" dirty="0" smtClean="0"/>
-              <a:t>mechanisms:</a:t>
-            </a:r>
-          </a:p>
-          <a:p>
-            <a:pPr marL="285750" indent="-285750">
-              <a:buFont typeface="Arial" panose="020B0604020202020204" pitchFamily="34" charset="0"/>
-              <a:buChar char="•"/>
-            </a:pPr>
-            <a:r>
-              <a:rPr lang="en-US" dirty="0" smtClean="0"/>
-              <a:t>Authentication </a:t>
-            </a:r>
-          </a:p>
-          <a:p>
-            <a:pPr marL="285750" indent="-285750">
-              <a:buFont typeface="Arial" panose="020B0604020202020204" pitchFamily="34" charset="0"/>
-              <a:buChar char="•"/>
-            </a:pPr>
-            <a:r>
-              <a:rPr lang="en-US" dirty="0" smtClean="0"/>
-              <a:t>Session management</a:t>
-            </a:r>
-          </a:p>
-          <a:p>
-            <a:pPr marL="285750" indent="-285750">
-              <a:buFont typeface="Arial" panose="020B0604020202020204" pitchFamily="34" charset="0"/>
-              <a:buChar char="•"/>
-            </a:pPr>
-            <a:r>
-              <a:rPr lang="en-US" dirty="0" smtClean="0"/>
-              <a:t>Access control</a:t>
-            </a:r>
-          </a:p>
-          <a:p>
-            <a:pPr marL="285750" indent="-285750">
-              <a:buFont typeface="Arial" panose="020B0604020202020204" pitchFamily="34" charset="0"/>
-              <a:buChar char="•"/>
-            </a:pPr>
-            <a:r>
-              <a:rPr lang="en-US" dirty="0"/>
-              <a:t>A</a:t>
-            </a:r>
-            <a:r>
-              <a:rPr lang="en-US" dirty="0" smtClean="0"/>
-              <a:t>pplication-wide </a:t>
-            </a:r>
-            <a:r>
-              <a:rPr lang="en-US" dirty="0"/>
-              <a:t>input validation</a:t>
-            </a:r>
+              <a:t>Entry Point</a:t>
+            </a:r>
+            <a:endParaRPr lang="en-US" dirty="0"/>
           </a:p>
         </p:txBody>
       </p:sp>
+      <p:sp>
+        <p:nvSpPr>
+          <p:cNvPr id="6" name="Rectangle 5"/>
+          <p:cNvSpPr/>
+          <p:nvPr/>
+        </p:nvSpPr>
+        <p:spPr>
+          <a:xfrm>
+            <a:off x="6781800" y="2095500"/>
+            <a:ext cx="1752600" cy="533400"/>
+          </a:xfrm>
+          <a:prstGeom prst="rect">
+            <a:avLst/>
+          </a:prstGeom>
+        </p:spPr>
+        <p:style>
+          <a:lnRef idx="2">
+            <a:schemeClr val="accent4">
+              <a:shade val="50000"/>
+            </a:schemeClr>
+          </a:lnRef>
+          <a:fillRef idx="1">
+            <a:schemeClr val="accent4"/>
+          </a:fillRef>
+          <a:effectRef idx="0">
+            <a:schemeClr val="accent4"/>
+          </a:effectRef>
+          <a:fontRef idx="minor">
+            <a:schemeClr val="lt1"/>
+          </a:fontRef>
+        </p:style>
+        <p:txBody>
+          <a:bodyPr rtlCol="0" anchor="ctr"/>
+          <a:lstStyle/>
+          <a:p>
+            <a:pPr algn="ctr"/>
+            <a:r>
+              <a:rPr lang="en-US" dirty="0" smtClean="0"/>
+              <a:t>End Point</a:t>
+            </a:r>
+            <a:endParaRPr lang="en-US" dirty="0"/>
+          </a:p>
+        </p:txBody>
+      </p:sp>
+      <p:sp>
+        <p:nvSpPr>
+          <p:cNvPr id="7" name="Rectangle 6"/>
+          <p:cNvSpPr/>
+          <p:nvPr/>
+        </p:nvSpPr>
+        <p:spPr>
+          <a:xfrm>
+            <a:off x="6781800" y="3185160"/>
+            <a:ext cx="1752600" cy="533400"/>
+          </a:xfrm>
+          <a:prstGeom prst="rect">
+            <a:avLst/>
+          </a:prstGeom>
+        </p:spPr>
+        <p:style>
+          <a:lnRef idx="2">
+            <a:schemeClr val="accent4">
+              <a:shade val="50000"/>
+            </a:schemeClr>
+          </a:lnRef>
+          <a:fillRef idx="1">
+            <a:schemeClr val="accent4"/>
+          </a:fillRef>
+          <a:effectRef idx="0">
+            <a:schemeClr val="accent4"/>
+          </a:effectRef>
+          <a:fontRef idx="minor">
+            <a:schemeClr val="lt1"/>
+          </a:fontRef>
+        </p:style>
+        <p:txBody>
+          <a:bodyPr rtlCol="0" anchor="ctr"/>
+          <a:lstStyle/>
+          <a:p>
+            <a:pPr algn="ctr"/>
+            <a:r>
+              <a:rPr lang="en-US" dirty="0" smtClean="0"/>
+              <a:t>End Point</a:t>
+            </a:r>
+            <a:endParaRPr lang="en-US" dirty="0"/>
+          </a:p>
+        </p:txBody>
+      </p:sp>
+      <p:sp>
+        <p:nvSpPr>
+          <p:cNvPr id="8" name="Rectangle 7"/>
+          <p:cNvSpPr/>
+          <p:nvPr/>
+        </p:nvSpPr>
+        <p:spPr>
+          <a:xfrm>
+            <a:off x="6781800" y="4305300"/>
+            <a:ext cx="1752600" cy="533400"/>
+          </a:xfrm>
+          <a:prstGeom prst="rect">
+            <a:avLst/>
+          </a:prstGeom>
+        </p:spPr>
+        <p:style>
+          <a:lnRef idx="2">
+            <a:schemeClr val="accent4">
+              <a:shade val="50000"/>
+            </a:schemeClr>
+          </a:lnRef>
+          <a:fillRef idx="1">
+            <a:schemeClr val="accent4"/>
+          </a:fillRef>
+          <a:effectRef idx="0">
+            <a:schemeClr val="accent4"/>
+          </a:effectRef>
+          <a:fontRef idx="minor">
+            <a:schemeClr val="lt1"/>
+          </a:fontRef>
+        </p:style>
+        <p:txBody>
+          <a:bodyPr rtlCol="0" anchor="ctr"/>
+          <a:lstStyle/>
+          <a:p>
+            <a:pPr algn="ctr"/>
+            <a:r>
+              <a:rPr lang="en-US" dirty="0" smtClean="0"/>
+              <a:t>End Point</a:t>
+            </a:r>
+            <a:endParaRPr lang="en-US" dirty="0"/>
+          </a:p>
+        </p:txBody>
+      </p:sp>
+      <p:sp>
+        <p:nvSpPr>
+          <p:cNvPr id="9" name="Rectangle 8"/>
+          <p:cNvSpPr/>
+          <p:nvPr/>
+        </p:nvSpPr>
+        <p:spPr>
+          <a:xfrm>
+            <a:off x="4953000" y="2095500"/>
+            <a:ext cx="1143000" cy="533400"/>
+          </a:xfrm>
+          <a:prstGeom prst="rect">
+            <a:avLst/>
+          </a:prstGeom>
+        </p:spPr>
+        <p:style>
+          <a:lnRef idx="2">
+            <a:schemeClr val="accent6">
+              <a:shade val="50000"/>
+            </a:schemeClr>
+          </a:lnRef>
+          <a:fillRef idx="1">
+            <a:schemeClr val="accent6"/>
+          </a:fillRef>
+          <a:effectRef idx="0">
+            <a:schemeClr val="accent6"/>
+          </a:effectRef>
+          <a:fontRef idx="minor">
+            <a:schemeClr val="lt1"/>
+          </a:fontRef>
+        </p:style>
+        <p:txBody>
+          <a:bodyPr rtlCol="0" anchor="ctr"/>
+          <a:lstStyle/>
+          <a:p>
+            <a:pPr algn="ctr"/>
+            <a:r>
+              <a:rPr lang="en-US" dirty="0" smtClean="0"/>
+              <a:t>A1</a:t>
+            </a:r>
+            <a:endParaRPr lang="en-US" dirty="0"/>
+          </a:p>
+        </p:txBody>
+      </p:sp>
+      <p:sp>
+        <p:nvSpPr>
+          <p:cNvPr id="11" name="Rectangle 10"/>
+          <p:cNvSpPr/>
+          <p:nvPr/>
+        </p:nvSpPr>
+        <p:spPr>
+          <a:xfrm>
+            <a:off x="4953000" y="3162300"/>
+            <a:ext cx="1143000" cy="533400"/>
+          </a:xfrm>
+          <a:prstGeom prst="rect">
+            <a:avLst/>
+          </a:prstGeom>
+        </p:spPr>
+        <p:style>
+          <a:lnRef idx="2">
+            <a:schemeClr val="accent6">
+              <a:shade val="50000"/>
+            </a:schemeClr>
+          </a:lnRef>
+          <a:fillRef idx="1">
+            <a:schemeClr val="accent6"/>
+          </a:fillRef>
+          <a:effectRef idx="0">
+            <a:schemeClr val="accent6"/>
+          </a:effectRef>
+          <a:fontRef idx="minor">
+            <a:schemeClr val="lt1"/>
+          </a:fontRef>
+        </p:style>
+        <p:txBody>
+          <a:bodyPr rtlCol="0" anchor="ctr"/>
+          <a:lstStyle/>
+          <a:p>
+            <a:pPr algn="ctr"/>
+            <a:r>
+              <a:rPr lang="en-US" dirty="0" smtClean="0"/>
+              <a:t>B2</a:t>
+            </a:r>
+            <a:endParaRPr lang="en-US" dirty="0"/>
+          </a:p>
+        </p:txBody>
+      </p:sp>
+      <p:sp>
+        <p:nvSpPr>
+          <p:cNvPr id="12" name="Rectangle 11"/>
+          <p:cNvSpPr/>
+          <p:nvPr/>
+        </p:nvSpPr>
+        <p:spPr>
+          <a:xfrm>
+            <a:off x="3619500" y="4343400"/>
+            <a:ext cx="1143000" cy="533400"/>
+          </a:xfrm>
+          <a:prstGeom prst="rect">
+            <a:avLst/>
+          </a:prstGeom>
+        </p:spPr>
+        <p:style>
+          <a:lnRef idx="2">
+            <a:schemeClr val="accent6">
+              <a:shade val="50000"/>
+            </a:schemeClr>
+          </a:lnRef>
+          <a:fillRef idx="1">
+            <a:schemeClr val="accent6"/>
+          </a:fillRef>
+          <a:effectRef idx="0">
+            <a:schemeClr val="accent6"/>
+          </a:effectRef>
+          <a:fontRef idx="minor">
+            <a:schemeClr val="lt1"/>
+          </a:fontRef>
+        </p:style>
+        <p:txBody>
+          <a:bodyPr rtlCol="0" anchor="ctr"/>
+          <a:lstStyle/>
+          <a:p>
+            <a:pPr algn="ctr"/>
+            <a:r>
+              <a:rPr lang="en-US" dirty="0" smtClean="0"/>
+              <a:t>C1</a:t>
+            </a:r>
+            <a:endParaRPr lang="en-US" dirty="0"/>
+          </a:p>
+        </p:txBody>
+      </p:sp>
+      <p:sp>
+        <p:nvSpPr>
+          <p:cNvPr id="13" name="Rectangle 12"/>
+          <p:cNvSpPr/>
+          <p:nvPr/>
+        </p:nvSpPr>
+        <p:spPr>
+          <a:xfrm>
+            <a:off x="3048000" y="3162300"/>
+            <a:ext cx="1143000" cy="533400"/>
+          </a:xfrm>
+          <a:prstGeom prst="rect">
+            <a:avLst/>
+          </a:prstGeom>
+        </p:spPr>
+        <p:style>
+          <a:lnRef idx="2">
+            <a:schemeClr val="accent6">
+              <a:shade val="50000"/>
+            </a:schemeClr>
+          </a:lnRef>
+          <a:fillRef idx="1">
+            <a:schemeClr val="accent6"/>
+          </a:fillRef>
+          <a:effectRef idx="0">
+            <a:schemeClr val="accent6"/>
+          </a:effectRef>
+          <a:fontRef idx="minor">
+            <a:schemeClr val="lt1"/>
+          </a:fontRef>
+        </p:style>
+        <p:txBody>
+          <a:bodyPr rtlCol="0" anchor="ctr"/>
+          <a:lstStyle/>
+          <a:p>
+            <a:pPr algn="ctr"/>
+            <a:r>
+              <a:rPr lang="en-US" dirty="0" smtClean="0"/>
+              <a:t>B1</a:t>
+            </a:r>
+            <a:endParaRPr lang="en-US" dirty="0"/>
+          </a:p>
+        </p:txBody>
+      </p:sp>
+      <p:cxnSp>
+        <p:nvCxnSpPr>
+          <p:cNvPr id="14" name="Straight Arrow Connector 13"/>
+          <p:cNvCxnSpPr>
+            <a:stCxn id="4" idx="0"/>
+          </p:cNvCxnSpPr>
+          <p:nvPr/>
+        </p:nvCxnSpPr>
+        <p:spPr>
+          <a:xfrm flipV="1">
+            <a:off x="1409700" y="2362200"/>
+            <a:ext cx="3543300" cy="838200"/>
+          </a:xfrm>
+          <a:prstGeom prst="straightConnector1">
+            <a:avLst/>
+          </a:prstGeom>
+          <a:ln>
+            <a:tailEnd type="arrow"/>
+          </a:ln>
+        </p:spPr>
+        <p:style>
+          <a:lnRef idx="1">
+            <a:schemeClr val="accent1"/>
+          </a:lnRef>
+          <a:fillRef idx="0">
+            <a:schemeClr val="accent1"/>
+          </a:fillRef>
+          <a:effectRef idx="0">
+            <a:schemeClr val="accent1"/>
+          </a:effectRef>
+          <a:fontRef idx="minor">
+            <a:schemeClr val="tx1"/>
+          </a:fontRef>
+        </p:style>
+      </p:cxnSp>
+      <p:cxnSp>
+        <p:nvCxnSpPr>
+          <p:cNvPr id="16" name="Straight Arrow Connector 15"/>
+          <p:cNvCxnSpPr>
+            <a:stCxn id="4" idx="3"/>
+            <a:endCxn id="13" idx="1"/>
+          </p:cNvCxnSpPr>
+          <p:nvPr/>
+        </p:nvCxnSpPr>
+        <p:spPr>
+          <a:xfrm flipV="1">
+            <a:off x="2286000" y="3429000"/>
+            <a:ext cx="762000" cy="38100"/>
+          </a:xfrm>
+          <a:prstGeom prst="straightConnector1">
+            <a:avLst/>
+          </a:prstGeom>
+          <a:ln>
+            <a:tailEnd type="arrow"/>
+          </a:ln>
+        </p:spPr>
+        <p:style>
+          <a:lnRef idx="1">
+            <a:schemeClr val="accent1"/>
+          </a:lnRef>
+          <a:fillRef idx="0">
+            <a:schemeClr val="accent1"/>
+          </a:fillRef>
+          <a:effectRef idx="0">
+            <a:schemeClr val="accent1"/>
+          </a:effectRef>
+          <a:fontRef idx="minor">
+            <a:schemeClr val="tx1"/>
+          </a:fontRef>
+        </p:style>
+      </p:cxnSp>
+      <p:cxnSp>
+        <p:nvCxnSpPr>
+          <p:cNvPr id="19" name="Straight Arrow Connector 18"/>
+          <p:cNvCxnSpPr>
+            <a:stCxn id="13" idx="3"/>
+            <a:endCxn id="11" idx="1"/>
+          </p:cNvCxnSpPr>
+          <p:nvPr/>
+        </p:nvCxnSpPr>
+        <p:spPr>
+          <a:xfrm>
+            <a:off x="4191000" y="3429000"/>
+            <a:ext cx="762000" cy="0"/>
+          </a:xfrm>
+          <a:prstGeom prst="straightConnector1">
+            <a:avLst/>
+          </a:prstGeom>
+          <a:ln>
+            <a:tailEnd type="arrow"/>
+          </a:ln>
+        </p:spPr>
+        <p:style>
+          <a:lnRef idx="1">
+            <a:schemeClr val="accent1"/>
+          </a:lnRef>
+          <a:fillRef idx="0">
+            <a:schemeClr val="accent1"/>
+          </a:fillRef>
+          <a:effectRef idx="0">
+            <a:schemeClr val="accent1"/>
+          </a:effectRef>
+          <a:fontRef idx="minor">
+            <a:schemeClr val="tx1"/>
+          </a:fontRef>
+        </p:style>
+      </p:cxnSp>
+      <p:cxnSp>
+        <p:nvCxnSpPr>
+          <p:cNvPr id="21" name="Straight Arrow Connector 20"/>
+          <p:cNvCxnSpPr>
+            <a:stCxn id="4" idx="2"/>
+            <a:endCxn id="12" idx="1"/>
+          </p:cNvCxnSpPr>
+          <p:nvPr/>
+        </p:nvCxnSpPr>
+        <p:spPr>
+          <a:xfrm>
+            <a:off x="1409700" y="3733800"/>
+            <a:ext cx="2209800" cy="876300"/>
+          </a:xfrm>
+          <a:prstGeom prst="straightConnector1">
+            <a:avLst/>
+          </a:prstGeom>
+          <a:ln>
+            <a:tailEnd type="arrow"/>
+          </a:ln>
+        </p:spPr>
+        <p:style>
+          <a:lnRef idx="1">
+            <a:schemeClr val="accent1"/>
+          </a:lnRef>
+          <a:fillRef idx="0">
+            <a:schemeClr val="accent1"/>
+          </a:fillRef>
+          <a:effectRef idx="0">
+            <a:schemeClr val="accent1"/>
+          </a:effectRef>
+          <a:fontRef idx="minor">
+            <a:schemeClr val="tx1"/>
+          </a:fontRef>
+        </p:style>
+      </p:cxnSp>
+      <p:cxnSp>
+        <p:nvCxnSpPr>
+          <p:cNvPr id="23" name="Straight Arrow Connector 22"/>
+          <p:cNvCxnSpPr>
+            <a:stCxn id="12" idx="3"/>
+            <a:endCxn id="8" idx="1"/>
+          </p:cNvCxnSpPr>
+          <p:nvPr/>
+        </p:nvCxnSpPr>
+        <p:spPr>
+          <a:xfrm flipV="1">
+            <a:off x="4762500" y="4572000"/>
+            <a:ext cx="2019300" cy="38100"/>
+          </a:xfrm>
+          <a:prstGeom prst="straightConnector1">
+            <a:avLst/>
+          </a:prstGeom>
+          <a:ln>
+            <a:tailEnd type="arrow"/>
+          </a:ln>
+        </p:spPr>
+        <p:style>
+          <a:lnRef idx="1">
+            <a:schemeClr val="accent1"/>
+          </a:lnRef>
+          <a:fillRef idx="0">
+            <a:schemeClr val="accent1"/>
+          </a:fillRef>
+          <a:effectRef idx="0">
+            <a:schemeClr val="accent1"/>
+          </a:effectRef>
+          <a:fontRef idx="minor">
+            <a:schemeClr val="tx1"/>
+          </a:fontRef>
+        </p:style>
+      </p:cxnSp>
+      <p:cxnSp>
+        <p:nvCxnSpPr>
+          <p:cNvPr id="25" name="Straight Arrow Connector 24"/>
+          <p:cNvCxnSpPr>
+            <a:stCxn id="11" idx="3"/>
+            <a:endCxn id="7" idx="1"/>
+          </p:cNvCxnSpPr>
+          <p:nvPr/>
+        </p:nvCxnSpPr>
+        <p:spPr>
+          <a:xfrm>
+            <a:off x="6096000" y="3429000"/>
+            <a:ext cx="685800" cy="22860"/>
+          </a:xfrm>
+          <a:prstGeom prst="straightConnector1">
+            <a:avLst/>
+          </a:prstGeom>
+          <a:ln>
+            <a:tailEnd type="arrow"/>
+          </a:ln>
+        </p:spPr>
+        <p:style>
+          <a:lnRef idx="1">
+            <a:schemeClr val="accent1"/>
+          </a:lnRef>
+          <a:fillRef idx="0">
+            <a:schemeClr val="accent1"/>
+          </a:fillRef>
+          <a:effectRef idx="0">
+            <a:schemeClr val="accent1"/>
+          </a:effectRef>
+          <a:fontRef idx="minor">
+            <a:schemeClr val="tx1"/>
+          </a:fontRef>
+        </p:style>
+      </p:cxnSp>
+      <p:cxnSp>
+        <p:nvCxnSpPr>
+          <p:cNvPr id="27" name="Straight Arrow Connector 26"/>
+          <p:cNvCxnSpPr>
+            <a:stCxn id="9" idx="3"/>
+            <a:endCxn id="6" idx="1"/>
+          </p:cNvCxnSpPr>
+          <p:nvPr/>
+        </p:nvCxnSpPr>
+        <p:spPr>
+          <a:xfrm>
+            <a:off x="6096000" y="2362200"/>
+            <a:ext cx="685800" cy="0"/>
+          </a:xfrm>
+          <a:prstGeom prst="straightConnector1">
+            <a:avLst/>
+          </a:prstGeom>
+          <a:ln>
+            <a:tailEnd type="arrow"/>
+          </a:ln>
+        </p:spPr>
+        <p:style>
+          <a:lnRef idx="1">
+            <a:schemeClr val="accent1"/>
+          </a:lnRef>
+          <a:fillRef idx="0">
+            <a:schemeClr val="accent1"/>
+          </a:fillRef>
+          <a:effectRef idx="0">
+            <a:schemeClr val="accent1"/>
+          </a:effectRef>
+          <a:fontRef idx="minor">
+            <a:schemeClr val="tx1"/>
+          </a:fontRef>
+        </p:style>
+      </p:cxnSp>
     </p:spTree>
     <p:extLst>
       <p:ext uri="{BB962C8B-B14F-4D97-AF65-F5344CB8AC3E}">
-        <p14:creationId xmlns:p14="http://schemas.microsoft.com/office/powerpoint/2010/main" val="1705815557"/>
+        <p14:creationId xmlns:p14="http://schemas.microsoft.com/office/powerpoint/2010/main" val="1019769489"/>
       </p:ext>
     </p:extLst>
   </p:cSld>
   <p:clrMapOvr>
     <a:masterClrMapping/>
   </p:clrMapOvr>
+  <p:timing>
+    <p:tnLst>
+      <p:par>
+        <p:cTn id="1" dur="indefinite" restart="never" nodeType="tmRoot"/>
+      </p:par>
+    </p:tnLst>
+  </p:timing>
 </p:sld>
 </file>
 
@@ -18004,104 +18439,16 @@
             <p:ph type="title"/>
           </p:nvPr>
         </p:nvSpPr>
-        <p:spPr>
-          <a:xfrm>
-            <a:off x="457200" y="893763"/>
-            <a:ext cx="8229600" cy="553998"/>
-          </a:xfrm>
-        </p:spPr>
-        <p:txBody>
-          <a:bodyPr/>
-          <a:lstStyle/>
-          <a:p>
-            <a:pPr lvl="0"/>
-            <a:r>
-              <a:rPr lang="en-US" dirty="0"/>
-              <a:t>Code Review </a:t>
-            </a:r>
-            <a:r>
-              <a:rPr lang="en-US" dirty="0" smtClean="0"/>
-              <a:t>Methodology</a:t>
-            </a:r>
-            <a:endParaRPr lang="en-US" dirty="0"/>
-          </a:p>
-        </p:txBody>
-      </p:sp>
-      <p:pic>
-        <p:nvPicPr>
-          <p:cNvPr id="4" name="Content Placeholder 3"/>
-          <p:cNvPicPr>
-            <a:picLocks noGrp="1" noChangeAspect="1"/>
-          </p:cNvPicPr>
-          <p:nvPr>
-            <p:ph idx="1"/>
-          </p:nvPr>
-        </p:nvPicPr>
-        <p:blipFill>
-          <a:blip r:embed="rId2">
-            <a:extLst>
-              <a:ext uri="{28A0092B-C50C-407E-A947-70E740481C1C}">
-                <a14:useLocalDpi xmlns:a14="http://schemas.microsoft.com/office/drawing/2010/main" val="0"/>
-              </a:ext>
-            </a:extLst>
-          </a:blip>
-          <a:stretch>
-            <a:fillRect/>
-          </a:stretch>
-        </p:blipFill>
-        <p:spPr>
-          <a:xfrm>
-            <a:off x="1219200" y="1894561"/>
-            <a:ext cx="6038542" cy="3363239"/>
-          </a:xfrm>
-        </p:spPr>
-      </p:pic>
-    </p:spTree>
-    <p:extLst>
-      <p:ext uri="{BB962C8B-B14F-4D97-AF65-F5344CB8AC3E}">
-        <p14:creationId xmlns:p14="http://schemas.microsoft.com/office/powerpoint/2010/main" val="301081175"/>
-      </p:ext>
-    </p:extLst>
-  </p:cSld>
-  <p:clrMapOvr>
-    <a:masterClrMapping/>
-  </p:clrMapOvr>
-</p:sld>
-</file>
-
-<file path=ppt/slides/slide12.xml><?xml version="1.0" encoding="utf-8"?>
-<p:sld xmlns:a="http://schemas.openxmlformats.org/drawingml/2006/main" xmlns:r="http://schemas.openxmlformats.org/officeDocument/2006/relationships" xmlns:p="http://schemas.openxmlformats.org/presentationml/2006/main">
-  <p:cSld>
-    <p:spTree>
-      <p:nvGrpSpPr>
-        <p:cNvPr id="1" name=""/>
-        <p:cNvGrpSpPr/>
-        <p:nvPr/>
-      </p:nvGrpSpPr>
-      <p:grpSpPr>
-        <a:xfrm>
-          <a:off x="0" y="0"/>
-          <a:ext cx="0" cy="0"/>
-          <a:chOff x="0" y="0"/>
-          <a:chExt cx="0" cy="0"/>
-        </a:xfrm>
-      </p:grpSpPr>
-      <p:sp>
-        <p:nvSpPr>
-          <p:cNvPr id="2" name="Title 1"/>
-          <p:cNvSpPr>
-            <a:spLocks noGrp="1"/>
-          </p:cNvSpPr>
-          <p:nvPr>
-            <p:ph type="title"/>
-          </p:nvPr>
-        </p:nvSpPr>
         <p:spPr/>
         <p:txBody>
           <a:bodyPr/>
           <a:lstStyle/>
           <a:p>
-            <a:endParaRPr lang="en-US"/>
+            <a:r>
+              <a:rPr lang="en-US" dirty="0" smtClean="0"/>
+              <a:t>Trace</a:t>
+            </a:r>
+            <a:endParaRPr lang="en-US" dirty="0"/>
           </a:p>
         </p:txBody>
       </p:sp>
@@ -18124,73 +18471,64 @@
           </a:p>
         </p:txBody>
       </p:sp>
+      <p:pic>
+        <p:nvPicPr>
+          <p:cNvPr id="5122" name="Picture 2"/>
+          <p:cNvPicPr>
+            <a:picLocks noChangeAspect="1" noChangeArrowheads="1"/>
+          </p:cNvPicPr>
+          <p:nvPr/>
+        </p:nvPicPr>
+        <p:blipFill>
+          <a:blip r:embed="rId2">
+            <a:extLst>
+              <a:ext uri="{28A0092B-C50C-407E-A947-70E740481C1C}">
+                <a14:useLocalDpi xmlns:a14="http://schemas.microsoft.com/office/drawing/2010/main" val="0"/>
+              </a:ext>
+            </a:extLst>
+          </a:blip>
+          <a:srcRect/>
+          <a:stretch>
+            <a:fillRect/>
+          </a:stretch>
+        </p:blipFill>
+        <p:spPr bwMode="auto">
+          <a:xfrm>
+            <a:off x="742950" y="1676400"/>
+            <a:ext cx="7410450" cy="3971925"/>
+          </a:xfrm>
+          <a:prstGeom prst="rect">
+            <a:avLst/>
+          </a:prstGeom>
+          <a:noFill/>
+          <a:ln>
+            <a:noFill/>
+          </a:ln>
+          <a:extLst>
+            <a:ext uri="{909E8E84-426E-40DD-AFC4-6F175D3DCCD1}">
+              <a14:hiddenFill xmlns:a14="http://schemas.microsoft.com/office/drawing/2010/main">
+                <a:solidFill>
+                  <a:schemeClr val="accent1"/>
+                </a:solidFill>
+              </a14:hiddenFill>
+            </a:ext>
+            <a:ext uri="{91240B29-F687-4F45-9708-019B960494DF}">
+              <a14:hiddenLine xmlns:a14="http://schemas.microsoft.com/office/drawing/2010/main" w="9525">
+                <a:solidFill>
+                  <a:schemeClr val="tx1"/>
+                </a:solidFill>
+                <a:miter lim="800000"/>
+                <a:headEnd/>
+                <a:tailEnd/>
+              </a14:hiddenLine>
+            </a:ext>
+          </a:extLst>
+        </p:spPr>
+      </p:pic>
     </p:spTree>
     <p:extLst>
       <p:ext uri="{BB962C8B-B14F-4D97-AF65-F5344CB8AC3E}">
-        <p14:creationId xmlns:p14="http://schemas.microsoft.com/office/powerpoint/2010/main" val="3376799673"/>
-      </p:ext>
-    </p:extLst>
-  </p:cSld>
-  <p:clrMapOvr>
-    <a:masterClrMapping/>
-  </p:clrMapOvr>
-</p:sld>
-</file>
-
-<file path=ppt/slides/slide13.xml><?xml version="1.0" encoding="utf-8"?>
-<p:sld xmlns:a="http://schemas.openxmlformats.org/drawingml/2006/main" xmlns:r="http://schemas.openxmlformats.org/officeDocument/2006/relationships" xmlns:p="http://schemas.openxmlformats.org/presentationml/2006/main">
-  <p:cSld>
-    <p:spTree>
-      <p:nvGrpSpPr>
-        <p:cNvPr id="1" name=""/>
-        <p:cNvGrpSpPr/>
-        <p:nvPr/>
-      </p:nvGrpSpPr>
-      <p:grpSpPr>
-        <a:xfrm>
-          <a:off x="0" y="0"/>
-          <a:ext cx="0" cy="0"/>
-          <a:chOff x="0" y="0"/>
-          <a:chExt cx="0" cy="0"/>
-        </a:xfrm>
-      </p:grpSpPr>
-      <p:sp>
-        <p:nvSpPr>
-          <p:cNvPr id="4" name="Title 3"/>
-          <p:cNvSpPr>
-            <a:spLocks noGrp="1"/>
-          </p:cNvSpPr>
-          <p:nvPr>
-            <p:ph type="title"/>
-          </p:nvPr>
-        </p:nvSpPr>
-        <p:spPr>
-          <a:xfrm>
-            <a:off x="436563" y="3121818"/>
-            <a:ext cx="8026400" cy="738664"/>
-          </a:xfrm>
-        </p:spPr>
-        <p:txBody>
-          <a:bodyPr/>
-          <a:lstStyle/>
-          <a:p>
-            <a:pPr lvl="0"/>
-            <a:r>
-              <a:rPr lang="en-US" dirty="0"/>
-              <a:t>Tools for Code </a:t>
-            </a:r>
-            <a:r>
-              <a:rPr lang="en-US" dirty="0" smtClean="0"/>
-              <a:t>Review</a:t>
-            </a:r>
-            <a:endParaRPr lang="en-US" dirty="0"/>
-          </a:p>
-        </p:txBody>
-      </p:sp>
-    </p:spTree>
-    <p:extLst>
-      <p:ext uri="{BB962C8B-B14F-4D97-AF65-F5344CB8AC3E}">
-        <p14:creationId xmlns:p14="http://schemas.microsoft.com/office/powerpoint/2010/main" val="2661752966"/>
+        <p14:creationId xmlns:p14="http://schemas.microsoft.com/office/powerpoint/2010/main" val="2817411684"/>
       </p:ext>
     </p:extLst>
   </p:cSld>
@@ -18207,503 +18545,7 @@
 </p:sld>
 </file>
 
-<file path=ppt/slides/slide14.xml><?xml version="1.0" encoding="utf-8"?>
-<p:sld xmlns:a="http://schemas.openxmlformats.org/drawingml/2006/main" xmlns:r="http://schemas.openxmlformats.org/officeDocument/2006/relationships" xmlns:p="http://schemas.openxmlformats.org/presentationml/2006/main">
-  <p:cSld>
-    <p:spTree>
-      <p:nvGrpSpPr>
-        <p:cNvPr id="1" name=""/>
-        <p:cNvGrpSpPr/>
-        <p:nvPr/>
-      </p:nvGrpSpPr>
-      <p:grpSpPr>
-        <a:xfrm>
-          <a:off x="0" y="0"/>
-          <a:ext cx="0" cy="0"/>
-          <a:chOff x="0" y="0"/>
-          <a:chExt cx="0" cy="0"/>
-        </a:xfrm>
-      </p:grpSpPr>
-      <p:sp>
-        <p:nvSpPr>
-          <p:cNvPr id="2" name="Title 1"/>
-          <p:cNvSpPr>
-            <a:spLocks noGrp="1"/>
-          </p:cNvSpPr>
-          <p:nvPr>
-            <p:ph type="title"/>
-          </p:nvPr>
-        </p:nvSpPr>
-        <p:spPr/>
-        <p:txBody>
-          <a:bodyPr/>
-          <a:lstStyle/>
-          <a:p>
-            <a:endParaRPr lang="en-US"/>
-          </a:p>
-        </p:txBody>
-      </p:sp>
-      <p:sp>
-        <p:nvSpPr>
-          <p:cNvPr id="3" name="Content Placeholder 2"/>
-          <p:cNvSpPr>
-            <a:spLocks noGrp="1"/>
-          </p:cNvSpPr>
-          <p:nvPr>
-            <p:ph idx="1"/>
-          </p:nvPr>
-        </p:nvSpPr>
-        <p:spPr>
-          <a:xfrm>
-            <a:off x="449263" y="1598613"/>
-            <a:ext cx="8229600" cy="2000548"/>
-          </a:xfrm>
-        </p:spPr>
-        <p:txBody>
-          <a:bodyPr/>
-          <a:lstStyle/>
-          <a:p>
-            <a:r>
-              <a:rPr lang="en-US" dirty="0"/>
-              <a:t>Code </a:t>
-            </a:r>
-            <a:r>
-              <a:rPr lang="en-US" dirty="0" smtClean="0"/>
-              <a:t>Browsing</a:t>
-            </a:r>
-          </a:p>
-          <a:p>
-            <a:pPr lvl="1"/>
-            <a:r>
-              <a:rPr lang="en-US" dirty="0" smtClean="0"/>
-              <a:t>Support languages </a:t>
-            </a:r>
-            <a:endParaRPr lang="en-US" dirty="0"/>
-          </a:p>
-          <a:p>
-            <a:pPr lvl="1"/>
-            <a:r>
-              <a:rPr lang="en-US" dirty="0" smtClean="0"/>
-              <a:t>Understands </a:t>
-            </a:r>
-            <a:r>
-              <a:rPr lang="en-US" dirty="0"/>
-              <a:t>the code </a:t>
-            </a:r>
-            <a:r>
-              <a:rPr lang="en-US" dirty="0" smtClean="0"/>
-              <a:t>constructs: IDE</a:t>
-            </a:r>
-          </a:p>
-          <a:p>
-            <a:r>
-              <a:rPr lang="en-US" dirty="0" smtClean="0"/>
-              <a:t>Search Pattern Tool:</a:t>
-            </a:r>
-          </a:p>
-          <a:p>
-            <a:pPr lvl="1"/>
-            <a:r>
-              <a:rPr lang="en-US" dirty="0" smtClean="0"/>
-              <a:t>Lightweight Editor: Notepad++, Sublime</a:t>
-            </a:r>
-            <a:endParaRPr lang="en-US" dirty="0"/>
-          </a:p>
-        </p:txBody>
-      </p:sp>
-    </p:spTree>
-    <p:extLst>
-      <p:ext uri="{BB962C8B-B14F-4D97-AF65-F5344CB8AC3E}">
-        <p14:creationId xmlns:p14="http://schemas.microsoft.com/office/powerpoint/2010/main" val="384796486"/>
-      </p:ext>
-    </p:extLst>
-  </p:cSld>
-  <p:clrMapOvr>
-    <a:masterClrMapping/>
-  </p:clrMapOvr>
-  <p:timing>
-    <p:tnLst>
-      <p:par>
-        <p:cTn id="1" dur="indefinite" restart="never" nodeType="tmRoot"/>
-      </p:par>
-    </p:tnLst>
-  </p:timing>
-</p:sld>
-</file>
-
-<file path=ppt/slides/slide15.xml><?xml version="1.0" encoding="utf-8"?>
-<p:sld xmlns:a="http://schemas.openxmlformats.org/drawingml/2006/main" xmlns:r="http://schemas.openxmlformats.org/officeDocument/2006/relationships" xmlns:p="http://schemas.openxmlformats.org/presentationml/2006/main">
-  <p:cSld>
-    <p:spTree>
-      <p:nvGrpSpPr>
-        <p:cNvPr id="1" name=""/>
-        <p:cNvGrpSpPr/>
-        <p:nvPr/>
-      </p:nvGrpSpPr>
-      <p:grpSpPr>
-        <a:xfrm>
-          <a:off x="0" y="0"/>
-          <a:ext cx="0" cy="0"/>
-          <a:chOff x="0" y="0"/>
-          <a:chExt cx="0" cy="0"/>
-        </a:xfrm>
-      </p:grpSpPr>
-      <p:sp>
-        <p:nvSpPr>
-          <p:cNvPr id="26626" name="Title 1"/>
-          <p:cNvSpPr>
-            <a:spLocks noGrp="1"/>
-          </p:cNvSpPr>
-          <p:nvPr>
-            <p:ph type="title"/>
-          </p:nvPr>
-        </p:nvSpPr>
-        <p:spPr/>
-        <p:txBody>
-          <a:bodyPr/>
-          <a:lstStyle/>
-          <a:p>
-            <a:r>
-              <a:rPr lang="en-US" smtClean="0"/>
-              <a:t>Questions?</a:t>
-            </a:r>
-            <a:endParaRPr lang="en-US" dirty="0" smtClean="0"/>
-          </a:p>
-        </p:txBody>
-      </p:sp>
-      <p:pic>
-        <p:nvPicPr>
-          <p:cNvPr id="7" name="Picture 2" descr="C:\Users\shernan\AppData\Local\Microsoft\Windows\Temporary Internet Files\Content.IE5\ZB0MPM8Y\MCj04042630000[1].wmf"/>
-          <p:cNvPicPr>
-            <a:picLocks noChangeAspect="1" noChangeArrowheads="1"/>
-          </p:cNvPicPr>
-          <p:nvPr/>
-        </p:nvPicPr>
-        <p:blipFill>
-          <a:blip r:embed="rId3" cstate="print"/>
-          <a:srcRect/>
-          <a:stretch>
-            <a:fillRect/>
-          </a:stretch>
-        </p:blipFill>
-        <p:spPr bwMode="auto">
-          <a:xfrm>
-            <a:off x="2737749" y="1591503"/>
-            <a:ext cx="3663051" cy="4367085"/>
-          </a:xfrm>
-          <a:prstGeom prst="rect">
-            <a:avLst/>
-          </a:prstGeom>
-          <a:noFill/>
-          <a:ln w="9525">
-            <a:noFill/>
-            <a:miter lim="800000"/>
-            <a:headEnd/>
-            <a:tailEnd/>
-          </a:ln>
-        </p:spPr>
-      </p:pic>
-    </p:spTree>
-    <p:extLst>
-      <p:ext uri="{BB962C8B-B14F-4D97-AF65-F5344CB8AC3E}">
-        <p14:creationId xmlns:p14="http://schemas.microsoft.com/office/powerpoint/2010/main" val="1104416198"/>
-      </p:ext>
-    </p:extLst>
-  </p:cSld>
-  <p:clrMapOvr>
-    <a:masterClrMapping/>
-  </p:clrMapOvr>
-  <p:transition>
-    <p:wipe dir="r"/>
-  </p:transition>
-  <p:timing>
-    <p:tnLst>
-      <p:par>
-        <p:cTn id="1" dur="indefinite" restart="never" nodeType="tmRoot"/>
-      </p:par>
-    </p:tnLst>
-  </p:timing>
-</p:sld>
-</file>
-
-<file path=ppt/slides/slide16.xml><?xml version="1.0" encoding="utf-8"?>
-<p:sld xmlns:a="http://schemas.openxmlformats.org/drawingml/2006/main" xmlns:r="http://schemas.openxmlformats.org/officeDocument/2006/relationships" xmlns:p="http://schemas.openxmlformats.org/presentationml/2006/main">
-  <p:cSld>
-    <p:spTree>
-      <p:nvGrpSpPr>
-        <p:cNvPr id="1" name=""/>
-        <p:cNvGrpSpPr/>
-        <p:nvPr/>
-      </p:nvGrpSpPr>
-      <p:grpSpPr>
-        <a:xfrm>
-          <a:off x="0" y="0"/>
-          <a:ext cx="0" cy="0"/>
-          <a:chOff x="0" y="0"/>
-          <a:chExt cx="0" cy="0"/>
-        </a:xfrm>
-      </p:grpSpPr>
-      <p:sp>
-        <p:nvSpPr>
-          <p:cNvPr id="6" name="Title 5"/>
-          <p:cNvSpPr>
-            <a:spLocks noGrp="1"/>
-          </p:cNvSpPr>
-          <p:nvPr>
-            <p:ph type="ctrTitle"/>
-          </p:nvPr>
-        </p:nvSpPr>
-        <p:spPr>
-          <a:xfrm>
-            <a:off x="2135875" y="2112961"/>
-            <a:ext cx="6327088" cy="615553"/>
-          </a:xfrm>
-        </p:spPr>
-        <p:txBody>
-          <a:bodyPr/>
-          <a:lstStyle/>
-          <a:p>
-            <a:endParaRPr lang="en-US" dirty="0"/>
-          </a:p>
-        </p:txBody>
-      </p:sp>
-      <p:sp>
-        <p:nvSpPr>
-          <p:cNvPr id="7" name="Subtitle 6"/>
-          <p:cNvSpPr>
-            <a:spLocks noGrp="1"/>
-          </p:cNvSpPr>
-          <p:nvPr>
-            <p:ph type="subTitle" idx="1"/>
-          </p:nvPr>
-        </p:nvSpPr>
-        <p:spPr>
-          <a:xfrm>
-            <a:off x="2135875" y="4896133"/>
-            <a:ext cx="6327088" cy="369332"/>
-          </a:xfrm>
-        </p:spPr>
-        <p:txBody>
-          <a:bodyPr/>
-          <a:lstStyle/>
-          <a:p>
-            <a:r>
-              <a:rPr lang="en-US" dirty="0" smtClean="0"/>
-              <a:t>End of Part </a:t>
-            </a:r>
-            <a:r>
-              <a:rPr lang="en-US" dirty="0" smtClean="0"/>
-              <a:t>3</a:t>
-            </a:r>
-            <a:endParaRPr lang="en-US" dirty="0"/>
-          </a:p>
-        </p:txBody>
-      </p:sp>
-      <p:sp>
-        <p:nvSpPr>
-          <p:cNvPr id="2" name="Rectangle 1"/>
-          <p:cNvSpPr/>
-          <p:nvPr/>
-        </p:nvSpPr>
-        <p:spPr>
-          <a:xfrm>
-            <a:off x="2133600" y="2895600"/>
-            <a:ext cx="5029200" cy="990600"/>
-          </a:xfrm>
-          <a:prstGeom prst="rect">
-            <a:avLst/>
-          </a:prstGeom>
-        </p:spPr>
-        <p:style>
-          <a:lnRef idx="2">
-            <a:schemeClr val="dk1">
-              <a:shade val="50000"/>
-            </a:schemeClr>
-          </a:lnRef>
-          <a:fillRef idx="1">
-            <a:schemeClr val="dk1"/>
-          </a:fillRef>
-          <a:effectRef idx="0">
-            <a:schemeClr val="dk1"/>
-          </a:effectRef>
-          <a:fontRef idx="minor">
-            <a:schemeClr val="lt1"/>
-          </a:fontRef>
-        </p:style>
-        <p:txBody>
-          <a:bodyPr rtlCol="0" anchor="ctr"/>
-          <a:lstStyle/>
-          <a:p>
-            <a:pPr algn="ctr"/>
-            <a:r>
-              <a:rPr lang="en-US" sz="3600" dirty="0"/>
-              <a:t>#Enter to next part</a:t>
-            </a:r>
-            <a:r>
-              <a:rPr lang="en-US" sz="3600" dirty="0" smtClean="0"/>
-              <a:t>_&gt;</a:t>
-            </a:r>
-            <a:endParaRPr lang="en-US" sz="3600" dirty="0"/>
-          </a:p>
-        </p:txBody>
-      </p:sp>
-    </p:spTree>
-    <p:extLst>
-      <p:ext uri="{BB962C8B-B14F-4D97-AF65-F5344CB8AC3E}">
-        <p14:creationId xmlns:p14="http://schemas.microsoft.com/office/powerpoint/2010/main" val="3710888893"/>
-      </p:ext>
-    </p:extLst>
-  </p:cSld>
-  <p:clrMapOvr>
-    <a:masterClrMapping/>
-  </p:clrMapOvr>
-  <p:timing>
-    <p:tnLst>
-      <p:par>
-        <p:cTn id="1" dur="indefinite" restart="never" nodeType="tmRoot"/>
-      </p:par>
-    </p:tnLst>
-  </p:timing>
-</p:sld>
-</file>
-
-<file path=ppt/slides/slide2.xml><?xml version="1.0" encoding="utf-8"?>
-<p:sld xmlns:a="http://schemas.openxmlformats.org/drawingml/2006/main" xmlns:r="http://schemas.openxmlformats.org/officeDocument/2006/relationships" xmlns:p="http://schemas.openxmlformats.org/presentationml/2006/main">
-  <p:cSld>
-    <p:spTree>
-      <p:nvGrpSpPr>
-        <p:cNvPr id="1" name=""/>
-        <p:cNvGrpSpPr/>
-        <p:nvPr/>
-      </p:nvGrpSpPr>
-      <p:grpSpPr>
-        <a:xfrm>
-          <a:off x="0" y="0"/>
-          <a:ext cx="0" cy="0"/>
-          <a:chOff x="0" y="0"/>
-          <a:chExt cx="0" cy="0"/>
-        </a:xfrm>
-      </p:grpSpPr>
-      <p:sp>
-        <p:nvSpPr>
-          <p:cNvPr id="3" name="Title 2"/>
-          <p:cNvSpPr>
-            <a:spLocks noGrp="1"/>
-          </p:cNvSpPr>
-          <p:nvPr>
-            <p:ph type="title"/>
-          </p:nvPr>
-        </p:nvSpPr>
-        <p:spPr/>
-        <p:txBody>
-          <a:bodyPr/>
-          <a:lstStyle/>
-          <a:p>
-            <a:r>
-              <a:rPr lang="en-US" dirty="0" smtClean="0"/>
-              <a:t>Outline</a:t>
-            </a:r>
-            <a:endParaRPr lang="en-US" dirty="0"/>
-          </a:p>
-        </p:txBody>
-      </p:sp>
-      <p:graphicFrame>
-        <p:nvGraphicFramePr>
-          <p:cNvPr id="5" name="Content Placeholder 4"/>
-          <p:cNvGraphicFramePr>
-            <a:graphicFrameLocks noGrp="1"/>
-          </p:cNvGraphicFramePr>
-          <p:nvPr>
-            <p:ph idx="1"/>
-            <p:extLst>
-              <p:ext uri="{D42A27DB-BD31-4B8C-83A1-F6EECF244321}">
-                <p14:modId xmlns:p14="http://schemas.microsoft.com/office/powerpoint/2010/main" val="2916038829"/>
-              </p:ext>
-            </p:extLst>
-          </p:nvPr>
-        </p:nvGraphicFramePr>
-        <p:xfrm>
-          <a:off x="449263" y="1598613"/>
-          <a:ext cx="8229600" cy="4256087"/>
-        </p:xfrm>
-        <a:graphic>
-          <a:graphicData uri="http://schemas.openxmlformats.org/drawingml/2006/diagram">
-            <dgm:relIds xmlns:dgm="http://schemas.openxmlformats.org/drawingml/2006/diagram" xmlns:r="http://schemas.openxmlformats.org/officeDocument/2006/relationships" r:dm="rId2" r:lo="rId3" r:qs="rId4" r:cs="rId5"/>
-          </a:graphicData>
-        </a:graphic>
-      </p:graphicFrame>
-    </p:spTree>
-    <p:extLst>
-      <p:ext uri="{BB962C8B-B14F-4D97-AF65-F5344CB8AC3E}">
-        <p14:creationId xmlns:p14="http://schemas.microsoft.com/office/powerpoint/2010/main" val="3149713052"/>
-      </p:ext>
-    </p:extLst>
-  </p:cSld>
-  <p:clrMapOvr>
-    <a:masterClrMapping/>
-  </p:clrMapOvr>
-</p:sld>
-</file>
-
-<file path=ppt/slides/slide3.xml><?xml version="1.0" encoding="utf-8"?>
-<p:sld xmlns:a="http://schemas.openxmlformats.org/drawingml/2006/main" xmlns:r="http://schemas.openxmlformats.org/officeDocument/2006/relationships" xmlns:p="http://schemas.openxmlformats.org/presentationml/2006/main">
-  <p:cSld>
-    <p:spTree>
-      <p:nvGrpSpPr>
-        <p:cNvPr id="1" name=""/>
-        <p:cNvGrpSpPr/>
-        <p:nvPr/>
-      </p:nvGrpSpPr>
-      <p:grpSpPr>
-        <a:xfrm>
-          <a:off x="0" y="0"/>
-          <a:ext cx="0" cy="0"/>
-          <a:chOff x="0" y="0"/>
-          <a:chExt cx="0" cy="0"/>
-        </a:xfrm>
-      </p:grpSpPr>
-      <p:sp>
-        <p:nvSpPr>
-          <p:cNvPr id="2" name="Title 1"/>
-          <p:cNvSpPr>
-            <a:spLocks noGrp="1"/>
-          </p:cNvSpPr>
-          <p:nvPr>
-            <p:ph type="title"/>
-          </p:nvPr>
-        </p:nvSpPr>
-        <p:spPr>
-          <a:xfrm>
-            <a:off x="436563" y="3121817"/>
-            <a:ext cx="8026400" cy="738664"/>
-          </a:xfrm>
-        </p:spPr>
-        <p:txBody>
-          <a:bodyPr/>
-          <a:lstStyle/>
-          <a:p>
-            <a:r>
-              <a:rPr lang="en-US" dirty="0" smtClean="0"/>
-              <a:t>Define</a:t>
-            </a:r>
-            <a:endParaRPr lang="en-US" dirty="0"/>
-          </a:p>
-        </p:txBody>
-      </p:sp>
-    </p:spTree>
-    <p:extLst>
-      <p:ext uri="{BB962C8B-B14F-4D97-AF65-F5344CB8AC3E}">
-        <p14:creationId xmlns:p14="http://schemas.microsoft.com/office/powerpoint/2010/main" val="3102188801"/>
-      </p:ext>
-    </p:extLst>
-  </p:cSld>
-  <p:clrMapOvr>
-    <a:masterClrMapping/>
-  </p:clrMapOvr>
-</p:sld>
-</file>
-
-<file path=ppt/slides/slide4.xml><?xml version="1.0" encoding="utf-8"?>
+<file path=ppt/slides/slide12.xml><?xml version="1.0" encoding="utf-8"?>
 <p:sld xmlns:a="http://schemas.openxmlformats.org/drawingml/2006/main" xmlns:r="http://schemas.openxmlformats.org/officeDocument/2006/relationships" xmlns:p="http://schemas.openxmlformats.org/presentationml/2006/main">
   <p:cSld>
     <p:spTree>
@@ -18763,10 +18605,17 @@
   <p:clrMapOvr>
     <a:masterClrMapping/>
   </p:clrMapOvr>
+  <p:timing>
+    <p:tnLst>
+      <p:par>
+        <p:cTn id="1" dur="indefinite" restart="never" nodeType="tmRoot"/>
+      </p:par>
+    </p:tnLst>
+  </p:timing>
 </p:sld>
 </file>
 
-<file path=ppt/slides/slide5.xml><?xml version="1.0" encoding="utf-8"?>
+<file path=ppt/slides/slide13.xml><?xml version="1.0" encoding="utf-8"?>
 <p:sld xmlns:a="http://schemas.openxmlformats.org/drawingml/2006/main" xmlns:r="http://schemas.openxmlformats.org/officeDocument/2006/relationships" xmlns:p="http://schemas.openxmlformats.org/presentationml/2006/main">
   <p:cSld>
     <p:spTree>
@@ -18977,7 +18826,7 @@
 </p:sld>
 </file>
 
-<file path=ppt/slides/slide6.xml><?xml version="1.0" encoding="utf-8"?>
+<file path=ppt/slides/slide14.xml><?xml version="1.0" encoding="utf-8"?>
 <p:sld xmlns:a="http://schemas.openxmlformats.org/drawingml/2006/main" xmlns:r="http://schemas.openxmlformats.org/officeDocument/2006/relationships" xmlns:p="http://schemas.openxmlformats.org/presentationml/2006/main">
   <p:cSld>
     <p:spTree>
@@ -19128,7 +18977,7 @@
 </p:sld>
 </file>
 
-<file path=ppt/slides/slide7.xml><?xml version="1.0" encoding="utf-8"?>
+<file path=ppt/slides/slide15.xml><?xml version="1.0" encoding="utf-8"?>
 <p:sld xmlns:a="http://schemas.openxmlformats.org/drawingml/2006/main" xmlns:r="http://schemas.openxmlformats.org/officeDocument/2006/relationships" xmlns:p="http://schemas.openxmlformats.org/presentationml/2006/main">
   <p:cSld>
     <p:spTree>
@@ -19212,7 +19061,7 @@
 </p:sld>
 </file>
 
-<file path=ppt/slides/slide8.xml><?xml version="1.0" encoding="utf-8"?>
+<file path=ppt/slides/slide16.xml><?xml version="1.0" encoding="utf-8"?>
 <p:sld xmlns:a="http://schemas.openxmlformats.org/drawingml/2006/main" xmlns:r="http://schemas.openxmlformats.org/officeDocument/2006/relationships" xmlns:p="http://schemas.openxmlformats.org/presentationml/2006/main">
   <p:cSld>
     <p:spTree>
@@ -19299,7 +19148,7 @@
 </p:sld>
 </file>
 
-<file path=ppt/slides/slide9.xml><?xml version="1.0" encoding="utf-8"?>
+<file path=ppt/slides/slide17.xml><?xml version="1.0" encoding="utf-8"?>
 <p:sld xmlns:a="http://schemas.openxmlformats.org/drawingml/2006/main" xmlns:r="http://schemas.openxmlformats.org/officeDocument/2006/relationships" xmlns:p="http://schemas.openxmlformats.org/presentationml/2006/main">
   <p:cSld>
     <p:spTree>
@@ -19383,6 +19232,6321 @@
   <p:clrMapOvr>
     <a:masterClrMapping/>
   </p:clrMapOvr>
+</p:sld>
+</file>
+
+<file path=ppt/slides/slide18.xml><?xml version="1.0" encoding="utf-8"?>
+<p:sld xmlns:a="http://schemas.openxmlformats.org/drawingml/2006/main" xmlns:r="http://schemas.openxmlformats.org/officeDocument/2006/relationships" xmlns:p="http://schemas.openxmlformats.org/presentationml/2006/main">
+  <p:cSld>
+    <p:spTree>
+      <p:nvGrpSpPr>
+        <p:cNvPr id="1" name=""/>
+        <p:cNvGrpSpPr/>
+        <p:nvPr/>
+      </p:nvGrpSpPr>
+      <p:grpSpPr>
+        <a:xfrm>
+          <a:off x="0" y="0"/>
+          <a:ext cx="0" cy="0"/>
+          <a:chOff x="0" y="0"/>
+          <a:chExt cx="0" cy="0"/>
+        </a:xfrm>
+      </p:grpSpPr>
+      <p:sp>
+        <p:nvSpPr>
+          <p:cNvPr id="2" name="Title 1"/>
+          <p:cNvSpPr>
+            <a:spLocks noGrp="1"/>
+          </p:cNvSpPr>
+          <p:nvPr>
+            <p:ph type="title"/>
+          </p:nvPr>
+        </p:nvSpPr>
+        <p:spPr>
+          <a:xfrm>
+            <a:off x="457200" y="893763"/>
+            <a:ext cx="8229600" cy="553998"/>
+          </a:xfrm>
+        </p:spPr>
+        <p:txBody>
+          <a:bodyPr/>
+          <a:lstStyle/>
+          <a:p>
+            <a:pPr lvl="0"/>
+            <a:r>
+              <a:rPr lang="en-US" dirty="0"/>
+              <a:t>Performing a line-by-line </a:t>
+            </a:r>
+            <a:r>
+              <a:rPr lang="en-US" dirty="0" smtClean="0"/>
+              <a:t>review</a:t>
+            </a:r>
+            <a:endParaRPr lang="en-US" dirty="0"/>
+          </a:p>
+        </p:txBody>
+      </p:sp>
+      <p:graphicFrame>
+        <p:nvGraphicFramePr>
+          <p:cNvPr id="4" name="Content Placeholder 3"/>
+          <p:cNvGraphicFramePr>
+            <a:graphicFrameLocks noGrp="1"/>
+          </p:cNvGraphicFramePr>
+          <p:nvPr>
+            <p:ph idx="1"/>
+            <p:extLst>
+              <p:ext uri="{D42A27DB-BD31-4B8C-83A1-F6EECF244321}">
+                <p14:modId xmlns:p14="http://schemas.microsoft.com/office/powerpoint/2010/main" val="3994965154"/>
+              </p:ext>
+            </p:extLst>
+          </p:nvPr>
+        </p:nvGraphicFramePr>
+        <p:xfrm>
+          <a:off x="449263" y="1598612"/>
+          <a:ext cx="8229600" cy="2287587"/>
+        </p:xfrm>
+        <a:graphic>
+          <a:graphicData uri="http://schemas.openxmlformats.org/drawingml/2006/diagram">
+            <dgm:relIds xmlns:dgm="http://schemas.openxmlformats.org/drawingml/2006/diagram" xmlns:r="http://schemas.openxmlformats.org/officeDocument/2006/relationships" r:dm="rId2" r:lo="rId3" r:qs="rId4" r:cs="rId5"/>
+          </a:graphicData>
+        </a:graphic>
+      </p:graphicFrame>
+      <p:sp>
+        <p:nvSpPr>
+          <p:cNvPr id="6" name="TextBox 5"/>
+          <p:cNvSpPr txBox="1"/>
+          <p:nvPr/>
+        </p:nvSpPr>
+        <p:spPr>
+          <a:xfrm>
+            <a:off x="1600200" y="3733800"/>
+            <a:ext cx="4648200" cy="1477328"/>
+          </a:xfrm>
+          <a:prstGeom prst="rect">
+            <a:avLst/>
+          </a:prstGeom>
+          <a:noFill/>
+        </p:spPr>
+        <p:txBody>
+          <a:bodyPr wrap="square" rtlCol="0">
+            <a:spAutoFit/>
+          </a:bodyPr>
+          <a:lstStyle/>
+          <a:p>
+            <a:r>
+              <a:rPr lang="en-US" dirty="0" smtClean="0"/>
+              <a:t>For key </a:t>
+            </a:r>
+            <a:r>
+              <a:rPr lang="en-US" dirty="0"/>
+              <a:t>security </a:t>
+            </a:r>
+            <a:r>
+              <a:rPr lang="en-US" dirty="0" smtClean="0"/>
+              <a:t>mechanisms:</a:t>
+            </a:r>
+          </a:p>
+          <a:p>
+            <a:pPr marL="285750" indent="-285750">
+              <a:buFont typeface="Arial" panose="020B0604020202020204" pitchFamily="34" charset="0"/>
+              <a:buChar char="•"/>
+            </a:pPr>
+            <a:r>
+              <a:rPr lang="en-US" dirty="0" smtClean="0"/>
+              <a:t>Authentication </a:t>
+            </a:r>
+          </a:p>
+          <a:p>
+            <a:pPr marL="285750" indent="-285750">
+              <a:buFont typeface="Arial" panose="020B0604020202020204" pitchFamily="34" charset="0"/>
+              <a:buChar char="•"/>
+            </a:pPr>
+            <a:r>
+              <a:rPr lang="en-US" dirty="0" smtClean="0"/>
+              <a:t>Session management</a:t>
+            </a:r>
+          </a:p>
+          <a:p>
+            <a:pPr marL="285750" indent="-285750">
+              <a:buFont typeface="Arial" panose="020B0604020202020204" pitchFamily="34" charset="0"/>
+              <a:buChar char="•"/>
+            </a:pPr>
+            <a:r>
+              <a:rPr lang="en-US" dirty="0" smtClean="0"/>
+              <a:t>Access control</a:t>
+            </a:r>
+          </a:p>
+          <a:p>
+            <a:pPr marL="285750" indent="-285750">
+              <a:buFont typeface="Arial" panose="020B0604020202020204" pitchFamily="34" charset="0"/>
+              <a:buChar char="•"/>
+            </a:pPr>
+            <a:r>
+              <a:rPr lang="en-US" dirty="0"/>
+              <a:t>A</a:t>
+            </a:r>
+            <a:r>
+              <a:rPr lang="en-US" dirty="0" smtClean="0"/>
+              <a:t>pplication-wide </a:t>
+            </a:r>
+            <a:r>
+              <a:rPr lang="en-US" dirty="0"/>
+              <a:t>input validation</a:t>
+            </a:r>
+          </a:p>
+        </p:txBody>
+      </p:sp>
+    </p:spTree>
+    <p:extLst>
+      <p:ext uri="{BB962C8B-B14F-4D97-AF65-F5344CB8AC3E}">
+        <p14:creationId xmlns:p14="http://schemas.microsoft.com/office/powerpoint/2010/main" val="1705815557"/>
+      </p:ext>
+    </p:extLst>
+  </p:cSld>
+  <p:clrMapOvr>
+    <a:masterClrMapping/>
+  </p:clrMapOvr>
+</p:sld>
+</file>
+
+<file path=ppt/slides/slide19.xml><?xml version="1.0" encoding="utf-8"?>
+<p:sld xmlns:a="http://schemas.openxmlformats.org/drawingml/2006/main" xmlns:r="http://schemas.openxmlformats.org/officeDocument/2006/relationships" xmlns:p="http://schemas.openxmlformats.org/presentationml/2006/main">
+  <p:cSld>
+    <p:spTree>
+      <p:nvGrpSpPr>
+        <p:cNvPr id="1" name=""/>
+        <p:cNvGrpSpPr/>
+        <p:nvPr/>
+      </p:nvGrpSpPr>
+      <p:grpSpPr>
+        <a:xfrm>
+          <a:off x="0" y="0"/>
+          <a:ext cx="0" cy="0"/>
+          <a:chOff x="0" y="0"/>
+          <a:chExt cx="0" cy="0"/>
+        </a:xfrm>
+      </p:grpSpPr>
+      <p:sp>
+        <p:nvSpPr>
+          <p:cNvPr id="2" name="Title 1"/>
+          <p:cNvSpPr>
+            <a:spLocks noGrp="1"/>
+          </p:cNvSpPr>
+          <p:nvPr>
+            <p:ph type="title"/>
+          </p:nvPr>
+        </p:nvSpPr>
+        <p:spPr>
+          <a:xfrm>
+            <a:off x="457200" y="893763"/>
+            <a:ext cx="8229600" cy="553998"/>
+          </a:xfrm>
+        </p:spPr>
+        <p:txBody>
+          <a:bodyPr/>
+          <a:lstStyle/>
+          <a:p>
+            <a:pPr lvl="0"/>
+            <a:r>
+              <a:rPr lang="en-US" dirty="0"/>
+              <a:t>Code Review </a:t>
+            </a:r>
+            <a:r>
+              <a:rPr lang="en-US" dirty="0" smtClean="0"/>
+              <a:t>Methodology</a:t>
+            </a:r>
+            <a:endParaRPr lang="en-US" dirty="0"/>
+          </a:p>
+        </p:txBody>
+      </p:sp>
+      <p:pic>
+        <p:nvPicPr>
+          <p:cNvPr id="4" name="Content Placeholder 3"/>
+          <p:cNvPicPr>
+            <a:picLocks noGrp="1" noChangeAspect="1"/>
+          </p:cNvPicPr>
+          <p:nvPr>
+            <p:ph idx="1"/>
+          </p:nvPr>
+        </p:nvPicPr>
+        <p:blipFill>
+          <a:blip r:embed="rId2">
+            <a:extLst>
+              <a:ext uri="{28A0092B-C50C-407E-A947-70E740481C1C}">
+                <a14:useLocalDpi xmlns:a14="http://schemas.microsoft.com/office/drawing/2010/main" val="0"/>
+              </a:ext>
+            </a:extLst>
+          </a:blip>
+          <a:stretch>
+            <a:fillRect/>
+          </a:stretch>
+        </p:blipFill>
+        <p:spPr>
+          <a:xfrm>
+            <a:off x="1219200" y="1894561"/>
+            <a:ext cx="6038542" cy="3363239"/>
+          </a:xfrm>
+        </p:spPr>
+      </p:pic>
+    </p:spTree>
+    <p:extLst>
+      <p:ext uri="{BB962C8B-B14F-4D97-AF65-F5344CB8AC3E}">
+        <p14:creationId xmlns:p14="http://schemas.microsoft.com/office/powerpoint/2010/main" val="301081175"/>
+      </p:ext>
+    </p:extLst>
+  </p:cSld>
+  <p:clrMapOvr>
+    <a:masterClrMapping/>
+  </p:clrMapOvr>
+</p:sld>
+</file>
+
+<file path=ppt/slides/slide2.xml><?xml version="1.0" encoding="utf-8"?>
+<p:sld xmlns:a="http://schemas.openxmlformats.org/drawingml/2006/main" xmlns:r="http://schemas.openxmlformats.org/officeDocument/2006/relationships" xmlns:p="http://schemas.openxmlformats.org/presentationml/2006/main">
+  <p:cSld>
+    <p:spTree>
+      <p:nvGrpSpPr>
+        <p:cNvPr id="1" name=""/>
+        <p:cNvGrpSpPr/>
+        <p:nvPr/>
+      </p:nvGrpSpPr>
+      <p:grpSpPr>
+        <a:xfrm>
+          <a:off x="0" y="0"/>
+          <a:ext cx="0" cy="0"/>
+          <a:chOff x="0" y="0"/>
+          <a:chExt cx="0" cy="0"/>
+        </a:xfrm>
+      </p:grpSpPr>
+      <p:sp>
+        <p:nvSpPr>
+          <p:cNvPr id="3" name="Title 2"/>
+          <p:cNvSpPr>
+            <a:spLocks noGrp="1"/>
+          </p:cNvSpPr>
+          <p:nvPr>
+            <p:ph type="title"/>
+          </p:nvPr>
+        </p:nvSpPr>
+        <p:spPr/>
+        <p:txBody>
+          <a:bodyPr/>
+          <a:lstStyle/>
+          <a:p>
+            <a:r>
+              <a:rPr lang="en-US" dirty="0" smtClean="0"/>
+              <a:t>Outline</a:t>
+            </a:r>
+            <a:endParaRPr lang="en-US" dirty="0"/>
+          </a:p>
+        </p:txBody>
+      </p:sp>
+      <p:graphicFrame>
+        <p:nvGraphicFramePr>
+          <p:cNvPr id="5" name="Content Placeholder 4"/>
+          <p:cNvGraphicFramePr>
+            <a:graphicFrameLocks noGrp="1"/>
+          </p:cNvGraphicFramePr>
+          <p:nvPr>
+            <p:ph idx="1"/>
+            <p:extLst>
+              <p:ext uri="{D42A27DB-BD31-4B8C-83A1-F6EECF244321}">
+                <p14:modId xmlns:p14="http://schemas.microsoft.com/office/powerpoint/2010/main" val="248922223"/>
+              </p:ext>
+            </p:extLst>
+          </p:nvPr>
+        </p:nvGraphicFramePr>
+        <p:xfrm>
+          <a:off x="449263" y="1598613"/>
+          <a:ext cx="8229600" cy="4256087"/>
+        </p:xfrm>
+        <a:graphic>
+          <a:graphicData uri="http://schemas.openxmlformats.org/drawingml/2006/diagram">
+            <dgm:relIds xmlns:dgm="http://schemas.openxmlformats.org/drawingml/2006/diagram" xmlns:r="http://schemas.openxmlformats.org/officeDocument/2006/relationships" r:dm="rId2" r:lo="rId3" r:qs="rId4" r:cs="rId5"/>
+          </a:graphicData>
+        </a:graphic>
+      </p:graphicFrame>
+    </p:spTree>
+    <p:extLst>
+      <p:ext uri="{BB962C8B-B14F-4D97-AF65-F5344CB8AC3E}">
+        <p14:creationId xmlns:p14="http://schemas.microsoft.com/office/powerpoint/2010/main" val="3149713052"/>
+      </p:ext>
+    </p:extLst>
+  </p:cSld>
+  <p:clrMapOvr>
+    <a:masterClrMapping/>
+  </p:clrMapOvr>
+</p:sld>
+</file>
+
+<file path=ppt/slides/slide20.xml><?xml version="1.0" encoding="utf-8"?>
+<p:sld xmlns:a="http://schemas.openxmlformats.org/drawingml/2006/main" xmlns:r="http://schemas.openxmlformats.org/officeDocument/2006/relationships" xmlns:p="http://schemas.openxmlformats.org/presentationml/2006/main">
+  <p:cSld>
+    <p:spTree>
+      <p:nvGrpSpPr>
+        <p:cNvPr id="1" name=""/>
+        <p:cNvGrpSpPr/>
+        <p:nvPr/>
+      </p:nvGrpSpPr>
+      <p:grpSpPr>
+        <a:xfrm>
+          <a:off x="0" y="0"/>
+          <a:ext cx="0" cy="0"/>
+          <a:chOff x="0" y="0"/>
+          <a:chExt cx="0" cy="0"/>
+        </a:xfrm>
+      </p:grpSpPr>
+      <p:sp>
+        <p:nvSpPr>
+          <p:cNvPr id="2" name="Title 1"/>
+          <p:cNvSpPr>
+            <a:spLocks noGrp="1"/>
+          </p:cNvSpPr>
+          <p:nvPr>
+            <p:ph type="title"/>
+          </p:nvPr>
+        </p:nvSpPr>
+        <p:spPr/>
+        <p:txBody>
+          <a:bodyPr/>
+          <a:lstStyle/>
+          <a:p>
+            <a:r>
+              <a:rPr lang="en-US" dirty="0" err="1" smtClean="0"/>
+              <a:t>WhiteBox</a:t>
+            </a:r>
+            <a:endParaRPr lang="en-US" dirty="0"/>
+          </a:p>
+        </p:txBody>
+      </p:sp>
+      <p:sp>
+        <p:nvSpPr>
+          <p:cNvPr id="3" name="Content Placeholder 2"/>
+          <p:cNvSpPr>
+            <a:spLocks noGrp="1"/>
+          </p:cNvSpPr>
+          <p:nvPr>
+            <p:ph idx="1"/>
+          </p:nvPr>
+        </p:nvSpPr>
+        <p:spPr/>
+        <p:txBody>
+          <a:bodyPr/>
+          <a:lstStyle/>
+          <a:p>
+            <a:endParaRPr lang="en-US"/>
+          </a:p>
+        </p:txBody>
+      </p:sp>
+      <p:pic>
+        <p:nvPicPr>
+          <p:cNvPr id="2050" name="Picture 2"/>
+          <p:cNvPicPr>
+            <a:picLocks noChangeAspect="1" noChangeArrowheads="1"/>
+          </p:cNvPicPr>
+          <p:nvPr/>
+        </p:nvPicPr>
+        <p:blipFill>
+          <a:blip r:embed="rId2">
+            <a:extLst>
+              <a:ext uri="{28A0092B-C50C-407E-A947-70E740481C1C}">
+                <a14:useLocalDpi xmlns:a14="http://schemas.microsoft.com/office/drawing/2010/main" val="0"/>
+              </a:ext>
+            </a:extLst>
+          </a:blip>
+          <a:srcRect/>
+          <a:stretch>
+            <a:fillRect/>
+          </a:stretch>
+        </p:blipFill>
+        <p:spPr bwMode="auto">
+          <a:xfrm>
+            <a:off x="1828800" y="1600200"/>
+            <a:ext cx="5143500" cy="4200941"/>
+          </a:xfrm>
+          <a:prstGeom prst="rect">
+            <a:avLst/>
+          </a:prstGeom>
+          <a:noFill/>
+          <a:ln>
+            <a:noFill/>
+          </a:ln>
+          <a:extLst>
+            <a:ext uri="{909E8E84-426E-40DD-AFC4-6F175D3DCCD1}">
+              <a14:hiddenFill xmlns:a14="http://schemas.microsoft.com/office/drawing/2010/main">
+                <a:solidFill>
+                  <a:schemeClr val="accent1"/>
+                </a:solidFill>
+              </a14:hiddenFill>
+            </a:ext>
+            <a:ext uri="{91240B29-F687-4F45-9708-019B960494DF}">
+              <a14:hiddenLine xmlns:a14="http://schemas.microsoft.com/office/drawing/2010/main" w="9525">
+                <a:solidFill>
+                  <a:schemeClr val="tx1"/>
+                </a:solidFill>
+                <a:miter lim="800000"/>
+                <a:headEnd/>
+                <a:tailEnd/>
+              </a14:hiddenLine>
+            </a:ext>
+          </a:extLst>
+        </p:spPr>
+      </p:pic>
+    </p:spTree>
+    <p:extLst>
+      <p:ext uri="{BB962C8B-B14F-4D97-AF65-F5344CB8AC3E}">
+        <p14:creationId xmlns:p14="http://schemas.microsoft.com/office/powerpoint/2010/main" val="217844244"/>
+      </p:ext>
+    </p:extLst>
+  </p:cSld>
+  <p:clrMapOvr>
+    <a:masterClrMapping/>
+  </p:clrMapOvr>
+</p:sld>
+</file>
+
+<file path=ppt/slides/slide21.xml><?xml version="1.0" encoding="utf-8"?>
+<p:sld xmlns:a="http://schemas.openxmlformats.org/drawingml/2006/main" xmlns:r="http://schemas.openxmlformats.org/officeDocument/2006/relationships" xmlns:p="http://schemas.openxmlformats.org/presentationml/2006/main">
+  <p:cSld>
+    <p:spTree>
+      <p:nvGrpSpPr>
+        <p:cNvPr id="1" name=""/>
+        <p:cNvGrpSpPr/>
+        <p:nvPr/>
+      </p:nvGrpSpPr>
+      <p:grpSpPr>
+        <a:xfrm>
+          <a:off x="0" y="0"/>
+          <a:ext cx="0" cy="0"/>
+          <a:chOff x="0" y="0"/>
+          <a:chExt cx="0" cy="0"/>
+        </a:xfrm>
+      </p:grpSpPr>
+      <p:sp>
+        <p:nvSpPr>
+          <p:cNvPr id="2" name="Title 1"/>
+          <p:cNvSpPr>
+            <a:spLocks noGrp="1"/>
+          </p:cNvSpPr>
+          <p:nvPr>
+            <p:ph type="title"/>
+          </p:nvPr>
+        </p:nvSpPr>
+        <p:spPr/>
+        <p:txBody>
+          <a:bodyPr/>
+          <a:lstStyle/>
+          <a:p>
+            <a:r>
+              <a:rPr lang="en-US" dirty="0" smtClean="0"/>
+              <a:t>Review Flow</a:t>
+            </a:r>
+            <a:endParaRPr lang="en-US" dirty="0"/>
+          </a:p>
+        </p:txBody>
+      </p:sp>
+      <p:sp>
+        <p:nvSpPr>
+          <p:cNvPr id="3" name="Content Placeholder 2"/>
+          <p:cNvSpPr>
+            <a:spLocks noGrp="1"/>
+          </p:cNvSpPr>
+          <p:nvPr>
+            <p:ph idx="1"/>
+          </p:nvPr>
+        </p:nvSpPr>
+        <p:spPr/>
+        <p:txBody>
+          <a:bodyPr/>
+          <a:lstStyle/>
+          <a:p>
+            <a:endParaRPr lang="en-US"/>
+          </a:p>
+        </p:txBody>
+      </p:sp>
+      <p:pic>
+        <p:nvPicPr>
+          <p:cNvPr id="1027" name="Picture 3"/>
+          <p:cNvPicPr>
+            <a:picLocks noChangeAspect="1" noChangeArrowheads="1"/>
+          </p:cNvPicPr>
+          <p:nvPr/>
+        </p:nvPicPr>
+        <p:blipFill>
+          <a:blip r:embed="rId2">
+            <a:extLst>
+              <a:ext uri="{28A0092B-C50C-407E-A947-70E740481C1C}">
+                <a14:useLocalDpi xmlns:a14="http://schemas.microsoft.com/office/drawing/2010/main" val="0"/>
+              </a:ext>
+            </a:extLst>
+          </a:blip>
+          <a:srcRect/>
+          <a:stretch>
+            <a:fillRect/>
+          </a:stretch>
+        </p:blipFill>
+        <p:spPr bwMode="auto">
+          <a:xfrm>
+            <a:off x="838200" y="1600200"/>
+            <a:ext cx="7586360" cy="4599493"/>
+          </a:xfrm>
+          <a:prstGeom prst="rect">
+            <a:avLst/>
+          </a:prstGeom>
+          <a:noFill/>
+          <a:ln>
+            <a:noFill/>
+          </a:ln>
+          <a:extLst>
+            <a:ext uri="{909E8E84-426E-40DD-AFC4-6F175D3DCCD1}">
+              <a14:hiddenFill xmlns:a14="http://schemas.microsoft.com/office/drawing/2010/main">
+                <a:solidFill>
+                  <a:schemeClr val="accent1"/>
+                </a:solidFill>
+              </a14:hiddenFill>
+            </a:ext>
+            <a:ext uri="{91240B29-F687-4F45-9708-019B960494DF}">
+              <a14:hiddenLine xmlns:a14="http://schemas.microsoft.com/office/drawing/2010/main" w="9525">
+                <a:solidFill>
+                  <a:schemeClr val="tx1"/>
+                </a:solidFill>
+                <a:miter lim="800000"/>
+                <a:headEnd/>
+                <a:tailEnd/>
+              </a14:hiddenLine>
+            </a:ext>
+          </a:extLst>
+        </p:spPr>
+      </p:pic>
+    </p:spTree>
+    <p:extLst>
+      <p:ext uri="{BB962C8B-B14F-4D97-AF65-F5344CB8AC3E}">
+        <p14:creationId xmlns:p14="http://schemas.microsoft.com/office/powerpoint/2010/main" val="3376799673"/>
+      </p:ext>
+    </p:extLst>
+  </p:cSld>
+  <p:clrMapOvr>
+    <a:masterClrMapping/>
+  </p:clrMapOvr>
+</p:sld>
+</file>
+
+<file path=ppt/slides/slide22.xml><?xml version="1.0" encoding="utf-8"?>
+<p:sld xmlns:a="http://schemas.openxmlformats.org/drawingml/2006/main" xmlns:r="http://schemas.openxmlformats.org/officeDocument/2006/relationships" xmlns:p="http://schemas.openxmlformats.org/presentationml/2006/main">
+  <p:cSld>
+    <p:spTree>
+      <p:nvGrpSpPr>
+        <p:cNvPr id="1" name=""/>
+        <p:cNvGrpSpPr/>
+        <p:nvPr/>
+      </p:nvGrpSpPr>
+      <p:grpSpPr>
+        <a:xfrm>
+          <a:off x="0" y="0"/>
+          <a:ext cx="0" cy="0"/>
+          <a:chOff x="0" y="0"/>
+          <a:chExt cx="0" cy="0"/>
+        </a:xfrm>
+      </p:grpSpPr>
+      <p:sp>
+        <p:nvSpPr>
+          <p:cNvPr id="2" name="Title 1"/>
+          <p:cNvSpPr>
+            <a:spLocks noGrp="1"/>
+          </p:cNvSpPr>
+          <p:nvPr>
+            <p:ph type="title"/>
+          </p:nvPr>
+        </p:nvSpPr>
+        <p:spPr/>
+        <p:txBody>
+          <a:bodyPr/>
+          <a:lstStyle/>
+          <a:p>
+            <a:r>
+              <a:rPr lang="en-US" dirty="0"/>
+              <a:t>Security Domains/Controls</a:t>
+            </a:r>
+          </a:p>
+        </p:txBody>
+      </p:sp>
+      <p:sp>
+        <p:nvSpPr>
+          <p:cNvPr id="3" name="Content Placeholder 2"/>
+          <p:cNvSpPr>
+            <a:spLocks noGrp="1"/>
+          </p:cNvSpPr>
+          <p:nvPr>
+            <p:ph idx="1"/>
+          </p:nvPr>
+        </p:nvSpPr>
+        <p:spPr>
+          <a:xfrm>
+            <a:off x="449263" y="1598613"/>
+            <a:ext cx="8229600" cy="5078313"/>
+          </a:xfrm>
+        </p:spPr>
+        <p:txBody>
+          <a:bodyPr/>
+          <a:lstStyle/>
+          <a:p>
+            <a:r>
+              <a:rPr lang="en-US" dirty="0" smtClean="0"/>
+              <a:t>Authentication</a:t>
+            </a:r>
+            <a:endParaRPr lang="en-US" dirty="0"/>
+          </a:p>
+          <a:p>
+            <a:r>
+              <a:rPr lang="en-US" dirty="0" smtClean="0"/>
+              <a:t>Authorization</a:t>
+            </a:r>
+            <a:endParaRPr lang="en-US" dirty="0"/>
+          </a:p>
+          <a:p>
+            <a:r>
+              <a:rPr lang="en-US" dirty="0" smtClean="0"/>
+              <a:t>Error </a:t>
+            </a:r>
+            <a:r>
+              <a:rPr lang="en-US" dirty="0"/>
+              <a:t>Handling</a:t>
+            </a:r>
+          </a:p>
+          <a:p>
+            <a:r>
+              <a:rPr lang="en-US" dirty="0" smtClean="0"/>
+              <a:t>Input </a:t>
+            </a:r>
+            <a:r>
+              <a:rPr lang="en-US" dirty="0"/>
+              <a:t>Validations</a:t>
+            </a:r>
+          </a:p>
+          <a:p>
+            <a:r>
+              <a:rPr lang="en-US" dirty="0" smtClean="0"/>
+              <a:t>Data </a:t>
+            </a:r>
+            <a:r>
+              <a:rPr lang="en-US" dirty="0"/>
+              <a:t>Validation</a:t>
+            </a:r>
+          </a:p>
+          <a:p>
+            <a:r>
+              <a:rPr lang="en-US" dirty="0" smtClean="0"/>
+              <a:t>Crypto </a:t>
+            </a:r>
+            <a:r>
+              <a:rPr lang="en-US" dirty="0"/>
+              <a:t>and Secret Handling</a:t>
+            </a:r>
+          </a:p>
+          <a:p>
+            <a:r>
+              <a:rPr lang="en-US" dirty="0" smtClean="0"/>
+              <a:t>Business </a:t>
+            </a:r>
+            <a:r>
+              <a:rPr lang="en-US" dirty="0"/>
+              <a:t>Logic Handling</a:t>
+            </a:r>
+          </a:p>
+          <a:p>
+            <a:r>
+              <a:rPr lang="en-US" dirty="0" smtClean="0"/>
+              <a:t>Session </a:t>
+            </a:r>
+            <a:r>
+              <a:rPr lang="en-US" dirty="0"/>
+              <a:t>and Identity Handling</a:t>
+            </a:r>
+          </a:p>
+          <a:p>
+            <a:r>
+              <a:rPr lang="en-US" dirty="0" smtClean="0"/>
+              <a:t>Client </a:t>
+            </a:r>
+            <a:r>
+              <a:rPr lang="en-US" dirty="0"/>
+              <a:t>Side Controls</a:t>
+            </a:r>
+          </a:p>
+          <a:p>
+            <a:r>
+              <a:rPr lang="en-US" dirty="0" smtClean="0"/>
+              <a:t>Auditing </a:t>
+            </a:r>
+            <a:r>
+              <a:rPr lang="en-US" dirty="0"/>
+              <a:t>and Logging</a:t>
+            </a:r>
+          </a:p>
+        </p:txBody>
+      </p:sp>
+    </p:spTree>
+    <p:extLst>
+      <p:ext uri="{BB962C8B-B14F-4D97-AF65-F5344CB8AC3E}">
+        <p14:creationId xmlns:p14="http://schemas.microsoft.com/office/powerpoint/2010/main" val="2648379984"/>
+      </p:ext>
+    </p:extLst>
+  </p:cSld>
+  <p:clrMapOvr>
+    <a:masterClrMapping/>
+  </p:clrMapOvr>
+</p:sld>
+</file>
+
+<file path=ppt/slides/slide23.xml><?xml version="1.0" encoding="utf-8"?>
+<p:sld xmlns:a="http://schemas.openxmlformats.org/drawingml/2006/main" xmlns:r="http://schemas.openxmlformats.org/officeDocument/2006/relationships" xmlns:p="http://schemas.openxmlformats.org/presentationml/2006/main">
+  <p:cSld>
+    <p:spTree>
+      <p:nvGrpSpPr>
+        <p:cNvPr id="1" name=""/>
+        <p:cNvGrpSpPr/>
+        <p:nvPr/>
+      </p:nvGrpSpPr>
+      <p:grpSpPr>
+        <a:xfrm>
+          <a:off x="0" y="0"/>
+          <a:ext cx="0" cy="0"/>
+          <a:chOff x="0" y="0"/>
+          <a:chExt cx="0" cy="0"/>
+        </a:xfrm>
+      </p:grpSpPr>
+      <p:sp>
+        <p:nvSpPr>
+          <p:cNvPr id="2" name="Title 1"/>
+          <p:cNvSpPr>
+            <a:spLocks noGrp="1"/>
+          </p:cNvSpPr>
+          <p:nvPr>
+            <p:ph type="title"/>
+          </p:nvPr>
+        </p:nvSpPr>
+        <p:spPr/>
+        <p:txBody>
+          <a:bodyPr/>
+          <a:lstStyle/>
+          <a:p>
+            <a:r>
+              <a:rPr lang="en-US" dirty="0"/>
+              <a:t>Authentication</a:t>
+            </a:r>
+          </a:p>
+        </p:txBody>
+      </p:sp>
+      <p:sp>
+        <p:nvSpPr>
+          <p:cNvPr id="3" name="Content Placeholder 2"/>
+          <p:cNvSpPr>
+            <a:spLocks noGrp="1"/>
+          </p:cNvSpPr>
+          <p:nvPr>
+            <p:ph idx="1"/>
+          </p:nvPr>
+        </p:nvSpPr>
+        <p:spPr>
+          <a:xfrm>
+            <a:off x="449263" y="1598613"/>
+            <a:ext cx="8229600" cy="4585871"/>
+          </a:xfrm>
+        </p:spPr>
+        <p:txBody>
+          <a:bodyPr/>
+          <a:lstStyle/>
+          <a:p>
+            <a:r>
+              <a:rPr lang="en-US" sz="1800" dirty="0" smtClean="0"/>
+              <a:t>Authentication </a:t>
+            </a:r>
+            <a:r>
+              <a:rPr lang="en-US" sz="1800" dirty="0"/>
+              <a:t>disclosing sensitive information</a:t>
+            </a:r>
+          </a:p>
+          <a:p>
+            <a:r>
+              <a:rPr lang="en-US" sz="1800" dirty="0" smtClean="0"/>
+              <a:t>Not </a:t>
+            </a:r>
+            <a:r>
+              <a:rPr lang="en-US" sz="1800" dirty="0"/>
+              <a:t>having auditing on the authentication</a:t>
+            </a:r>
+          </a:p>
+          <a:p>
+            <a:r>
+              <a:rPr lang="en-US" sz="1800" dirty="0" smtClean="0"/>
+              <a:t>No </a:t>
+            </a:r>
+            <a:r>
+              <a:rPr lang="en-US" sz="1800" dirty="0"/>
+              <a:t>user lockdown policy in place</a:t>
+            </a:r>
+          </a:p>
+          <a:p>
+            <a:r>
+              <a:rPr lang="en-US" sz="1800" dirty="0" smtClean="0"/>
+              <a:t>Authentication </a:t>
+            </a:r>
+            <a:r>
+              <a:rPr lang="en-US" sz="1800" dirty="0"/>
+              <a:t>bypass (SQL / LDAP interface)</a:t>
+            </a:r>
+          </a:p>
+          <a:p>
+            <a:r>
+              <a:rPr lang="en-US" sz="1800" dirty="0" smtClean="0"/>
+              <a:t>Password </a:t>
+            </a:r>
+            <a:r>
+              <a:rPr lang="en-US" sz="1800" dirty="0"/>
+              <a:t>strength is poor</a:t>
+            </a:r>
+          </a:p>
+          <a:p>
+            <a:r>
+              <a:rPr lang="en-US" sz="1800" dirty="0" smtClean="0"/>
+              <a:t>No </a:t>
+            </a:r>
+            <a:r>
+              <a:rPr lang="en-US" sz="1800" dirty="0"/>
+              <a:t>deployment of CAPTCHA or similar identification product</a:t>
+            </a:r>
+          </a:p>
+          <a:p>
+            <a:r>
+              <a:rPr lang="en-US" sz="1800" dirty="0" smtClean="0"/>
+              <a:t>Credential </a:t>
+            </a:r>
+            <a:r>
+              <a:rPr lang="en-US" sz="1800" dirty="0"/>
+              <a:t>are not securely transmitted</a:t>
+            </a:r>
+          </a:p>
+          <a:p>
+            <a:r>
+              <a:rPr lang="en-US" sz="1800" dirty="0" smtClean="0"/>
+              <a:t>Credential </a:t>
+            </a:r>
+            <a:r>
+              <a:rPr lang="en-US" sz="1800" dirty="0"/>
+              <a:t>are stored on client side which can be retrieved</a:t>
+            </a:r>
+          </a:p>
+          <a:p>
+            <a:r>
+              <a:rPr lang="en-US" sz="1800" dirty="0" smtClean="0"/>
+              <a:t>Authentication </a:t>
+            </a:r>
+            <a:r>
+              <a:rPr lang="en-US" sz="1800" dirty="0"/>
+              <a:t>token or cookies are not well crafted</a:t>
+            </a:r>
+          </a:p>
+          <a:p>
+            <a:r>
+              <a:rPr lang="en-US" sz="1800" dirty="0" smtClean="0"/>
+              <a:t>Deliberated </a:t>
+            </a:r>
+            <a:r>
+              <a:rPr lang="en-US" sz="1800" dirty="0"/>
+              <a:t>backdoors are created</a:t>
+            </a:r>
+          </a:p>
+          <a:p>
+            <a:r>
+              <a:rPr lang="en-US" sz="1800" dirty="0" smtClean="0"/>
+              <a:t>Hidden </a:t>
+            </a:r>
+            <a:r>
+              <a:rPr lang="en-US" sz="1800" dirty="0"/>
+              <a:t>fields and information exposure</a:t>
+            </a:r>
+          </a:p>
+        </p:txBody>
+      </p:sp>
+    </p:spTree>
+    <p:extLst>
+      <p:ext uri="{BB962C8B-B14F-4D97-AF65-F5344CB8AC3E}">
+        <p14:creationId xmlns:p14="http://schemas.microsoft.com/office/powerpoint/2010/main" val="575874310"/>
+      </p:ext>
+    </p:extLst>
+  </p:cSld>
+  <p:clrMapOvr>
+    <a:masterClrMapping/>
+  </p:clrMapOvr>
+</p:sld>
+</file>
+
+<file path=ppt/slides/slide24.xml><?xml version="1.0" encoding="utf-8"?>
+<p:sld xmlns:a="http://schemas.openxmlformats.org/drawingml/2006/main" xmlns:r="http://schemas.openxmlformats.org/officeDocument/2006/relationships" xmlns:p="http://schemas.openxmlformats.org/presentationml/2006/main">
+  <p:cSld>
+    <p:spTree>
+      <p:nvGrpSpPr>
+        <p:cNvPr id="1" name=""/>
+        <p:cNvGrpSpPr/>
+        <p:nvPr/>
+      </p:nvGrpSpPr>
+      <p:grpSpPr>
+        <a:xfrm>
+          <a:off x="0" y="0"/>
+          <a:ext cx="0" cy="0"/>
+          <a:chOff x="0" y="0"/>
+          <a:chExt cx="0" cy="0"/>
+        </a:xfrm>
+      </p:grpSpPr>
+      <p:sp>
+        <p:nvSpPr>
+          <p:cNvPr id="2" name="Title 1"/>
+          <p:cNvSpPr>
+            <a:spLocks noGrp="1"/>
+          </p:cNvSpPr>
+          <p:nvPr>
+            <p:ph type="title"/>
+          </p:nvPr>
+        </p:nvSpPr>
+        <p:spPr/>
+        <p:txBody>
+          <a:bodyPr/>
+          <a:lstStyle/>
+          <a:p>
+            <a:r>
+              <a:rPr lang="en-US" dirty="0"/>
+              <a:t>Authorization</a:t>
+            </a:r>
+          </a:p>
+        </p:txBody>
+      </p:sp>
+      <p:sp>
+        <p:nvSpPr>
+          <p:cNvPr id="3" name="Content Placeholder 2"/>
+          <p:cNvSpPr>
+            <a:spLocks noGrp="1"/>
+          </p:cNvSpPr>
+          <p:nvPr>
+            <p:ph idx="1"/>
+          </p:nvPr>
+        </p:nvSpPr>
+        <p:spPr>
+          <a:xfrm>
+            <a:off x="449263" y="1598613"/>
+            <a:ext cx="8229600" cy="4555093"/>
+          </a:xfrm>
+        </p:spPr>
+        <p:txBody>
+          <a:bodyPr/>
+          <a:lstStyle/>
+          <a:p>
+            <a:r>
+              <a:rPr lang="en-US" dirty="0" smtClean="0"/>
+              <a:t>Session </a:t>
+            </a:r>
+            <a:r>
+              <a:rPr lang="en-US" dirty="0"/>
+              <a:t>tokens are insecure</a:t>
+            </a:r>
+          </a:p>
+          <a:p>
+            <a:r>
+              <a:rPr lang="en-US" dirty="0" smtClean="0"/>
+              <a:t>Weak </a:t>
+            </a:r>
+            <a:r>
+              <a:rPr lang="en-US" dirty="0"/>
+              <a:t>authorization mechanism</a:t>
+            </a:r>
+          </a:p>
+          <a:p>
+            <a:r>
+              <a:rPr lang="en-US" dirty="0" smtClean="0"/>
+              <a:t>Client </a:t>
+            </a:r>
+            <a:r>
+              <a:rPr lang="en-US" dirty="0"/>
+              <a:t>side tampering and manipulation possible</a:t>
+            </a:r>
+          </a:p>
+          <a:p>
+            <a:r>
+              <a:rPr lang="en-US" dirty="0" smtClean="0"/>
+              <a:t>Possible </a:t>
+            </a:r>
+            <a:r>
+              <a:rPr lang="en-US" dirty="0"/>
+              <a:t>data and SQL injections</a:t>
+            </a:r>
+          </a:p>
+          <a:p>
+            <a:r>
+              <a:rPr lang="en-US" dirty="0" smtClean="0"/>
+              <a:t>Access </a:t>
+            </a:r>
+            <a:r>
+              <a:rPr lang="en-US" dirty="0"/>
+              <a:t>to system level bypass</a:t>
+            </a:r>
+          </a:p>
+          <a:p>
+            <a:r>
+              <a:rPr lang="en-US" dirty="0" smtClean="0"/>
+              <a:t>Single </a:t>
+            </a:r>
+            <a:r>
+              <a:rPr lang="en-US" dirty="0"/>
+              <a:t>place authorization bypass</a:t>
+            </a:r>
+          </a:p>
+          <a:p>
+            <a:r>
+              <a:rPr lang="en-US" dirty="0" smtClean="0"/>
+              <a:t>URL </a:t>
+            </a:r>
+            <a:r>
+              <a:rPr lang="en-US" dirty="0"/>
+              <a:t>forcing and manipulation</a:t>
+            </a:r>
+          </a:p>
+          <a:p>
+            <a:r>
+              <a:rPr lang="en-US" dirty="0" smtClean="0"/>
+              <a:t>Guessable </a:t>
+            </a:r>
+            <a:r>
+              <a:rPr lang="en-US" dirty="0"/>
+              <a:t>resources and access</a:t>
+            </a:r>
+          </a:p>
+          <a:p>
+            <a:r>
+              <a:rPr lang="en-US" dirty="0" smtClean="0"/>
+              <a:t>Role-based </a:t>
+            </a:r>
+            <a:r>
+              <a:rPr lang="en-US" dirty="0"/>
+              <a:t>bypass exploitation and weakness</a:t>
+            </a:r>
+          </a:p>
+        </p:txBody>
+      </p:sp>
+    </p:spTree>
+    <p:extLst>
+      <p:ext uri="{BB962C8B-B14F-4D97-AF65-F5344CB8AC3E}">
+        <p14:creationId xmlns:p14="http://schemas.microsoft.com/office/powerpoint/2010/main" val="189272181"/>
+      </p:ext>
+    </p:extLst>
+  </p:cSld>
+  <p:clrMapOvr>
+    <a:masterClrMapping/>
+  </p:clrMapOvr>
+</p:sld>
+</file>
+
+<file path=ppt/slides/slide25.xml><?xml version="1.0" encoding="utf-8"?>
+<p:sld xmlns:a="http://schemas.openxmlformats.org/drawingml/2006/main" xmlns:r="http://schemas.openxmlformats.org/officeDocument/2006/relationships" xmlns:p="http://schemas.openxmlformats.org/presentationml/2006/main">
+  <p:cSld>
+    <p:spTree>
+      <p:nvGrpSpPr>
+        <p:cNvPr id="1" name=""/>
+        <p:cNvGrpSpPr/>
+        <p:nvPr/>
+      </p:nvGrpSpPr>
+      <p:grpSpPr>
+        <a:xfrm>
+          <a:off x="0" y="0"/>
+          <a:ext cx="0" cy="0"/>
+          <a:chOff x="0" y="0"/>
+          <a:chExt cx="0" cy="0"/>
+        </a:xfrm>
+      </p:grpSpPr>
+      <p:sp>
+        <p:nvSpPr>
+          <p:cNvPr id="2" name="Title 1"/>
+          <p:cNvSpPr>
+            <a:spLocks noGrp="1"/>
+          </p:cNvSpPr>
+          <p:nvPr>
+            <p:ph type="title"/>
+          </p:nvPr>
+        </p:nvSpPr>
+        <p:spPr/>
+        <p:txBody>
+          <a:bodyPr/>
+          <a:lstStyle/>
+          <a:p>
+            <a:r>
+              <a:rPr lang="en-US" dirty="0"/>
+              <a:t>Error Handling</a:t>
+            </a:r>
+          </a:p>
+        </p:txBody>
+      </p:sp>
+      <p:sp>
+        <p:nvSpPr>
+          <p:cNvPr id="3" name="Content Placeholder 2"/>
+          <p:cNvSpPr>
+            <a:spLocks noGrp="1"/>
+          </p:cNvSpPr>
+          <p:nvPr>
+            <p:ph idx="1"/>
+          </p:nvPr>
+        </p:nvSpPr>
+        <p:spPr>
+          <a:xfrm>
+            <a:off x="449263" y="1598613"/>
+            <a:ext cx="8229600" cy="1938992"/>
+          </a:xfrm>
+        </p:spPr>
+        <p:txBody>
+          <a:bodyPr/>
+          <a:lstStyle/>
+          <a:p>
+            <a:r>
+              <a:rPr lang="en-US" dirty="0" smtClean="0"/>
+              <a:t>Information </a:t>
+            </a:r>
+            <a:r>
+              <a:rPr lang="en-US" dirty="0"/>
+              <a:t>leakage</a:t>
+            </a:r>
+          </a:p>
+          <a:p>
+            <a:r>
+              <a:rPr lang="en-US" dirty="0" smtClean="0"/>
+              <a:t>Logic </a:t>
+            </a:r>
+            <a:r>
+              <a:rPr lang="en-US" dirty="0"/>
+              <a:t>bypass</a:t>
+            </a:r>
+          </a:p>
+          <a:p>
+            <a:r>
+              <a:rPr lang="en-US" dirty="0" smtClean="0"/>
+              <a:t>Internal </a:t>
+            </a:r>
+            <a:r>
+              <a:rPr lang="en-US" dirty="0"/>
+              <a:t>logic and routine disclosure</a:t>
+            </a:r>
+          </a:p>
+          <a:p>
+            <a:r>
+              <a:rPr lang="en-US" dirty="0" smtClean="0"/>
+              <a:t>Stack </a:t>
+            </a:r>
+            <a:r>
+              <a:rPr lang="en-US" dirty="0"/>
+              <a:t>trace enumeration</a:t>
+            </a:r>
+          </a:p>
+        </p:txBody>
+      </p:sp>
+    </p:spTree>
+    <p:extLst>
+      <p:ext uri="{BB962C8B-B14F-4D97-AF65-F5344CB8AC3E}">
+        <p14:creationId xmlns:p14="http://schemas.microsoft.com/office/powerpoint/2010/main" val="734415351"/>
+      </p:ext>
+    </p:extLst>
+  </p:cSld>
+  <p:clrMapOvr>
+    <a:masterClrMapping/>
+  </p:clrMapOvr>
+</p:sld>
+</file>
+
+<file path=ppt/slides/slide26.xml><?xml version="1.0" encoding="utf-8"?>
+<p:sld xmlns:a="http://schemas.openxmlformats.org/drawingml/2006/main" xmlns:r="http://schemas.openxmlformats.org/officeDocument/2006/relationships" xmlns:p="http://schemas.openxmlformats.org/presentationml/2006/main">
+  <p:cSld>
+    <p:spTree>
+      <p:nvGrpSpPr>
+        <p:cNvPr id="1" name=""/>
+        <p:cNvGrpSpPr/>
+        <p:nvPr/>
+      </p:nvGrpSpPr>
+      <p:grpSpPr>
+        <a:xfrm>
+          <a:off x="0" y="0"/>
+          <a:ext cx="0" cy="0"/>
+          <a:chOff x="0" y="0"/>
+          <a:chExt cx="0" cy="0"/>
+        </a:xfrm>
+      </p:grpSpPr>
+      <p:sp>
+        <p:nvSpPr>
+          <p:cNvPr id="2" name="Title 1"/>
+          <p:cNvSpPr>
+            <a:spLocks noGrp="1"/>
+          </p:cNvSpPr>
+          <p:nvPr>
+            <p:ph type="title"/>
+          </p:nvPr>
+        </p:nvSpPr>
+        <p:spPr/>
+        <p:txBody>
+          <a:bodyPr/>
+          <a:lstStyle/>
+          <a:p>
+            <a:r>
+              <a:rPr lang="en-US" dirty="0"/>
+              <a:t>Input Validations</a:t>
+            </a:r>
+          </a:p>
+        </p:txBody>
+      </p:sp>
+      <p:sp>
+        <p:nvSpPr>
+          <p:cNvPr id="3" name="Content Placeholder 2"/>
+          <p:cNvSpPr>
+            <a:spLocks noGrp="1"/>
+          </p:cNvSpPr>
+          <p:nvPr>
+            <p:ph idx="1"/>
+          </p:nvPr>
+        </p:nvSpPr>
+        <p:spPr>
+          <a:xfrm>
+            <a:off x="449263" y="1598613"/>
+            <a:ext cx="8229600" cy="5078313"/>
+          </a:xfrm>
+        </p:spPr>
+        <p:txBody>
+          <a:bodyPr/>
+          <a:lstStyle/>
+          <a:p>
+            <a:r>
+              <a:rPr lang="en-US" dirty="0" smtClean="0"/>
+              <a:t>Various </a:t>
+            </a:r>
+            <a:r>
+              <a:rPr lang="en-US" dirty="0"/>
+              <a:t>injection vectors (SQL, LDAP, XPATH etc.)</a:t>
+            </a:r>
+          </a:p>
+          <a:p>
+            <a:r>
+              <a:rPr lang="en-US" dirty="0" smtClean="0"/>
+              <a:t>Cross </a:t>
+            </a:r>
+            <a:r>
+              <a:rPr lang="en-US" dirty="0"/>
+              <a:t>Site Scripting (XSS)</a:t>
+            </a:r>
+          </a:p>
+          <a:p>
+            <a:r>
+              <a:rPr lang="en-US" dirty="0" smtClean="0"/>
+              <a:t>Cross </a:t>
+            </a:r>
+            <a:r>
+              <a:rPr lang="en-US" dirty="0"/>
+              <a:t>Site Request Forgery (CSRF)</a:t>
+            </a:r>
+          </a:p>
+          <a:p>
+            <a:r>
+              <a:rPr lang="en-US" dirty="0" smtClean="0"/>
+              <a:t>Buffer </a:t>
+            </a:r>
+            <a:r>
+              <a:rPr lang="en-US" dirty="0"/>
+              <a:t>overflows</a:t>
+            </a:r>
+          </a:p>
+          <a:p>
+            <a:r>
+              <a:rPr lang="en-US" dirty="0" smtClean="0"/>
+              <a:t>Denial </a:t>
+            </a:r>
+            <a:r>
+              <a:rPr lang="en-US" dirty="0"/>
+              <a:t>of Services (</a:t>
+            </a:r>
+            <a:r>
+              <a:rPr lang="en-US" dirty="0" err="1"/>
+              <a:t>DoS</a:t>
+            </a:r>
+            <a:r>
+              <a:rPr lang="en-US" dirty="0"/>
+              <a:t>)</a:t>
+            </a:r>
+          </a:p>
+          <a:p>
+            <a:r>
+              <a:rPr lang="en-US" dirty="0" smtClean="0"/>
+              <a:t>Integer </a:t>
+            </a:r>
+            <a:r>
+              <a:rPr lang="en-US" dirty="0"/>
+              <a:t>and logical boundary overrun</a:t>
+            </a:r>
+          </a:p>
+          <a:p>
+            <a:r>
+              <a:rPr lang="en-US" dirty="0" smtClean="0"/>
+              <a:t>Canonicalization </a:t>
+            </a:r>
+            <a:r>
+              <a:rPr lang="en-US" dirty="0"/>
+              <a:t>issues</a:t>
+            </a:r>
+          </a:p>
+          <a:p>
+            <a:r>
+              <a:rPr lang="en-US" dirty="0" smtClean="0"/>
+              <a:t>Validation </a:t>
+            </a:r>
+            <a:r>
+              <a:rPr lang="en-US" dirty="0"/>
+              <a:t>bypass (Client side)</a:t>
+            </a:r>
+          </a:p>
+          <a:p>
+            <a:r>
+              <a:rPr lang="en-US" dirty="0" smtClean="0"/>
+              <a:t>Serialization </a:t>
+            </a:r>
+            <a:r>
+              <a:rPr lang="en-US" dirty="0"/>
+              <a:t>attacks</a:t>
+            </a:r>
+          </a:p>
+          <a:p>
+            <a:r>
+              <a:rPr lang="en-US" dirty="0" smtClean="0"/>
+              <a:t>Information </a:t>
+            </a:r>
+            <a:r>
+              <a:rPr lang="en-US" dirty="0"/>
+              <a:t>leakage</a:t>
+            </a:r>
+          </a:p>
+        </p:txBody>
+      </p:sp>
+    </p:spTree>
+    <p:extLst>
+      <p:ext uri="{BB962C8B-B14F-4D97-AF65-F5344CB8AC3E}">
+        <p14:creationId xmlns:p14="http://schemas.microsoft.com/office/powerpoint/2010/main" val="3456782346"/>
+      </p:ext>
+    </p:extLst>
+  </p:cSld>
+  <p:clrMapOvr>
+    <a:masterClrMapping/>
+  </p:clrMapOvr>
+</p:sld>
+</file>
+
+<file path=ppt/slides/slide27.xml><?xml version="1.0" encoding="utf-8"?>
+<p:sld xmlns:a="http://schemas.openxmlformats.org/drawingml/2006/main" xmlns:r="http://schemas.openxmlformats.org/officeDocument/2006/relationships" xmlns:p="http://schemas.openxmlformats.org/presentationml/2006/main">
+  <p:cSld>
+    <p:spTree>
+      <p:nvGrpSpPr>
+        <p:cNvPr id="1" name=""/>
+        <p:cNvGrpSpPr/>
+        <p:nvPr/>
+      </p:nvGrpSpPr>
+      <p:grpSpPr>
+        <a:xfrm>
+          <a:off x="0" y="0"/>
+          <a:ext cx="0" cy="0"/>
+          <a:chOff x="0" y="0"/>
+          <a:chExt cx="0" cy="0"/>
+        </a:xfrm>
+      </p:grpSpPr>
+      <p:sp>
+        <p:nvSpPr>
+          <p:cNvPr id="2" name="Title 1"/>
+          <p:cNvSpPr>
+            <a:spLocks noGrp="1"/>
+          </p:cNvSpPr>
+          <p:nvPr>
+            <p:ph type="title"/>
+          </p:nvPr>
+        </p:nvSpPr>
+        <p:spPr/>
+        <p:txBody>
+          <a:bodyPr/>
+          <a:lstStyle/>
+          <a:p>
+            <a:r>
+              <a:rPr lang="en-US" dirty="0"/>
+              <a:t>Data Validations</a:t>
+            </a:r>
+          </a:p>
+        </p:txBody>
+      </p:sp>
+      <p:sp>
+        <p:nvSpPr>
+          <p:cNvPr id="3" name="Content Placeholder 2"/>
+          <p:cNvSpPr>
+            <a:spLocks noGrp="1"/>
+          </p:cNvSpPr>
+          <p:nvPr>
+            <p:ph idx="1"/>
+          </p:nvPr>
+        </p:nvSpPr>
+        <p:spPr>
+          <a:xfrm>
+            <a:off x="449263" y="1598613"/>
+            <a:ext cx="8229600" cy="2985433"/>
+          </a:xfrm>
+        </p:spPr>
+        <p:txBody>
+          <a:bodyPr/>
+          <a:lstStyle/>
+          <a:p>
+            <a:r>
+              <a:rPr lang="en-US" dirty="0" smtClean="0"/>
+              <a:t>Proxy </a:t>
+            </a:r>
+            <a:r>
+              <a:rPr lang="en-US" dirty="0"/>
+              <a:t>injections from third party stream</a:t>
+            </a:r>
+          </a:p>
+          <a:p>
+            <a:r>
+              <a:rPr lang="en-US" dirty="0" smtClean="0"/>
+              <a:t>XSS </a:t>
+            </a:r>
+            <a:r>
+              <a:rPr lang="en-US" dirty="0"/>
+              <a:t>injection with RSS feeds</a:t>
+            </a:r>
+          </a:p>
+          <a:p>
+            <a:r>
+              <a:rPr lang="en-US" dirty="0" smtClean="0"/>
+              <a:t>Client </a:t>
+            </a:r>
+            <a:r>
+              <a:rPr lang="en-US" dirty="0"/>
+              <a:t>side logic bypass</a:t>
+            </a:r>
+          </a:p>
+          <a:p>
+            <a:r>
+              <a:rPr lang="en-US" dirty="0" smtClean="0"/>
+              <a:t>Upload/download </a:t>
+            </a:r>
+            <a:r>
+              <a:rPr lang="en-US" dirty="0"/>
+              <a:t>stream injections</a:t>
+            </a:r>
+          </a:p>
+          <a:p>
+            <a:r>
+              <a:rPr lang="en-US" dirty="0" smtClean="0"/>
+              <a:t>Remote </a:t>
+            </a:r>
+            <a:r>
+              <a:rPr lang="en-US" dirty="0"/>
+              <a:t>command/code injection </a:t>
+            </a:r>
+            <a:r>
+              <a:rPr lang="en-US" dirty="0" smtClean="0"/>
+              <a:t>and execution</a:t>
+            </a:r>
+            <a:endParaRPr lang="en-US" dirty="0"/>
+          </a:p>
+          <a:p>
+            <a:r>
+              <a:rPr lang="en-US" dirty="0" smtClean="0"/>
+              <a:t>Callback </a:t>
+            </a:r>
+            <a:r>
+              <a:rPr lang="en-US" dirty="0"/>
+              <a:t>manipulation in JavaScript</a:t>
+            </a:r>
+          </a:p>
+        </p:txBody>
+      </p:sp>
+    </p:spTree>
+    <p:extLst>
+      <p:ext uri="{BB962C8B-B14F-4D97-AF65-F5344CB8AC3E}">
+        <p14:creationId xmlns:p14="http://schemas.microsoft.com/office/powerpoint/2010/main" val="3033012094"/>
+      </p:ext>
+    </p:extLst>
+  </p:cSld>
+  <p:clrMapOvr>
+    <a:masterClrMapping/>
+  </p:clrMapOvr>
+</p:sld>
+</file>
+
+<file path=ppt/slides/slide28.xml><?xml version="1.0" encoding="utf-8"?>
+<p:sld xmlns:a="http://schemas.openxmlformats.org/drawingml/2006/main" xmlns:r="http://schemas.openxmlformats.org/officeDocument/2006/relationships" xmlns:p="http://schemas.openxmlformats.org/presentationml/2006/main">
+  <p:cSld>
+    <p:spTree>
+      <p:nvGrpSpPr>
+        <p:cNvPr id="1" name=""/>
+        <p:cNvGrpSpPr/>
+        <p:nvPr/>
+      </p:nvGrpSpPr>
+      <p:grpSpPr>
+        <a:xfrm>
+          <a:off x="0" y="0"/>
+          <a:ext cx="0" cy="0"/>
+          <a:chOff x="0" y="0"/>
+          <a:chExt cx="0" cy="0"/>
+        </a:xfrm>
+      </p:grpSpPr>
+      <p:sp>
+        <p:nvSpPr>
+          <p:cNvPr id="2" name="Title 1"/>
+          <p:cNvSpPr>
+            <a:spLocks noGrp="1"/>
+          </p:cNvSpPr>
+          <p:nvPr>
+            <p:ph type="title"/>
+          </p:nvPr>
+        </p:nvSpPr>
+        <p:spPr/>
+        <p:txBody>
+          <a:bodyPr/>
+          <a:lstStyle/>
+          <a:p>
+            <a:r>
+              <a:rPr lang="en-US" dirty="0"/>
+              <a:t>Crypto &amp; Secrets</a:t>
+            </a:r>
+          </a:p>
+        </p:txBody>
+      </p:sp>
+      <p:sp>
+        <p:nvSpPr>
+          <p:cNvPr id="3" name="Content Placeholder 2"/>
+          <p:cNvSpPr>
+            <a:spLocks noGrp="1"/>
+          </p:cNvSpPr>
+          <p:nvPr>
+            <p:ph idx="1"/>
+          </p:nvPr>
+        </p:nvSpPr>
+        <p:spPr>
+          <a:xfrm>
+            <a:off x="449263" y="1598613"/>
+            <a:ext cx="8229600" cy="4247317"/>
+          </a:xfrm>
+        </p:spPr>
+        <p:txBody>
+          <a:bodyPr/>
+          <a:lstStyle/>
+          <a:p>
+            <a:r>
+              <a:rPr lang="en-US" dirty="0" smtClean="0"/>
+              <a:t>Poor </a:t>
+            </a:r>
+            <a:r>
+              <a:rPr lang="en-US" dirty="0"/>
+              <a:t>key generation</a:t>
+            </a:r>
+          </a:p>
+          <a:p>
+            <a:r>
+              <a:rPr lang="en-US" dirty="0" smtClean="0"/>
+              <a:t>Database </a:t>
+            </a:r>
+            <a:r>
+              <a:rPr lang="en-US" dirty="0"/>
+              <a:t>fields are not well encrypted (</a:t>
+            </a:r>
+            <a:r>
+              <a:rPr lang="en-US" dirty="0" smtClean="0"/>
+              <a:t>password, social </a:t>
+            </a:r>
+            <a:r>
+              <a:rPr lang="en-US" dirty="0"/>
+              <a:t>security number etc.)</a:t>
+            </a:r>
+          </a:p>
+          <a:p>
+            <a:r>
+              <a:rPr lang="en-US" dirty="0" smtClean="0"/>
+              <a:t>Poor </a:t>
+            </a:r>
+            <a:r>
+              <a:rPr lang="en-US" dirty="0"/>
+              <a:t>encryption (customized)</a:t>
+            </a:r>
+          </a:p>
+          <a:p>
+            <a:r>
+              <a:rPr lang="en-US" dirty="0" smtClean="0"/>
+              <a:t>Checksum </a:t>
+            </a:r>
+            <a:r>
+              <a:rPr lang="en-US" dirty="0"/>
+              <a:t>spoofing</a:t>
+            </a:r>
+          </a:p>
+          <a:p>
+            <a:r>
+              <a:rPr lang="en-US" dirty="0" smtClean="0"/>
+              <a:t>Some </a:t>
+            </a:r>
+            <a:r>
+              <a:rPr lang="en-US" dirty="0"/>
+              <a:t>secrets in source code itself</a:t>
+            </a:r>
+          </a:p>
+          <a:p>
+            <a:r>
+              <a:rPr lang="en-US" dirty="0" smtClean="0"/>
+              <a:t>Configuration </a:t>
+            </a:r>
+            <a:r>
+              <a:rPr lang="en-US" dirty="0"/>
+              <a:t>file containing secrets</a:t>
+            </a:r>
+          </a:p>
+          <a:p>
+            <a:r>
+              <a:rPr lang="en-US" dirty="0" smtClean="0"/>
+              <a:t>Secret </a:t>
+            </a:r>
+            <a:r>
+              <a:rPr lang="en-US" dirty="0"/>
+              <a:t>getting revealed in error message or </a:t>
+            </a:r>
+            <a:r>
+              <a:rPr lang="en-US" dirty="0" smtClean="0"/>
+              <a:t>some other </a:t>
+            </a:r>
+            <a:r>
+              <a:rPr lang="en-US" dirty="0"/>
+              <a:t>means</a:t>
+            </a:r>
+          </a:p>
+        </p:txBody>
+      </p:sp>
+    </p:spTree>
+    <p:extLst>
+      <p:ext uri="{BB962C8B-B14F-4D97-AF65-F5344CB8AC3E}">
+        <p14:creationId xmlns:p14="http://schemas.microsoft.com/office/powerpoint/2010/main" val="2853284186"/>
+      </p:ext>
+    </p:extLst>
+  </p:cSld>
+  <p:clrMapOvr>
+    <a:masterClrMapping/>
+  </p:clrMapOvr>
+</p:sld>
+</file>
+
+<file path=ppt/slides/slide29.xml><?xml version="1.0" encoding="utf-8"?>
+<p:sld xmlns:a="http://schemas.openxmlformats.org/drawingml/2006/main" xmlns:r="http://schemas.openxmlformats.org/officeDocument/2006/relationships" xmlns:p="http://schemas.openxmlformats.org/presentationml/2006/main">
+  <p:cSld>
+    <p:spTree>
+      <p:nvGrpSpPr>
+        <p:cNvPr id="1" name=""/>
+        <p:cNvGrpSpPr/>
+        <p:nvPr/>
+      </p:nvGrpSpPr>
+      <p:grpSpPr>
+        <a:xfrm>
+          <a:off x="0" y="0"/>
+          <a:ext cx="0" cy="0"/>
+          <a:chOff x="0" y="0"/>
+          <a:chExt cx="0" cy="0"/>
+        </a:xfrm>
+      </p:grpSpPr>
+      <p:sp>
+        <p:nvSpPr>
+          <p:cNvPr id="2" name="Title 1"/>
+          <p:cNvSpPr>
+            <a:spLocks noGrp="1"/>
+          </p:cNvSpPr>
+          <p:nvPr>
+            <p:ph type="title"/>
+          </p:nvPr>
+        </p:nvSpPr>
+        <p:spPr/>
+        <p:txBody>
+          <a:bodyPr/>
+          <a:lstStyle/>
+          <a:p>
+            <a:r>
+              <a:rPr lang="en-US" dirty="0"/>
+              <a:t>Business Logic</a:t>
+            </a:r>
+          </a:p>
+        </p:txBody>
+      </p:sp>
+      <p:sp>
+        <p:nvSpPr>
+          <p:cNvPr id="3" name="Content Placeholder 2"/>
+          <p:cNvSpPr>
+            <a:spLocks noGrp="1"/>
+          </p:cNvSpPr>
+          <p:nvPr>
+            <p:ph idx="1"/>
+          </p:nvPr>
+        </p:nvSpPr>
+        <p:spPr>
+          <a:xfrm>
+            <a:off x="449263" y="1598613"/>
+            <a:ext cx="8229600" cy="3508653"/>
+          </a:xfrm>
+        </p:spPr>
+        <p:txBody>
+          <a:bodyPr/>
+          <a:lstStyle/>
+          <a:p>
+            <a:r>
+              <a:rPr lang="en-US" dirty="0" smtClean="0"/>
+              <a:t>Data </a:t>
+            </a:r>
+            <a:r>
+              <a:rPr lang="en-US" dirty="0"/>
+              <a:t>type bypass</a:t>
+            </a:r>
+          </a:p>
+          <a:p>
+            <a:r>
+              <a:rPr lang="en-US" dirty="0" smtClean="0"/>
+              <a:t>ACLs </a:t>
+            </a:r>
+            <a:r>
+              <a:rPr lang="en-US" dirty="0"/>
+              <a:t>manipulation</a:t>
+            </a:r>
+          </a:p>
+          <a:p>
+            <a:r>
+              <a:rPr lang="en-US" dirty="0" smtClean="0"/>
+              <a:t>Read/Write </a:t>
+            </a:r>
+            <a:r>
+              <a:rPr lang="en-US" dirty="0"/>
+              <a:t>access</a:t>
+            </a:r>
+          </a:p>
+          <a:p>
+            <a:r>
+              <a:rPr lang="en-US" dirty="0" smtClean="0"/>
+              <a:t>Privilege </a:t>
+            </a:r>
+            <a:r>
+              <a:rPr lang="en-US" dirty="0"/>
+              <a:t>escalation on application layer</a:t>
+            </a:r>
+          </a:p>
+          <a:p>
+            <a:r>
+              <a:rPr lang="en-US" dirty="0" smtClean="0"/>
+              <a:t>API </a:t>
+            </a:r>
+            <a:r>
+              <a:rPr lang="en-US" dirty="0"/>
+              <a:t>abuse</a:t>
+            </a:r>
+          </a:p>
+          <a:p>
+            <a:r>
+              <a:rPr lang="en-US" dirty="0" smtClean="0"/>
+              <a:t>Cross </a:t>
+            </a:r>
+            <a:r>
+              <a:rPr lang="en-US" dirty="0"/>
+              <a:t>Domain Call and API manipulation</a:t>
+            </a:r>
+          </a:p>
+          <a:p>
+            <a:r>
+              <a:rPr lang="en-US" dirty="0" smtClean="0"/>
+              <a:t>Client </a:t>
+            </a:r>
+            <a:r>
+              <a:rPr lang="en-US" dirty="0"/>
+              <a:t>Side Logic reverse engineering</a:t>
+            </a:r>
+          </a:p>
+        </p:txBody>
+      </p:sp>
+    </p:spTree>
+    <p:extLst>
+      <p:ext uri="{BB962C8B-B14F-4D97-AF65-F5344CB8AC3E}">
+        <p14:creationId xmlns:p14="http://schemas.microsoft.com/office/powerpoint/2010/main" val="1128313934"/>
+      </p:ext>
+    </p:extLst>
+  </p:cSld>
+  <p:clrMapOvr>
+    <a:masterClrMapping/>
+  </p:clrMapOvr>
+</p:sld>
+</file>
+
+<file path=ppt/slides/slide3.xml><?xml version="1.0" encoding="utf-8"?>
+<p:sld xmlns:a="http://schemas.openxmlformats.org/drawingml/2006/main" xmlns:r="http://schemas.openxmlformats.org/officeDocument/2006/relationships" xmlns:p="http://schemas.openxmlformats.org/presentationml/2006/main">
+  <p:cSld>
+    <p:spTree>
+      <p:nvGrpSpPr>
+        <p:cNvPr id="1" name=""/>
+        <p:cNvGrpSpPr/>
+        <p:nvPr/>
+      </p:nvGrpSpPr>
+      <p:grpSpPr>
+        <a:xfrm>
+          <a:off x="0" y="0"/>
+          <a:ext cx="0" cy="0"/>
+          <a:chOff x="0" y="0"/>
+          <a:chExt cx="0" cy="0"/>
+        </a:xfrm>
+      </p:grpSpPr>
+      <p:sp>
+        <p:nvSpPr>
+          <p:cNvPr id="2" name="Title 1"/>
+          <p:cNvSpPr>
+            <a:spLocks noGrp="1"/>
+          </p:cNvSpPr>
+          <p:nvPr>
+            <p:ph type="title"/>
+          </p:nvPr>
+        </p:nvSpPr>
+        <p:spPr>
+          <a:xfrm>
+            <a:off x="436563" y="3121817"/>
+            <a:ext cx="8026400" cy="738664"/>
+          </a:xfrm>
+        </p:spPr>
+        <p:txBody>
+          <a:bodyPr/>
+          <a:lstStyle/>
+          <a:p>
+            <a:r>
+              <a:rPr lang="en-US" dirty="0" smtClean="0"/>
+              <a:t>Define</a:t>
+            </a:r>
+            <a:endParaRPr lang="en-US" dirty="0"/>
+          </a:p>
+        </p:txBody>
+      </p:sp>
+    </p:spTree>
+    <p:extLst>
+      <p:ext uri="{BB962C8B-B14F-4D97-AF65-F5344CB8AC3E}">
+        <p14:creationId xmlns:p14="http://schemas.microsoft.com/office/powerpoint/2010/main" val="3102188801"/>
+      </p:ext>
+    </p:extLst>
+  </p:cSld>
+  <p:clrMapOvr>
+    <a:masterClrMapping/>
+  </p:clrMapOvr>
+</p:sld>
+</file>
+
+<file path=ppt/slides/slide30.xml><?xml version="1.0" encoding="utf-8"?>
+<p:sld xmlns:a="http://schemas.openxmlformats.org/drawingml/2006/main" xmlns:r="http://schemas.openxmlformats.org/officeDocument/2006/relationships" xmlns:p="http://schemas.openxmlformats.org/presentationml/2006/main">
+  <p:cSld>
+    <p:spTree>
+      <p:nvGrpSpPr>
+        <p:cNvPr id="1" name=""/>
+        <p:cNvGrpSpPr/>
+        <p:nvPr/>
+      </p:nvGrpSpPr>
+      <p:grpSpPr>
+        <a:xfrm>
+          <a:off x="0" y="0"/>
+          <a:ext cx="0" cy="0"/>
+          <a:chOff x="0" y="0"/>
+          <a:chExt cx="0" cy="0"/>
+        </a:xfrm>
+      </p:grpSpPr>
+      <p:sp>
+        <p:nvSpPr>
+          <p:cNvPr id="2" name="Title 1"/>
+          <p:cNvSpPr>
+            <a:spLocks noGrp="1"/>
+          </p:cNvSpPr>
+          <p:nvPr>
+            <p:ph type="title"/>
+          </p:nvPr>
+        </p:nvSpPr>
+        <p:spPr/>
+        <p:txBody>
+          <a:bodyPr/>
+          <a:lstStyle/>
+          <a:p>
+            <a:r>
+              <a:rPr lang="en-US" dirty="0"/>
+              <a:t>Session and Identity</a:t>
+            </a:r>
+          </a:p>
+        </p:txBody>
+      </p:sp>
+      <p:sp>
+        <p:nvSpPr>
+          <p:cNvPr id="3" name="Content Placeholder 2"/>
+          <p:cNvSpPr>
+            <a:spLocks noGrp="1"/>
+          </p:cNvSpPr>
+          <p:nvPr>
+            <p:ph idx="1"/>
+          </p:nvPr>
+        </p:nvSpPr>
+        <p:spPr>
+          <a:xfrm>
+            <a:off x="449263" y="1598613"/>
+            <a:ext cx="8229600" cy="4555093"/>
+          </a:xfrm>
+        </p:spPr>
+        <p:txBody>
+          <a:bodyPr/>
+          <a:lstStyle/>
+          <a:p>
+            <a:r>
+              <a:rPr lang="en-US" dirty="0" smtClean="0"/>
+              <a:t>Session </a:t>
+            </a:r>
+            <a:r>
+              <a:rPr lang="en-US" dirty="0"/>
+              <a:t>hijacking by eavesdropping</a:t>
+            </a:r>
+          </a:p>
+          <a:p>
+            <a:r>
+              <a:rPr lang="en-US" dirty="0" smtClean="0"/>
+              <a:t>Man </a:t>
+            </a:r>
+            <a:r>
+              <a:rPr lang="en-US" dirty="0"/>
+              <a:t>in the middle attack</a:t>
+            </a:r>
+          </a:p>
+          <a:p>
+            <a:r>
+              <a:rPr lang="en-US" dirty="0" smtClean="0"/>
+              <a:t>Poor </a:t>
+            </a:r>
+            <a:r>
+              <a:rPr lang="en-US" dirty="0"/>
+              <a:t>session identifier generation</a:t>
+            </a:r>
+          </a:p>
+          <a:p>
+            <a:r>
+              <a:rPr lang="en-US" dirty="0" smtClean="0"/>
+              <a:t>Browser </a:t>
+            </a:r>
+            <a:r>
+              <a:rPr lang="en-US" dirty="0"/>
+              <a:t>hacks like XSS to gain cookies</a:t>
+            </a:r>
+          </a:p>
+          <a:p>
+            <a:r>
+              <a:rPr lang="en-US" dirty="0" smtClean="0"/>
+              <a:t>Predictable </a:t>
+            </a:r>
+            <a:r>
+              <a:rPr lang="en-US" dirty="0"/>
+              <a:t>session identifier</a:t>
+            </a:r>
+          </a:p>
+          <a:p>
+            <a:r>
+              <a:rPr lang="en-US" dirty="0" smtClean="0"/>
+              <a:t>Session </a:t>
+            </a:r>
+            <a:r>
+              <a:rPr lang="en-US" dirty="0"/>
+              <a:t>bypass and access</a:t>
+            </a:r>
+          </a:p>
+          <a:p>
+            <a:r>
+              <a:rPr lang="en-US" dirty="0" smtClean="0"/>
+              <a:t>Cookie </a:t>
+            </a:r>
+            <a:r>
+              <a:rPr lang="en-US" dirty="0"/>
+              <a:t>scope and time abuse</a:t>
+            </a:r>
+          </a:p>
+          <a:p>
+            <a:r>
+              <a:rPr lang="en-US" dirty="0" smtClean="0"/>
+              <a:t>Abusing </a:t>
+            </a:r>
+            <a:r>
+              <a:rPr lang="en-US" dirty="0"/>
+              <a:t>URL rewriting</a:t>
+            </a:r>
+          </a:p>
+          <a:p>
+            <a:r>
+              <a:rPr lang="en-US" dirty="0" smtClean="0"/>
+              <a:t>Local </a:t>
+            </a:r>
+            <a:r>
+              <a:rPr lang="en-US" dirty="0"/>
+              <a:t>session storing </a:t>
+            </a:r>
+            <a:r>
+              <a:rPr lang="en-US" dirty="0" smtClean="0"/>
+              <a:t>access</a:t>
+            </a:r>
+            <a:endParaRPr lang="en-US" dirty="0"/>
+          </a:p>
+        </p:txBody>
+      </p:sp>
+    </p:spTree>
+    <p:extLst>
+      <p:ext uri="{BB962C8B-B14F-4D97-AF65-F5344CB8AC3E}">
+        <p14:creationId xmlns:p14="http://schemas.microsoft.com/office/powerpoint/2010/main" val="1977387390"/>
+      </p:ext>
+    </p:extLst>
+  </p:cSld>
+  <p:clrMapOvr>
+    <a:masterClrMapping/>
+  </p:clrMapOvr>
+</p:sld>
+</file>
+
+<file path=ppt/slides/slide31.xml><?xml version="1.0" encoding="utf-8"?>
+<p:sld xmlns:a="http://schemas.openxmlformats.org/drawingml/2006/main" xmlns:r="http://schemas.openxmlformats.org/officeDocument/2006/relationships" xmlns:p="http://schemas.openxmlformats.org/presentationml/2006/main">
+  <p:cSld>
+    <p:spTree>
+      <p:nvGrpSpPr>
+        <p:cNvPr id="1" name=""/>
+        <p:cNvGrpSpPr/>
+        <p:nvPr/>
+      </p:nvGrpSpPr>
+      <p:grpSpPr>
+        <a:xfrm>
+          <a:off x="0" y="0"/>
+          <a:ext cx="0" cy="0"/>
+          <a:chOff x="0" y="0"/>
+          <a:chExt cx="0" cy="0"/>
+        </a:xfrm>
+      </p:grpSpPr>
+      <p:sp>
+        <p:nvSpPr>
+          <p:cNvPr id="2" name="Title 1"/>
+          <p:cNvSpPr>
+            <a:spLocks noGrp="1"/>
+          </p:cNvSpPr>
+          <p:nvPr>
+            <p:ph type="title"/>
+          </p:nvPr>
+        </p:nvSpPr>
+        <p:spPr>
+          <a:xfrm>
+            <a:off x="457200" y="893763"/>
+            <a:ext cx="8229600" cy="1107996"/>
+          </a:xfrm>
+        </p:spPr>
+        <p:txBody>
+          <a:bodyPr/>
+          <a:lstStyle/>
+          <a:p>
+            <a:r>
+              <a:rPr lang="en-US" dirty="0"/>
+              <a:t>Client Side Controls</a:t>
+            </a:r>
+            <a:br>
+              <a:rPr lang="en-US" dirty="0"/>
+            </a:br>
+            <a:endParaRPr lang="en-US" dirty="0"/>
+          </a:p>
+        </p:txBody>
+      </p:sp>
+      <p:sp>
+        <p:nvSpPr>
+          <p:cNvPr id="3" name="Content Placeholder 2"/>
+          <p:cNvSpPr>
+            <a:spLocks noGrp="1"/>
+          </p:cNvSpPr>
+          <p:nvPr>
+            <p:ph idx="1"/>
+          </p:nvPr>
+        </p:nvSpPr>
+        <p:spPr>
+          <a:xfrm>
+            <a:off x="449263" y="1598613"/>
+            <a:ext cx="8229600" cy="5262979"/>
+          </a:xfrm>
+        </p:spPr>
+        <p:txBody>
+          <a:bodyPr/>
+          <a:lstStyle/>
+          <a:p>
+            <a:r>
+              <a:rPr lang="en-US" sz="2200" dirty="0" smtClean="0"/>
+              <a:t>Client </a:t>
+            </a:r>
+            <a:r>
+              <a:rPr lang="en-US" sz="2200" dirty="0"/>
+              <a:t>side validation bypass</a:t>
+            </a:r>
+          </a:p>
+          <a:p>
+            <a:r>
+              <a:rPr lang="en-US" sz="2200" dirty="0" smtClean="0"/>
+              <a:t>Reverse </a:t>
+            </a:r>
+            <a:r>
+              <a:rPr lang="en-US" sz="2200" dirty="0"/>
+              <a:t>engineering of client side components</a:t>
+            </a:r>
+          </a:p>
+          <a:p>
+            <a:r>
+              <a:rPr lang="en-US" sz="2200" dirty="0" err="1" smtClean="0"/>
+              <a:t>Decompilation</a:t>
+            </a:r>
+            <a:r>
+              <a:rPr lang="en-US" sz="2200" dirty="0" smtClean="0"/>
+              <a:t> </a:t>
+            </a:r>
+            <a:r>
+              <a:rPr lang="en-US" sz="2200" dirty="0"/>
+              <a:t>and knowledge gathering</a:t>
+            </a:r>
+          </a:p>
+          <a:p>
+            <a:r>
+              <a:rPr lang="en-US" sz="2200" dirty="0" smtClean="0"/>
+              <a:t>Cross </a:t>
+            </a:r>
+            <a:r>
+              <a:rPr lang="en-US" sz="2200" dirty="0"/>
+              <a:t>Site Injections</a:t>
+            </a:r>
+          </a:p>
+          <a:p>
+            <a:r>
+              <a:rPr lang="en-US" sz="2200" dirty="0" smtClean="0"/>
+              <a:t>Abusing </a:t>
+            </a:r>
+            <a:r>
+              <a:rPr lang="en-US" sz="2200" dirty="0"/>
+              <a:t>streams like JSON or RSS</a:t>
+            </a:r>
+          </a:p>
+          <a:p>
+            <a:r>
+              <a:rPr lang="en-US" sz="2200" dirty="0" smtClean="0"/>
+              <a:t>Local </a:t>
+            </a:r>
+            <a:r>
+              <a:rPr lang="en-US" sz="2200" dirty="0"/>
+              <a:t>memory access and manipulation</a:t>
+            </a:r>
+          </a:p>
+          <a:p>
+            <a:r>
+              <a:rPr lang="en-US" sz="2200" dirty="0" smtClean="0"/>
+              <a:t>Desktop </a:t>
+            </a:r>
+            <a:r>
+              <a:rPr lang="en-US" sz="2200" dirty="0"/>
+              <a:t>based offline module exploitation</a:t>
+            </a:r>
+          </a:p>
+          <a:p>
+            <a:r>
+              <a:rPr lang="en-US" sz="2200" dirty="0" smtClean="0"/>
+              <a:t>Browser </a:t>
+            </a:r>
+            <a:r>
+              <a:rPr lang="en-US" sz="2200" dirty="0"/>
+              <a:t>exploits and hacking</a:t>
+            </a:r>
+          </a:p>
+          <a:p>
+            <a:r>
+              <a:rPr lang="en-US" sz="2200" dirty="0" smtClean="0"/>
+              <a:t>Information </a:t>
+            </a:r>
+            <a:r>
+              <a:rPr lang="en-US" sz="2200" dirty="0"/>
+              <a:t>and identity theft</a:t>
+            </a:r>
+          </a:p>
+          <a:p>
+            <a:r>
+              <a:rPr lang="en-US" sz="2200" dirty="0" smtClean="0"/>
+              <a:t>Cross </a:t>
+            </a:r>
+            <a:r>
+              <a:rPr lang="en-US" sz="2200" dirty="0"/>
+              <a:t>Site Request Forgery</a:t>
+            </a:r>
+          </a:p>
+          <a:p>
+            <a:r>
+              <a:rPr lang="en-US" sz="2200" dirty="0" smtClean="0"/>
+              <a:t>Exploiting </a:t>
+            </a:r>
+            <a:r>
+              <a:rPr lang="en-US" sz="2200" dirty="0"/>
+              <a:t>callbacks and </a:t>
+            </a:r>
+            <a:r>
+              <a:rPr lang="en-US" sz="2200" dirty="0" smtClean="0"/>
+              <a:t>JavaScript</a:t>
+            </a:r>
+            <a:endParaRPr lang="en-US" sz="2200" dirty="0"/>
+          </a:p>
+        </p:txBody>
+      </p:sp>
+    </p:spTree>
+    <p:extLst>
+      <p:ext uri="{BB962C8B-B14F-4D97-AF65-F5344CB8AC3E}">
+        <p14:creationId xmlns:p14="http://schemas.microsoft.com/office/powerpoint/2010/main" val="2979107704"/>
+      </p:ext>
+    </p:extLst>
+  </p:cSld>
+  <p:clrMapOvr>
+    <a:masterClrMapping/>
+  </p:clrMapOvr>
+</p:sld>
+</file>
+
+<file path=ppt/slides/slide32.xml><?xml version="1.0" encoding="utf-8"?>
+<p:sld xmlns:a="http://schemas.openxmlformats.org/drawingml/2006/main" xmlns:r="http://schemas.openxmlformats.org/officeDocument/2006/relationships" xmlns:p="http://schemas.openxmlformats.org/presentationml/2006/main">
+  <p:cSld>
+    <p:spTree>
+      <p:nvGrpSpPr>
+        <p:cNvPr id="1" name=""/>
+        <p:cNvGrpSpPr/>
+        <p:nvPr/>
+      </p:nvGrpSpPr>
+      <p:grpSpPr>
+        <a:xfrm>
+          <a:off x="0" y="0"/>
+          <a:ext cx="0" cy="0"/>
+          <a:chOff x="0" y="0"/>
+          <a:chExt cx="0" cy="0"/>
+        </a:xfrm>
+      </p:grpSpPr>
+      <p:sp>
+        <p:nvSpPr>
+          <p:cNvPr id="2" name="Title 1"/>
+          <p:cNvSpPr>
+            <a:spLocks noGrp="1"/>
+          </p:cNvSpPr>
+          <p:nvPr>
+            <p:ph type="title"/>
+          </p:nvPr>
+        </p:nvSpPr>
+        <p:spPr/>
+        <p:txBody>
+          <a:bodyPr/>
+          <a:lstStyle/>
+          <a:p>
+            <a:r>
+              <a:rPr lang="en-US" dirty="0"/>
+              <a:t>Auditing and Logging</a:t>
+            </a:r>
+          </a:p>
+        </p:txBody>
+      </p:sp>
+      <p:sp>
+        <p:nvSpPr>
+          <p:cNvPr id="3" name="Content Placeholder 2"/>
+          <p:cNvSpPr>
+            <a:spLocks noGrp="1"/>
+          </p:cNvSpPr>
+          <p:nvPr>
+            <p:ph idx="1"/>
+          </p:nvPr>
+        </p:nvSpPr>
+        <p:spPr>
+          <a:xfrm>
+            <a:off x="449263" y="1598613"/>
+            <a:ext cx="8229600" cy="2462213"/>
+          </a:xfrm>
+        </p:spPr>
+        <p:txBody>
+          <a:bodyPr/>
+          <a:lstStyle/>
+          <a:p>
+            <a:r>
+              <a:rPr lang="en-US" dirty="0" smtClean="0"/>
+              <a:t>Hacker’s </a:t>
+            </a:r>
+            <a:r>
+              <a:rPr lang="en-US" dirty="0"/>
+              <a:t>attacks go without notice</a:t>
+            </a:r>
+          </a:p>
+          <a:p>
+            <a:r>
+              <a:rPr lang="en-US" dirty="0" smtClean="0"/>
+              <a:t>Successful </a:t>
+            </a:r>
+            <a:r>
+              <a:rPr lang="en-US" dirty="0"/>
+              <a:t>hacks in the application</a:t>
+            </a:r>
+          </a:p>
+          <a:p>
+            <a:r>
+              <a:rPr lang="en-US" dirty="0" smtClean="0"/>
+              <a:t>No </a:t>
+            </a:r>
+            <a:r>
+              <a:rPr lang="en-US" dirty="0"/>
+              <a:t>tracing of events</a:t>
+            </a:r>
+          </a:p>
+          <a:p>
+            <a:r>
+              <a:rPr lang="en-US" dirty="0" smtClean="0"/>
+              <a:t>Application </a:t>
+            </a:r>
+            <a:r>
+              <a:rPr lang="en-US" dirty="0"/>
+              <a:t>layer </a:t>
+            </a:r>
+            <a:r>
+              <a:rPr lang="en-US" dirty="0" err="1"/>
+              <a:t>bruteforcing</a:t>
+            </a:r>
+            <a:endParaRPr lang="en-US" dirty="0"/>
+          </a:p>
+          <a:p>
+            <a:r>
+              <a:rPr lang="en-US" dirty="0" smtClean="0"/>
+              <a:t>Error </a:t>
+            </a:r>
+            <a:r>
+              <a:rPr lang="en-US" dirty="0"/>
+              <a:t>message abuse</a:t>
+            </a:r>
+          </a:p>
+        </p:txBody>
+      </p:sp>
+    </p:spTree>
+    <p:extLst>
+      <p:ext uri="{BB962C8B-B14F-4D97-AF65-F5344CB8AC3E}">
+        <p14:creationId xmlns:p14="http://schemas.microsoft.com/office/powerpoint/2010/main" val="3763792432"/>
+      </p:ext>
+    </p:extLst>
+  </p:cSld>
+  <p:clrMapOvr>
+    <a:masterClrMapping/>
+  </p:clrMapOvr>
+</p:sld>
+</file>
+
+<file path=ppt/slides/slide33.xml><?xml version="1.0" encoding="utf-8"?>
+<p:sld xmlns:a="http://schemas.openxmlformats.org/drawingml/2006/main" xmlns:r="http://schemas.openxmlformats.org/officeDocument/2006/relationships" xmlns:p="http://schemas.openxmlformats.org/presentationml/2006/main">
+  <p:cSld>
+    <p:spTree>
+      <p:nvGrpSpPr>
+        <p:cNvPr id="1" name=""/>
+        <p:cNvGrpSpPr/>
+        <p:nvPr/>
+      </p:nvGrpSpPr>
+      <p:grpSpPr>
+        <a:xfrm>
+          <a:off x="0" y="0"/>
+          <a:ext cx="0" cy="0"/>
+          <a:chOff x="0" y="0"/>
+          <a:chExt cx="0" cy="0"/>
+        </a:xfrm>
+      </p:grpSpPr>
+      <p:sp>
+        <p:nvSpPr>
+          <p:cNvPr id="4" name="Title 3"/>
+          <p:cNvSpPr>
+            <a:spLocks noGrp="1"/>
+          </p:cNvSpPr>
+          <p:nvPr>
+            <p:ph type="title"/>
+          </p:nvPr>
+        </p:nvSpPr>
+        <p:spPr>
+          <a:xfrm>
+            <a:off x="436563" y="2752486"/>
+            <a:ext cx="8026400" cy="1477328"/>
+          </a:xfrm>
+        </p:spPr>
+        <p:txBody>
+          <a:bodyPr/>
+          <a:lstStyle/>
+          <a:p>
+            <a:r>
+              <a:rPr lang="en-US" dirty="0"/>
+              <a:t>Signatures of Common Vulnerabilities</a:t>
+            </a:r>
+          </a:p>
+        </p:txBody>
+      </p:sp>
+    </p:spTree>
+    <p:extLst>
+      <p:ext uri="{BB962C8B-B14F-4D97-AF65-F5344CB8AC3E}">
+        <p14:creationId xmlns:p14="http://schemas.microsoft.com/office/powerpoint/2010/main" val="795820080"/>
+      </p:ext>
+    </p:extLst>
+  </p:cSld>
+  <p:clrMapOvr>
+    <a:masterClrMapping/>
+  </p:clrMapOvr>
+</p:sld>
+</file>
+
+<file path=ppt/slides/slide34.xml><?xml version="1.0" encoding="utf-8"?>
+<p:sld xmlns:a="http://schemas.openxmlformats.org/drawingml/2006/main" xmlns:r="http://schemas.openxmlformats.org/officeDocument/2006/relationships" xmlns:p="http://schemas.openxmlformats.org/presentationml/2006/main">
+  <p:cSld>
+    <p:spTree>
+      <p:nvGrpSpPr>
+        <p:cNvPr id="1" name=""/>
+        <p:cNvGrpSpPr/>
+        <p:nvPr/>
+      </p:nvGrpSpPr>
+      <p:grpSpPr>
+        <a:xfrm>
+          <a:off x="0" y="0"/>
+          <a:ext cx="0" cy="0"/>
+          <a:chOff x="0" y="0"/>
+          <a:chExt cx="0" cy="0"/>
+        </a:xfrm>
+      </p:grpSpPr>
+      <p:sp>
+        <p:nvSpPr>
+          <p:cNvPr id="2" name="Title 1"/>
+          <p:cNvSpPr>
+            <a:spLocks noGrp="1"/>
+          </p:cNvSpPr>
+          <p:nvPr>
+            <p:ph type="title"/>
+          </p:nvPr>
+        </p:nvSpPr>
+        <p:spPr/>
+        <p:txBody>
+          <a:bodyPr/>
+          <a:lstStyle/>
+          <a:p>
+            <a:r>
+              <a:rPr lang="en-US" dirty="0"/>
+              <a:t>Cross-Site Scripting</a:t>
+            </a:r>
+          </a:p>
+        </p:txBody>
+      </p:sp>
+      <p:sp>
+        <p:nvSpPr>
+          <p:cNvPr id="3" name="Content Placeholder 2"/>
+          <p:cNvSpPr>
+            <a:spLocks noGrp="1"/>
+          </p:cNvSpPr>
+          <p:nvPr>
+            <p:ph idx="1"/>
+          </p:nvPr>
+        </p:nvSpPr>
+        <p:spPr>
+          <a:xfrm>
+            <a:off x="449263" y="1598613"/>
+            <a:ext cx="8229600" cy="738664"/>
+          </a:xfrm>
+        </p:spPr>
+        <p:txBody>
+          <a:bodyPr/>
+          <a:lstStyle/>
+          <a:p>
+            <a:r>
+              <a:rPr lang="en-US" dirty="0"/>
+              <a:t>P</a:t>
+            </a:r>
+            <a:r>
+              <a:rPr lang="en-US" dirty="0" smtClean="0"/>
+              <a:t>arts </a:t>
+            </a:r>
+            <a:r>
+              <a:rPr lang="en-US" dirty="0"/>
+              <a:t>of the HTML returned to the </a:t>
+            </a:r>
+            <a:r>
+              <a:rPr lang="en-US" dirty="0" smtClean="0"/>
+              <a:t>user are </a:t>
+            </a:r>
+            <a:r>
+              <a:rPr lang="en-US" dirty="0"/>
+              <a:t>explicitly constructed from user-controllable data</a:t>
+            </a:r>
+          </a:p>
+        </p:txBody>
+      </p:sp>
+      <p:pic>
+        <p:nvPicPr>
+          <p:cNvPr id="6146" name="Picture 2"/>
+          <p:cNvPicPr>
+            <a:picLocks noChangeAspect="1" noChangeArrowheads="1"/>
+          </p:cNvPicPr>
+          <p:nvPr/>
+        </p:nvPicPr>
+        <p:blipFill>
+          <a:blip r:embed="rId2">
+            <a:extLst>
+              <a:ext uri="{28A0092B-C50C-407E-A947-70E740481C1C}">
+                <a14:useLocalDpi xmlns:a14="http://schemas.microsoft.com/office/drawing/2010/main" val="0"/>
+              </a:ext>
+            </a:extLst>
+          </a:blip>
+          <a:srcRect/>
+          <a:stretch>
+            <a:fillRect/>
+          </a:stretch>
+        </p:blipFill>
+        <p:spPr bwMode="auto">
+          <a:xfrm>
+            <a:off x="748145" y="2971800"/>
+            <a:ext cx="7938655" cy="1219200"/>
+          </a:xfrm>
+          <a:prstGeom prst="rect">
+            <a:avLst/>
+          </a:prstGeom>
+          <a:noFill/>
+          <a:ln>
+            <a:noFill/>
+          </a:ln>
+          <a:extLst>
+            <a:ext uri="{909E8E84-426E-40DD-AFC4-6F175D3DCCD1}">
+              <a14:hiddenFill xmlns:a14="http://schemas.microsoft.com/office/drawing/2010/main">
+                <a:solidFill>
+                  <a:schemeClr val="accent1"/>
+                </a:solidFill>
+              </a14:hiddenFill>
+            </a:ext>
+            <a:ext uri="{91240B29-F687-4F45-9708-019B960494DF}">
+              <a14:hiddenLine xmlns:a14="http://schemas.microsoft.com/office/drawing/2010/main" w="9525">
+                <a:solidFill>
+                  <a:schemeClr val="tx1"/>
+                </a:solidFill>
+                <a:miter lim="800000"/>
+                <a:headEnd/>
+                <a:tailEnd/>
+              </a14:hiddenLine>
+            </a:ext>
+          </a:extLst>
+        </p:spPr>
+      </p:pic>
+    </p:spTree>
+    <p:extLst>
+      <p:ext uri="{BB962C8B-B14F-4D97-AF65-F5344CB8AC3E}">
+        <p14:creationId xmlns:p14="http://schemas.microsoft.com/office/powerpoint/2010/main" val="2755577777"/>
+      </p:ext>
+    </p:extLst>
+  </p:cSld>
+  <p:clrMapOvr>
+    <a:masterClrMapping/>
+  </p:clrMapOvr>
+</p:sld>
+</file>
+
+<file path=ppt/slides/slide35.xml><?xml version="1.0" encoding="utf-8"?>
+<p:sld xmlns:a="http://schemas.openxmlformats.org/drawingml/2006/main" xmlns:r="http://schemas.openxmlformats.org/officeDocument/2006/relationships" xmlns:p="http://schemas.openxmlformats.org/presentationml/2006/main">
+  <p:cSld>
+    <p:spTree>
+      <p:nvGrpSpPr>
+        <p:cNvPr id="1" name=""/>
+        <p:cNvGrpSpPr/>
+        <p:nvPr/>
+      </p:nvGrpSpPr>
+      <p:grpSpPr>
+        <a:xfrm>
+          <a:off x="0" y="0"/>
+          <a:ext cx="0" cy="0"/>
+          <a:chOff x="0" y="0"/>
+          <a:chExt cx="0" cy="0"/>
+        </a:xfrm>
+      </p:grpSpPr>
+      <p:sp>
+        <p:nvSpPr>
+          <p:cNvPr id="2" name="Title 1"/>
+          <p:cNvSpPr>
+            <a:spLocks noGrp="1"/>
+          </p:cNvSpPr>
+          <p:nvPr>
+            <p:ph type="title"/>
+          </p:nvPr>
+        </p:nvSpPr>
+        <p:spPr/>
+        <p:txBody>
+          <a:bodyPr/>
+          <a:lstStyle/>
+          <a:p>
+            <a:r>
+              <a:rPr lang="en-US" dirty="0"/>
+              <a:t>SQL Injection</a:t>
+            </a:r>
+          </a:p>
+        </p:txBody>
+      </p:sp>
+      <p:sp>
+        <p:nvSpPr>
+          <p:cNvPr id="3" name="Content Placeholder 2"/>
+          <p:cNvSpPr>
+            <a:spLocks noGrp="1"/>
+          </p:cNvSpPr>
+          <p:nvPr>
+            <p:ph idx="1"/>
+          </p:nvPr>
+        </p:nvSpPr>
+        <p:spPr>
+          <a:xfrm>
+            <a:off x="449263" y="1598613"/>
+            <a:ext cx="8229600" cy="738664"/>
+          </a:xfrm>
+        </p:spPr>
+        <p:txBody>
+          <a:bodyPr/>
+          <a:lstStyle/>
+          <a:p>
+            <a:r>
+              <a:rPr lang="en-US" dirty="0" smtClean="0"/>
+              <a:t>Various hard-coded strings </a:t>
+            </a:r>
+            <a:r>
+              <a:rPr lang="en-US" dirty="0"/>
+              <a:t>are concatenated with user-controllable data to form a SQL query</a:t>
+            </a:r>
+          </a:p>
+        </p:txBody>
+      </p:sp>
+      <p:sp>
+        <p:nvSpPr>
+          <p:cNvPr id="4" name="Rectangle 3"/>
+          <p:cNvSpPr/>
+          <p:nvPr/>
+        </p:nvSpPr>
+        <p:spPr>
+          <a:xfrm>
+            <a:off x="914400" y="2590800"/>
+            <a:ext cx="7162800" cy="3048000"/>
+          </a:xfrm>
+          <a:prstGeom prst="rect">
+            <a:avLst/>
+          </a:prstGeom>
+        </p:spPr>
+        <p:style>
+          <a:lnRef idx="2">
+            <a:schemeClr val="accent1">
+              <a:shade val="50000"/>
+            </a:schemeClr>
+          </a:lnRef>
+          <a:fillRef idx="1">
+            <a:schemeClr val="accent1"/>
+          </a:fillRef>
+          <a:effectRef idx="0">
+            <a:schemeClr val="accent1"/>
+          </a:effectRef>
+          <a:fontRef idx="minor">
+            <a:schemeClr val="lt1"/>
+          </a:fontRef>
+        </p:style>
+        <p:txBody>
+          <a:bodyPr rtlCol="0" anchor="ctr"/>
+          <a:lstStyle/>
+          <a:p>
+            <a:r>
+              <a:rPr lang="en-US" dirty="0" err="1"/>
+              <a:t>StringBuilder</a:t>
+            </a:r>
+            <a:r>
+              <a:rPr lang="en-US" dirty="0"/>
+              <a:t> </a:t>
+            </a:r>
+            <a:r>
+              <a:rPr lang="en-US" dirty="0" err="1"/>
+              <a:t>SqlQuery</a:t>
+            </a:r>
+            <a:r>
+              <a:rPr lang="en-US" dirty="0"/>
+              <a:t> = </a:t>
+            </a:r>
+            <a:r>
+              <a:rPr lang="en-US" dirty="0" err="1"/>
+              <a:t>newStringBuilder</a:t>
+            </a:r>
+            <a:r>
+              <a:rPr lang="en-US" dirty="0"/>
+              <a:t>(“SELECT name, </a:t>
+            </a:r>
+            <a:r>
+              <a:rPr lang="en-US" dirty="0" err="1"/>
+              <a:t>accno</a:t>
+            </a:r>
+            <a:r>
+              <a:rPr lang="en-US" dirty="0"/>
+              <a:t> FROM</a:t>
+            </a:r>
+          </a:p>
+          <a:p>
+            <a:r>
+              <a:rPr lang="en-US" dirty="0" err="1"/>
+              <a:t>TblCustomers</a:t>
+            </a:r>
+            <a:r>
+              <a:rPr lang="en-US" dirty="0"/>
+              <a:t> WHERE “ + </a:t>
+            </a:r>
+            <a:r>
+              <a:rPr lang="en-US" dirty="0" err="1"/>
+              <a:t>SqlWhere</a:t>
+            </a:r>
+            <a:r>
+              <a:rPr lang="en-US" dirty="0"/>
+              <a:t>);</a:t>
+            </a:r>
+          </a:p>
+          <a:p>
+            <a:r>
+              <a:rPr lang="en-US" dirty="0"/>
+              <a:t>if(</a:t>
+            </a:r>
+            <a:r>
+              <a:rPr lang="en-US" dirty="0" err="1"/>
+              <a:t>Request.QueryString</a:t>
+            </a:r>
+            <a:r>
+              <a:rPr lang="en-US" dirty="0"/>
+              <a:t>[“CID”] != null &amp;&amp;</a:t>
+            </a:r>
+          </a:p>
+          <a:p>
+            <a:r>
+              <a:rPr lang="en-US" dirty="0" err="1"/>
+              <a:t>Request.QueryString</a:t>
+            </a:r>
+            <a:r>
+              <a:rPr lang="en-US" dirty="0"/>
+              <a:t>[“</a:t>
+            </a:r>
+            <a:r>
+              <a:rPr lang="en-US" dirty="0" err="1"/>
+              <a:t>PageId</a:t>
+            </a:r>
+            <a:r>
+              <a:rPr lang="en-US" dirty="0"/>
+              <a:t>”] == “2”)</a:t>
+            </a:r>
+          </a:p>
+          <a:p>
+            <a:r>
+              <a:rPr lang="en-US" dirty="0"/>
+              <a:t>{</a:t>
+            </a:r>
+          </a:p>
+          <a:p>
+            <a:r>
+              <a:rPr lang="en-US" dirty="0" err="1"/>
+              <a:t>SqlQuery.Append</a:t>
+            </a:r>
+            <a:r>
+              <a:rPr lang="en-US" dirty="0"/>
+              <a:t>(“ AND </a:t>
+            </a:r>
+            <a:r>
+              <a:rPr lang="en-US" dirty="0" err="1"/>
+              <a:t>CustomerID</a:t>
+            </a:r>
+            <a:r>
+              <a:rPr lang="en-US" dirty="0"/>
+              <a:t> = </a:t>
+            </a:r>
+            <a:r>
+              <a:rPr lang="en-US" dirty="0" smtClean="0"/>
+              <a:t>“);</a:t>
+            </a:r>
+          </a:p>
+          <a:p>
+            <a:r>
+              <a:rPr lang="en-US" dirty="0" err="1"/>
+              <a:t>SqlQuery.Append</a:t>
+            </a:r>
+            <a:r>
+              <a:rPr lang="en-US" dirty="0"/>
+              <a:t>(</a:t>
+            </a:r>
+            <a:r>
+              <a:rPr lang="en-US" dirty="0" err="1"/>
+              <a:t>Request.QueryString</a:t>
+            </a:r>
+            <a:r>
+              <a:rPr lang="en-US" dirty="0"/>
+              <a:t>[“CID”].</a:t>
+            </a:r>
+            <a:r>
+              <a:rPr lang="en-US" dirty="0" err="1"/>
+              <a:t>ToString</a:t>
+            </a:r>
+            <a:r>
+              <a:rPr lang="en-US" dirty="0"/>
+              <a:t>());</a:t>
+            </a:r>
+          </a:p>
+          <a:p>
+            <a:r>
+              <a:rPr lang="en-US" dirty="0"/>
+              <a:t>}</a:t>
+            </a:r>
+          </a:p>
+          <a:p>
+            <a:r>
+              <a:rPr lang="en-US" dirty="0"/>
+              <a:t>...</a:t>
+            </a:r>
+          </a:p>
+        </p:txBody>
+      </p:sp>
+    </p:spTree>
+    <p:extLst>
+      <p:ext uri="{BB962C8B-B14F-4D97-AF65-F5344CB8AC3E}">
+        <p14:creationId xmlns:p14="http://schemas.microsoft.com/office/powerpoint/2010/main" val="1421607762"/>
+      </p:ext>
+    </p:extLst>
+  </p:cSld>
+  <p:clrMapOvr>
+    <a:masterClrMapping/>
+  </p:clrMapOvr>
+</p:sld>
+</file>
+
+<file path=ppt/slides/slide36.xml><?xml version="1.0" encoding="utf-8"?>
+<p:sld xmlns:a="http://schemas.openxmlformats.org/drawingml/2006/main" xmlns:r="http://schemas.openxmlformats.org/officeDocument/2006/relationships" xmlns:p="http://schemas.openxmlformats.org/presentationml/2006/main">
+  <p:cSld>
+    <p:spTree>
+      <p:nvGrpSpPr>
+        <p:cNvPr id="1" name=""/>
+        <p:cNvGrpSpPr/>
+        <p:nvPr/>
+      </p:nvGrpSpPr>
+      <p:grpSpPr>
+        <a:xfrm>
+          <a:off x="0" y="0"/>
+          <a:ext cx="0" cy="0"/>
+          <a:chOff x="0" y="0"/>
+          <a:chExt cx="0" cy="0"/>
+        </a:xfrm>
+      </p:grpSpPr>
+      <p:sp>
+        <p:nvSpPr>
+          <p:cNvPr id="2" name="Title 1"/>
+          <p:cNvSpPr>
+            <a:spLocks noGrp="1"/>
+          </p:cNvSpPr>
+          <p:nvPr>
+            <p:ph type="title"/>
+          </p:nvPr>
+        </p:nvSpPr>
+        <p:spPr/>
+        <p:txBody>
+          <a:bodyPr/>
+          <a:lstStyle/>
+          <a:p>
+            <a:r>
+              <a:rPr lang="en-US" dirty="0"/>
+              <a:t>Path Traversal</a:t>
+            </a:r>
+          </a:p>
+        </p:txBody>
+      </p:sp>
+      <p:sp>
+        <p:nvSpPr>
+          <p:cNvPr id="3" name="Content Placeholder 2"/>
+          <p:cNvSpPr>
+            <a:spLocks noGrp="1"/>
+          </p:cNvSpPr>
+          <p:nvPr>
+            <p:ph idx="1"/>
+          </p:nvPr>
+        </p:nvSpPr>
+        <p:spPr>
+          <a:xfrm>
+            <a:off x="449263" y="1598613"/>
+            <a:ext cx="8229600" cy="738664"/>
+          </a:xfrm>
+        </p:spPr>
+        <p:txBody>
+          <a:bodyPr/>
+          <a:lstStyle/>
+          <a:p>
+            <a:r>
+              <a:rPr lang="en-US" dirty="0" smtClean="0"/>
+              <a:t>User-controllable  input </a:t>
+            </a:r>
+            <a:r>
+              <a:rPr lang="en-US" dirty="0"/>
+              <a:t>being passed to a </a:t>
+            </a:r>
+            <a:r>
+              <a:rPr lang="en-US" dirty="0" err="1"/>
+              <a:t>filesystem</a:t>
+            </a:r>
+            <a:r>
+              <a:rPr lang="en-US" dirty="0"/>
+              <a:t> API without any validation of the input </a:t>
+            </a:r>
+            <a:r>
+              <a:rPr lang="en-US" dirty="0" smtClean="0"/>
+              <a:t>or verification </a:t>
+            </a:r>
+            <a:endParaRPr lang="en-US" dirty="0"/>
+          </a:p>
+        </p:txBody>
+      </p:sp>
+      <p:sp>
+        <p:nvSpPr>
+          <p:cNvPr id="4" name="Rectangle 3"/>
+          <p:cNvSpPr/>
+          <p:nvPr/>
+        </p:nvSpPr>
+        <p:spPr>
+          <a:xfrm>
+            <a:off x="914400" y="2590800"/>
+            <a:ext cx="7162800" cy="3581400"/>
+          </a:xfrm>
+          <a:prstGeom prst="rect">
+            <a:avLst/>
+          </a:prstGeom>
+        </p:spPr>
+        <p:style>
+          <a:lnRef idx="2">
+            <a:schemeClr val="accent1">
+              <a:shade val="50000"/>
+            </a:schemeClr>
+          </a:lnRef>
+          <a:fillRef idx="1">
+            <a:schemeClr val="accent1"/>
+          </a:fillRef>
+          <a:effectRef idx="0">
+            <a:schemeClr val="accent1"/>
+          </a:effectRef>
+          <a:fontRef idx="minor">
+            <a:schemeClr val="lt1"/>
+          </a:fontRef>
+        </p:style>
+        <p:txBody>
+          <a:bodyPr rtlCol="0" anchor="ctr"/>
+          <a:lstStyle/>
+          <a:p>
+            <a:r>
+              <a:rPr lang="en-US" dirty="0"/>
+              <a:t>public byte[] </a:t>
+            </a:r>
+            <a:r>
+              <a:rPr lang="en-US" dirty="0" err="1"/>
+              <a:t>GetAttachment</a:t>
+            </a:r>
+            <a:r>
+              <a:rPr lang="en-US" dirty="0"/>
+              <a:t>(</a:t>
+            </a:r>
+            <a:r>
+              <a:rPr lang="en-US" dirty="0" err="1"/>
+              <a:t>HttpRequest</a:t>
+            </a:r>
+            <a:r>
+              <a:rPr lang="en-US" dirty="0"/>
+              <a:t> Request)</a:t>
+            </a:r>
+          </a:p>
+          <a:p>
+            <a:r>
+              <a:rPr lang="en-US" dirty="0"/>
+              <a:t>{</a:t>
+            </a:r>
+          </a:p>
+          <a:p>
+            <a:r>
+              <a:rPr lang="en-US" dirty="0" err="1"/>
+              <a:t>FileStream</a:t>
+            </a:r>
+            <a:r>
+              <a:rPr lang="en-US" dirty="0"/>
+              <a:t> </a:t>
+            </a:r>
+            <a:r>
+              <a:rPr lang="en-US" dirty="0" err="1"/>
+              <a:t>fsAttachment</a:t>
+            </a:r>
+            <a:r>
+              <a:rPr lang="en-US" dirty="0"/>
+              <a:t> = new </a:t>
+            </a:r>
+            <a:r>
+              <a:rPr lang="en-US" dirty="0" err="1"/>
+              <a:t>FileStream</a:t>
+            </a:r>
+            <a:r>
+              <a:rPr lang="en-US" dirty="0"/>
+              <a:t>(</a:t>
+            </a:r>
+            <a:r>
+              <a:rPr lang="en-US" dirty="0" err="1"/>
+              <a:t>SpreadsheetPath</a:t>
+            </a:r>
+            <a:r>
+              <a:rPr lang="en-US" dirty="0"/>
+              <a:t> +</a:t>
+            </a:r>
+          </a:p>
+          <a:p>
+            <a:r>
+              <a:rPr lang="en-US" dirty="0" err="1"/>
+              <a:t>HttpUtility.UrlDecode</a:t>
+            </a:r>
+            <a:r>
+              <a:rPr lang="en-US" dirty="0"/>
+              <a:t>(</a:t>
+            </a:r>
+            <a:r>
+              <a:rPr lang="en-US" dirty="0" err="1"/>
+              <a:t>Request.QueryString</a:t>
+            </a:r>
+            <a:r>
+              <a:rPr lang="en-US" dirty="0"/>
+              <a:t>[“</a:t>
+            </a:r>
+            <a:r>
+              <a:rPr lang="en-US" dirty="0" err="1"/>
+              <a:t>AttachName</a:t>
+            </a:r>
+            <a:r>
+              <a:rPr lang="en-US" dirty="0"/>
+              <a:t>”]),</a:t>
+            </a:r>
+          </a:p>
+          <a:p>
+            <a:r>
+              <a:rPr lang="en-US" dirty="0" err="1"/>
+              <a:t>FileMode.Open</a:t>
+            </a:r>
+            <a:r>
+              <a:rPr lang="en-US" dirty="0"/>
+              <a:t>, </a:t>
+            </a:r>
+            <a:r>
+              <a:rPr lang="en-US" dirty="0" err="1"/>
+              <a:t>FileAccess.Read</a:t>
+            </a:r>
+            <a:r>
+              <a:rPr lang="en-US" dirty="0"/>
+              <a:t>, </a:t>
+            </a:r>
+            <a:r>
+              <a:rPr lang="en-US" dirty="0" err="1"/>
+              <a:t>FileShare.Read</a:t>
+            </a:r>
+            <a:r>
+              <a:rPr lang="en-US" dirty="0"/>
+              <a:t>);</a:t>
+            </a:r>
+          </a:p>
+          <a:p>
+            <a:r>
+              <a:rPr lang="en-US" dirty="0"/>
+              <a:t>byte[] </a:t>
+            </a:r>
+            <a:r>
+              <a:rPr lang="en-US" dirty="0" err="1"/>
+              <a:t>bAttachment</a:t>
+            </a:r>
+            <a:r>
+              <a:rPr lang="en-US" dirty="0"/>
+              <a:t> = new byte[</a:t>
+            </a:r>
+            <a:r>
+              <a:rPr lang="en-US" dirty="0" err="1"/>
+              <a:t>fsAttachment.Length</a:t>
+            </a:r>
+            <a:r>
+              <a:rPr lang="en-US" dirty="0"/>
+              <a:t>];</a:t>
+            </a:r>
+          </a:p>
+          <a:p>
+            <a:r>
+              <a:rPr lang="en-US" dirty="0" err="1"/>
+              <a:t>fsAttachment.Read</a:t>
+            </a:r>
+            <a:r>
+              <a:rPr lang="en-US" dirty="0"/>
+              <a:t>(</a:t>
+            </a:r>
+            <a:r>
+              <a:rPr lang="en-US" dirty="0" err="1"/>
+              <a:t>FileContent</a:t>
+            </a:r>
+            <a:r>
+              <a:rPr lang="en-US" dirty="0"/>
+              <a:t>, 0,</a:t>
+            </a:r>
+          </a:p>
+          <a:p>
+            <a:r>
+              <a:rPr lang="en-US" dirty="0"/>
+              <a:t>Convert.ToInt32(</a:t>
+            </a:r>
+            <a:r>
+              <a:rPr lang="en-US" dirty="0" err="1"/>
+              <a:t>fsAttachment.Length</a:t>
+            </a:r>
+            <a:r>
+              <a:rPr lang="en-US" dirty="0"/>
+              <a:t>,</a:t>
+            </a:r>
+          </a:p>
+          <a:p>
+            <a:r>
+              <a:rPr lang="en-US" dirty="0" err="1"/>
+              <a:t>CultureInfo.CurrentCulture</a:t>
+            </a:r>
+            <a:r>
+              <a:rPr lang="en-US" dirty="0"/>
+              <a:t>));</a:t>
+            </a:r>
+          </a:p>
+          <a:p>
+            <a:r>
+              <a:rPr lang="en-US" dirty="0" err="1"/>
+              <a:t>fsAttachment.Close</a:t>
+            </a:r>
+            <a:r>
+              <a:rPr lang="en-US" dirty="0" smtClean="0"/>
+              <a:t>();</a:t>
+            </a:r>
+          </a:p>
+          <a:p>
+            <a:r>
+              <a:rPr lang="en-US" dirty="0"/>
+              <a:t>return </a:t>
+            </a:r>
+            <a:r>
+              <a:rPr lang="en-US" dirty="0" err="1"/>
+              <a:t>bAttachment</a:t>
+            </a:r>
+            <a:r>
+              <a:rPr lang="en-US" dirty="0"/>
+              <a:t>;</a:t>
+            </a:r>
+            <a:br>
+              <a:rPr lang="en-US" dirty="0"/>
+            </a:br>
+            <a:r>
+              <a:rPr lang="en-US" dirty="0" smtClean="0"/>
+              <a:t>}</a:t>
+            </a:r>
+            <a:r>
+              <a:rPr lang="en-US" dirty="0"/>
+              <a:t/>
+            </a:r>
+            <a:br>
+              <a:rPr lang="en-US" dirty="0"/>
+            </a:br>
+            <a:endParaRPr lang="en-US" dirty="0"/>
+          </a:p>
+        </p:txBody>
+      </p:sp>
+    </p:spTree>
+    <p:extLst>
+      <p:ext uri="{BB962C8B-B14F-4D97-AF65-F5344CB8AC3E}">
+        <p14:creationId xmlns:p14="http://schemas.microsoft.com/office/powerpoint/2010/main" val="364318377"/>
+      </p:ext>
+    </p:extLst>
+  </p:cSld>
+  <p:clrMapOvr>
+    <a:masterClrMapping/>
+  </p:clrMapOvr>
+</p:sld>
+</file>
+
+<file path=ppt/slides/slide37.xml><?xml version="1.0" encoding="utf-8"?>
+<p:sld xmlns:a="http://schemas.openxmlformats.org/drawingml/2006/main" xmlns:r="http://schemas.openxmlformats.org/officeDocument/2006/relationships" xmlns:p="http://schemas.openxmlformats.org/presentationml/2006/main">
+  <p:cSld>
+    <p:spTree>
+      <p:nvGrpSpPr>
+        <p:cNvPr id="1" name=""/>
+        <p:cNvGrpSpPr/>
+        <p:nvPr/>
+      </p:nvGrpSpPr>
+      <p:grpSpPr>
+        <a:xfrm>
+          <a:off x="0" y="0"/>
+          <a:ext cx="0" cy="0"/>
+          <a:chOff x="0" y="0"/>
+          <a:chExt cx="0" cy="0"/>
+        </a:xfrm>
+      </p:grpSpPr>
+      <p:sp>
+        <p:nvSpPr>
+          <p:cNvPr id="2" name="Title 1"/>
+          <p:cNvSpPr>
+            <a:spLocks noGrp="1"/>
+          </p:cNvSpPr>
+          <p:nvPr>
+            <p:ph type="title"/>
+          </p:nvPr>
+        </p:nvSpPr>
+        <p:spPr/>
+        <p:txBody>
+          <a:bodyPr/>
+          <a:lstStyle/>
+          <a:p>
+            <a:r>
+              <a:rPr lang="en-US" dirty="0"/>
+              <a:t>Arbitrary Redirection</a:t>
+            </a:r>
+          </a:p>
+        </p:txBody>
+      </p:sp>
+      <p:sp>
+        <p:nvSpPr>
+          <p:cNvPr id="3" name="Content Placeholder 2"/>
+          <p:cNvSpPr>
+            <a:spLocks noGrp="1"/>
+          </p:cNvSpPr>
+          <p:nvPr>
+            <p:ph idx="1"/>
+          </p:nvPr>
+        </p:nvSpPr>
+        <p:spPr>
+          <a:xfrm>
+            <a:off x="449263" y="1598613"/>
+            <a:ext cx="8229600" cy="738664"/>
+          </a:xfrm>
+        </p:spPr>
+        <p:txBody>
+          <a:bodyPr/>
+          <a:lstStyle/>
+          <a:p>
+            <a:r>
+              <a:rPr lang="en-US" dirty="0" smtClean="0"/>
+              <a:t>User-supplied </a:t>
+            </a:r>
+            <a:r>
+              <a:rPr lang="en-US" dirty="0"/>
+              <a:t>data </a:t>
+            </a:r>
+            <a:r>
+              <a:rPr lang="en-US" dirty="0" smtClean="0"/>
+              <a:t>from the </a:t>
+            </a:r>
+            <a:r>
+              <a:rPr lang="en-US" dirty="0"/>
+              <a:t>query string is used to construct a URL to which the user is redirected</a:t>
+            </a:r>
+          </a:p>
+        </p:txBody>
+      </p:sp>
+      <p:sp>
+        <p:nvSpPr>
+          <p:cNvPr id="4" name="Rectangle 3"/>
+          <p:cNvSpPr/>
+          <p:nvPr/>
+        </p:nvSpPr>
+        <p:spPr>
+          <a:xfrm>
+            <a:off x="914400" y="2590800"/>
+            <a:ext cx="6553200" cy="3048000"/>
+          </a:xfrm>
+          <a:prstGeom prst="rect">
+            <a:avLst/>
+          </a:prstGeom>
+        </p:spPr>
+        <p:style>
+          <a:lnRef idx="2">
+            <a:schemeClr val="accent1">
+              <a:shade val="50000"/>
+            </a:schemeClr>
+          </a:lnRef>
+          <a:fillRef idx="1">
+            <a:schemeClr val="accent1"/>
+          </a:fillRef>
+          <a:effectRef idx="0">
+            <a:schemeClr val="accent1"/>
+          </a:effectRef>
+          <a:fontRef idx="minor">
+            <a:schemeClr val="lt1"/>
+          </a:fontRef>
+        </p:style>
+        <p:txBody>
+          <a:bodyPr rtlCol="0" anchor="ctr"/>
+          <a:lstStyle/>
+          <a:p>
+            <a:r>
+              <a:rPr lang="en-US" dirty="0"/>
+              <a:t>private void </a:t>
+            </a:r>
+            <a:r>
+              <a:rPr lang="en-US" dirty="0" err="1"/>
+              <a:t>handleCancel</a:t>
+            </a:r>
+            <a:r>
+              <a:rPr lang="en-US" dirty="0"/>
+              <a:t>()</a:t>
+            </a:r>
+          </a:p>
+          <a:p>
+            <a:r>
+              <a:rPr lang="en-US" dirty="0"/>
+              <a:t>{</a:t>
+            </a:r>
+          </a:p>
+          <a:p>
+            <a:r>
+              <a:rPr lang="en-US" dirty="0" err="1"/>
+              <a:t>httpResponse.Redirect</a:t>
+            </a:r>
+            <a:r>
+              <a:rPr lang="en-US" dirty="0"/>
+              <a:t>(</a:t>
+            </a:r>
+            <a:r>
+              <a:rPr lang="en-US" dirty="0" err="1"/>
+              <a:t>HttpUtility.UrlDecode</a:t>
+            </a:r>
+            <a:r>
+              <a:rPr lang="en-US" dirty="0"/>
+              <a:t>(</a:t>
+            </a:r>
+            <a:r>
+              <a:rPr lang="en-US" dirty="0" err="1"/>
+              <a:t>Request.QueryString</a:t>
+            </a:r>
+            <a:r>
+              <a:rPr lang="en-US" dirty="0"/>
+              <a:t>[</a:t>
+            </a:r>
+          </a:p>
+          <a:p>
+            <a:r>
+              <a:rPr lang="en-US" dirty="0"/>
+              <a:t>“</a:t>
+            </a:r>
+            <a:r>
+              <a:rPr lang="en-US" dirty="0" err="1"/>
+              <a:t>refURL</a:t>
+            </a:r>
+            <a:r>
+              <a:rPr lang="en-US" dirty="0"/>
+              <a:t>”]) + “&amp;</a:t>
+            </a:r>
+            <a:r>
+              <a:rPr lang="en-US" dirty="0" err="1"/>
+              <a:t>SiteCode</a:t>
+            </a:r>
+            <a:r>
+              <a:rPr lang="en-US" dirty="0"/>
+              <a:t>=” +</a:t>
+            </a:r>
+          </a:p>
+          <a:p>
+            <a:r>
+              <a:rPr lang="en-US" dirty="0" err="1"/>
+              <a:t>Request.QueryString</a:t>
+            </a:r>
+            <a:r>
+              <a:rPr lang="en-US" dirty="0"/>
+              <a:t>[“</a:t>
+            </a:r>
+            <a:r>
+              <a:rPr lang="en-US" dirty="0" err="1"/>
+              <a:t>SiteCode</a:t>
+            </a:r>
+            <a:r>
+              <a:rPr lang="en-US" dirty="0"/>
+              <a:t>”].</a:t>
+            </a:r>
+            <a:r>
+              <a:rPr lang="en-US" dirty="0" err="1"/>
+              <a:t>ToString</a:t>
+            </a:r>
+            <a:r>
+              <a:rPr lang="en-US" dirty="0"/>
+              <a:t>() +</a:t>
+            </a:r>
+          </a:p>
+          <a:p>
+            <a:r>
+              <a:rPr lang="en-US" dirty="0"/>
+              <a:t>“&amp;</a:t>
+            </a:r>
+            <a:r>
+              <a:rPr lang="en-US" dirty="0" err="1"/>
+              <a:t>UserId</a:t>
+            </a:r>
+            <a:r>
+              <a:rPr lang="en-US" dirty="0"/>
+              <a:t>=” + </a:t>
+            </a:r>
+            <a:r>
+              <a:rPr lang="en-US" dirty="0" err="1"/>
+              <a:t>Request.QueryString</a:t>
+            </a:r>
+            <a:r>
+              <a:rPr lang="en-US" dirty="0"/>
+              <a:t>[“</a:t>
+            </a:r>
+            <a:r>
+              <a:rPr lang="en-US" dirty="0" err="1"/>
+              <a:t>UserId</a:t>
+            </a:r>
+            <a:r>
+              <a:rPr lang="en-US" dirty="0"/>
+              <a:t>”].</a:t>
+            </a:r>
+            <a:r>
+              <a:rPr lang="en-US" dirty="0" err="1"/>
+              <a:t>ToString</a:t>
+            </a:r>
+            <a:r>
+              <a:rPr lang="en-US" dirty="0"/>
+              <a:t>());</a:t>
+            </a:r>
+          </a:p>
+          <a:p>
+            <a:r>
+              <a:rPr lang="en-US" dirty="0"/>
+              <a:t>}</a:t>
+            </a:r>
+          </a:p>
+        </p:txBody>
+      </p:sp>
+    </p:spTree>
+    <p:extLst>
+      <p:ext uri="{BB962C8B-B14F-4D97-AF65-F5344CB8AC3E}">
+        <p14:creationId xmlns:p14="http://schemas.microsoft.com/office/powerpoint/2010/main" val="3661445817"/>
+      </p:ext>
+    </p:extLst>
+  </p:cSld>
+  <p:clrMapOvr>
+    <a:masterClrMapping/>
+  </p:clrMapOvr>
+</p:sld>
+</file>
+
+<file path=ppt/slides/slide38.xml><?xml version="1.0" encoding="utf-8"?>
+<p:sld xmlns:a="http://schemas.openxmlformats.org/drawingml/2006/main" xmlns:r="http://schemas.openxmlformats.org/officeDocument/2006/relationships" xmlns:p="http://schemas.openxmlformats.org/presentationml/2006/main">
+  <p:cSld>
+    <p:spTree>
+      <p:nvGrpSpPr>
+        <p:cNvPr id="1" name=""/>
+        <p:cNvGrpSpPr/>
+        <p:nvPr/>
+      </p:nvGrpSpPr>
+      <p:grpSpPr>
+        <a:xfrm>
+          <a:off x="0" y="0"/>
+          <a:ext cx="0" cy="0"/>
+          <a:chOff x="0" y="0"/>
+          <a:chExt cx="0" cy="0"/>
+        </a:xfrm>
+      </p:grpSpPr>
+      <p:sp>
+        <p:nvSpPr>
+          <p:cNvPr id="2" name="Title 1"/>
+          <p:cNvSpPr>
+            <a:spLocks noGrp="1"/>
+          </p:cNvSpPr>
+          <p:nvPr>
+            <p:ph type="title"/>
+          </p:nvPr>
+        </p:nvSpPr>
+        <p:spPr/>
+        <p:txBody>
+          <a:bodyPr/>
+          <a:lstStyle/>
+          <a:p>
+            <a:r>
+              <a:rPr lang="en-US" dirty="0"/>
+              <a:t>OS Command Injection</a:t>
+            </a:r>
+          </a:p>
+        </p:txBody>
+      </p:sp>
+      <p:sp>
+        <p:nvSpPr>
+          <p:cNvPr id="3" name="Content Placeholder 2"/>
+          <p:cNvSpPr>
+            <a:spLocks noGrp="1"/>
+          </p:cNvSpPr>
+          <p:nvPr>
+            <p:ph idx="1"/>
+          </p:nvPr>
+        </p:nvSpPr>
+        <p:spPr>
+          <a:xfrm>
+            <a:off x="449263" y="1598613"/>
+            <a:ext cx="8229600" cy="1107996"/>
+          </a:xfrm>
+        </p:spPr>
+        <p:txBody>
+          <a:bodyPr/>
+          <a:lstStyle/>
+          <a:p>
+            <a:r>
+              <a:rPr lang="en-US" dirty="0" smtClean="0"/>
+              <a:t>Parameters </a:t>
+            </a:r>
+            <a:r>
+              <a:rPr lang="en-US" dirty="0"/>
+              <a:t>have been extracted from user-controllable form data and are </a:t>
+            </a:r>
+            <a:r>
+              <a:rPr lang="en-US" dirty="0" smtClean="0"/>
+              <a:t>passed directly </a:t>
+            </a:r>
+            <a:r>
+              <a:rPr lang="en-US" dirty="0"/>
+              <a:t>into a call to the </a:t>
+            </a:r>
+            <a:r>
+              <a:rPr lang="en-US" dirty="0" smtClean="0"/>
+              <a:t>system </a:t>
+            </a:r>
+            <a:r>
+              <a:rPr lang="en-US" dirty="0"/>
+              <a:t>API</a:t>
+            </a:r>
+          </a:p>
+        </p:txBody>
+      </p:sp>
+      <p:sp>
+        <p:nvSpPr>
+          <p:cNvPr id="4" name="Rectangle 3"/>
+          <p:cNvSpPr/>
+          <p:nvPr/>
+        </p:nvSpPr>
+        <p:spPr>
+          <a:xfrm>
+            <a:off x="1066800" y="2743200"/>
+            <a:ext cx="6629400" cy="2590800"/>
+          </a:xfrm>
+          <a:prstGeom prst="rect">
+            <a:avLst/>
+          </a:prstGeom>
+        </p:spPr>
+        <p:style>
+          <a:lnRef idx="2">
+            <a:schemeClr val="accent1">
+              <a:shade val="50000"/>
+            </a:schemeClr>
+          </a:lnRef>
+          <a:fillRef idx="1">
+            <a:schemeClr val="accent1"/>
+          </a:fillRef>
+          <a:effectRef idx="0">
+            <a:schemeClr val="accent1"/>
+          </a:effectRef>
+          <a:fontRef idx="minor">
+            <a:schemeClr val="lt1"/>
+          </a:fontRef>
+        </p:style>
+        <p:txBody>
+          <a:bodyPr rtlCol="0" anchor="ctr"/>
+          <a:lstStyle/>
+          <a:p>
+            <a:r>
+              <a:rPr lang="en-US" dirty="0"/>
+              <a:t>void </a:t>
+            </a:r>
+            <a:r>
+              <a:rPr lang="en-US" dirty="0" err="1"/>
+              <a:t>send_mail</a:t>
+            </a:r>
+            <a:r>
+              <a:rPr lang="en-US" dirty="0"/>
+              <a:t>(</a:t>
+            </a:r>
+            <a:r>
+              <a:rPr lang="en-US" dirty="0" err="1"/>
+              <a:t>const</a:t>
+            </a:r>
+            <a:r>
+              <a:rPr lang="en-US" dirty="0"/>
+              <a:t> char *message, </a:t>
+            </a:r>
+            <a:r>
+              <a:rPr lang="en-US" dirty="0" err="1"/>
+              <a:t>const</a:t>
+            </a:r>
+            <a:r>
+              <a:rPr lang="en-US" dirty="0"/>
+              <a:t> char *</a:t>
+            </a:r>
+            <a:r>
+              <a:rPr lang="en-US" dirty="0" err="1"/>
+              <a:t>addr</a:t>
+            </a:r>
+            <a:r>
+              <a:rPr lang="en-US" dirty="0"/>
+              <a:t>)</a:t>
+            </a:r>
+          </a:p>
+          <a:p>
+            <a:r>
+              <a:rPr lang="en-US" dirty="0"/>
+              <a:t>{</a:t>
+            </a:r>
+          </a:p>
+          <a:p>
+            <a:r>
+              <a:rPr lang="en-US" dirty="0"/>
+              <a:t>char </a:t>
+            </a:r>
+            <a:r>
+              <a:rPr lang="en-US" dirty="0" err="1"/>
+              <a:t>sendMailCmd</a:t>
+            </a:r>
+            <a:r>
+              <a:rPr lang="en-US" dirty="0"/>
+              <a:t>[4096];</a:t>
+            </a:r>
+          </a:p>
+          <a:p>
+            <a:r>
+              <a:rPr lang="en-US" dirty="0" err="1"/>
+              <a:t>snprintf</a:t>
+            </a:r>
+            <a:r>
+              <a:rPr lang="en-US" dirty="0"/>
+              <a:t>(</a:t>
+            </a:r>
+            <a:r>
+              <a:rPr lang="en-US" dirty="0" err="1"/>
+              <a:t>sendMailCmd</a:t>
+            </a:r>
+            <a:r>
+              <a:rPr lang="en-US" dirty="0"/>
+              <a:t>, 4096, “echo ‘%s’ | </a:t>
+            </a:r>
+            <a:r>
+              <a:rPr lang="en-US" dirty="0" err="1"/>
+              <a:t>sendmail</a:t>
+            </a:r>
+            <a:r>
+              <a:rPr lang="en-US" dirty="0"/>
+              <a:t> %s”, message, </a:t>
+            </a:r>
+            <a:r>
+              <a:rPr lang="en-US" dirty="0" err="1"/>
+              <a:t>addr</a:t>
+            </a:r>
+            <a:r>
+              <a:rPr lang="en-US" dirty="0"/>
+              <a:t>);</a:t>
+            </a:r>
+          </a:p>
+          <a:p>
+            <a:r>
+              <a:rPr lang="en-US" dirty="0"/>
+              <a:t>system(</a:t>
+            </a:r>
+            <a:r>
+              <a:rPr lang="en-US" dirty="0" err="1"/>
+              <a:t>sendMailCmd</a:t>
+            </a:r>
+            <a:r>
+              <a:rPr lang="en-US" dirty="0"/>
+              <a:t>);</a:t>
+            </a:r>
+          </a:p>
+          <a:p>
+            <a:r>
+              <a:rPr lang="en-US" dirty="0"/>
+              <a:t>return;</a:t>
+            </a:r>
+          </a:p>
+          <a:p>
+            <a:r>
+              <a:rPr lang="en-US" dirty="0"/>
+              <a:t>}</a:t>
+            </a:r>
+          </a:p>
+        </p:txBody>
+      </p:sp>
+    </p:spTree>
+    <p:extLst>
+      <p:ext uri="{BB962C8B-B14F-4D97-AF65-F5344CB8AC3E}">
+        <p14:creationId xmlns:p14="http://schemas.microsoft.com/office/powerpoint/2010/main" val="3841358884"/>
+      </p:ext>
+    </p:extLst>
+  </p:cSld>
+  <p:clrMapOvr>
+    <a:masterClrMapping/>
+  </p:clrMapOvr>
+</p:sld>
+</file>
+
+<file path=ppt/slides/slide39.xml><?xml version="1.0" encoding="utf-8"?>
+<p:sld xmlns:a="http://schemas.openxmlformats.org/drawingml/2006/main" xmlns:r="http://schemas.openxmlformats.org/officeDocument/2006/relationships" xmlns:p="http://schemas.openxmlformats.org/presentationml/2006/main">
+  <p:cSld>
+    <p:spTree>
+      <p:nvGrpSpPr>
+        <p:cNvPr id="1" name=""/>
+        <p:cNvGrpSpPr/>
+        <p:nvPr/>
+      </p:nvGrpSpPr>
+      <p:grpSpPr>
+        <a:xfrm>
+          <a:off x="0" y="0"/>
+          <a:ext cx="0" cy="0"/>
+          <a:chOff x="0" y="0"/>
+          <a:chExt cx="0" cy="0"/>
+        </a:xfrm>
+      </p:grpSpPr>
+      <p:sp>
+        <p:nvSpPr>
+          <p:cNvPr id="2" name="Title 1"/>
+          <p:cNvSpPr>
+            <a:spLocks noGrp="1"/>
+          </p:cNvSpPr>
+          <p:nvPr>
+            <p:ph type="title"/>
+          </p:nvPr>
+        </p:nvSpPr>
+        <p:spPr/>
+        <p:txBody>
+          <a:bodyPr/>
+          <a:lstStyle/>
+          <a:p>
+            <a:r>
+              <a:rPr lang="en-US" dirty="0" smtClean="0"/>
+              <a:t>Code Review in Special Platform</a:t>
+            </a:r>
+            <a:endParaRPr lang="en-US" dirty="0"/>
+          </a:p>
+        </p:txBody>
+      </p:sp>
+      <p:sp>
+        <p:nvSpPr>
+          <p:cNvPr id="3" name="Content Placeholder 2"/>
+          <p:cNvSpPr>
+            <a:spLocks noGrp="1"/>
+          </p:cNvSpPr>
+          <p:nvPr>
+            <p:ph idx="1"/>
+          </p:nvPr>
+        </p:nvSpPr>
+        <p:spPr>
+          <a:xfrm>
+            <a:off x="449263" y="1598613"/>
+            <a:ext cx="8229600" cy="2985433"/>
+          </a:xfrm>
+        </p:spPr>
+        <p:txBody>
+          <a:bodyPr/>
+          <a:lstStyle/>
+          <a:p>
+            <a:r>
+              <a:rPr lang="en-US" dirty="0"/>
+              <a:t>Identifying User-Supplied </a:t>
+            </a:r>
+            <a:r>
+              <a:rPr lang="en-US" dirty="0" smtClean="0"/>
+              <a:t>Data</a:t>
+            </a:r>
+          </a:p>
+          <a:p>
+            <a:r>
+              <a:rPr lang="en-US" dirty="0"/>
+              <a:t>Session </a:t>
+            </a:r>
+            <a:r>
+              <a:rPr lang="en-US" dirty="0" smtClean="0"/>
+              <a:t>Interaction</a:t>
+            </a:r>
+          </a:p>
+          <a:p>
+            <a:r>
+              <a:rPr lang="en-US" dirty="0"/>
+              <a:t>Potentially Dangerous </a:t>
+            </a:r>
+            <a:r>
+              <a:rPr lang="en-US" dirty="0" smtClean="0"/>
+              <a:t>APIs</a:t>
+            </a:r>
+          </a:p>
+          <a:p>
+            <a:r>
+              <a:rPr lang="en-US" dirty="0"/>
+              <a:t>Configuring the Java Environment</a:t>
+            </a:r>
+            <a:endParaRPr lang="en-US" dirty="0" smtClean="0"/>
+          </a:p>
+          <a:p>
+            <a:endParaRPr lang="en-US" dirty="0" smtClean="0"/>
+          </a:p>
+          <a:p>
+            <a:endParaRPr lang="en-US" dirty="0"/>
+          </a:p>
+        </p:txBody>
+      </p:sp>
+    </p:spTree>
+    <p:extLst>
+      <p:ext uri="{BB962C8B-B14F-4D97-AF65-F5344CB8AC3E}">
+        <p14:creationId xmlns:p14="http://schemas.microsoft.com/office/powerpoint/2010/main" val="4000542751"/>
+      </p:ext>
+    </p:extLst>
+  </p:cSld>
+  <p:clrMapOvr>
+    <a:masterClrMapping/>
+  </p:clrMapOvr>
+</p:sld>
+</file>
+
+<file path=ppt/slides/slide4.xml><?xml version="1.0" encoding="utf-8"?>
+<p:sld xmlns:a="http://schemas.openxmlformats.org/drawingml/2006/main" xmlns:r="http://schemas.openxmlformats.org/officeDocument/2006/relationships" xmlns:p="http://schemas.openxmlformats.org/presentationml/2006/main">
+  <p:cSld>
+    <p:spTree>
+      <p:nvGrpSpPr>
+        <p:cNvPr id="1" name=""/>
+        <p:cNvGrpSpPr/>
+        <p:nvPr/>
+      </p:nvGrpSpPr>
+      <p:grpSpPr>
+        <a:xfrm>
+          <a:off x="0" y="0"/>
+          <a:ext cx="0" cy="0"/>
+          <a:chOff x="0" y="0"/>
+          <a:chExt cx="0" cy="0"/>
+        </a:xfrm>
+      </p:grpSpPr>
+      <p:sp>
+        <p:nvSpPr>
+          <p:cNvPr id="2" name="Title 1"/>
+          <p:cNvSpPr>
+            <a:spLocks noGrp="1"/>
+          </p:cNvSpPr>
+          <p:nvPr>
+            <p:ph type="title"/>
+          </p:nvPr>
+        </p:nvSpPr>
+        <p:spPr/>
+        <p:txBody>
+          <a:bodyPr/>
+          <a:lstStyle/>
+          <a:p>
+            <a:r>
+              <a:rPr lang="en-US" dirty="0"/>
+              <a:t>Entry points</a:t>
+            </a:r>
+          </a:p>
+        </p:txBody>
+      </p:sp>
+      <p:sp>
+        <p:nvSpPr>
+          <p:cNvPr id="3" name="Content Placeholder 2"/>
+          <p:cNvSpPr>
+            <a:spLocks noGrp="1"/>
+          </p:cNvSpPr>
+          <p:nvPr>
+            <p:ph idx="1"/>
+          </p:nvPr>
+        </p:nvSpPr>
+        <p:spPr>
+          <a:xfrm>
+            <a:off x="449263" y="1598613"/>
+            <a:ext cx="8229600" cy="2831544"/>
+          </a:xfrm>
+        </p:spPr>
+        <p:txBody>
+          <a:bodyPr/>
+          <a:lstStyle/>
+          <a:p>
+            <a:r>
+              <a:rPr lang="en-US" dirty="0" smtClean="0"/>
+              <a:t>Entry </a:t>
+            </a:r>
+            <a:r>
+              <a:rPr lang="en-US" dirty="0"/>
+              <a:t>points are source to the application</a:t>
+            </a:r>
+          </a:p>
+          <a:p>
+            <a:r>
+              <a:rPr lang="en-US" dirty="0" smtClean="0"/>
+              <a:t>Each </a:t>
+            </a:r>
+            <a:r>
+              <a:rPr lang="en-US" dirty="0"/>
+              <a:t>source hits at some sink or end point </a:t>
+            </a:r>
+            <a:r>
+              <a:rPr lang="en-US" dirty="0" smtClean="0"/>
+              <a:t>in the </a:t>
+            </a:r>
+            <a:r>
+              <a:rPr lang="en-US" dirty="0"/>
+              <a:t>source code</a:t>
+            </a:r>
+          </a:p>
+          <a:p>
+            <a:r>
+              <a:rPr lang="en-US" dirty="0" smtClean="0"/>
+              <a:t>It </a:t>
+            </a:r>
+            <a:r>
+              <a:rPr lang="en-US" dirty="0"/>
+              <a:t>traverses across the source code</a:t>
+            </a:r>
+          </a:p>
+          <a:p>
+            <a:r>
+              <a:rPr lang="en-US" dirty="0" smtClean="0"/>
+              <a:t>Entry </a:t>
+            </a:r>
+            <a:r>
+              <a:rPr lang="en-US" dirty="0"/>
+              <a:t>point can be traced to its sink</a:t>
+            </a:r>
+          </a:p>
+          <a:p>
+            <a:r>
+              <a:rPr lang="en-US" dirty="0" smtClean="0"/>
+              <a:t>This </a:t>
+            </a:r>
+            <a:r>
+              <a:rPr lang="en-US" dirty="0"/>
+              <a:t>tracing is very important aspect for </a:t>
+            </a:r>
+            <a:r>
+              <a:rPr lang="en-US" dirty="0" smtClean="0"/>
+              <a:t>code analytics</a:t>
+            </a:r>
+            <a:endParaRPr lang="en-US" dirty="0"/>
+          </a:p>
+        </p:txBody>
+      </p:sp>
+    </p:spTree>
+    <p:extLst>
+      <p:ext uri="{BB962C8B-B14F-4D97-AF65-F5344CB8AC3E}">
+        <p14:creationId xmlns:p14="http://schemas.microsoft.com/office/powerpoint/2010/main" val="3460773394"/>
+      </p:ext>
+    </p:extLst>
+  </p:cSld>
+  <p:clrMapOvr>
+    <a:masterClrMapping/>
+  </p:clrMapOvr>
+</p:sld>
+</file>
+
+<file path=ppt/slides/slide40.xml><?xml version="1.0" encoding="utf-8"?>
+<p:sld xmlns:a="http://schemas.openxmlformats.org/drawingml/2006/main" xmlns:r="http://schemas.openxmlformats.org/officeDocument/2006/relationships" xmlns:p="http://schemas.openxmlformats.org/presentationml/2006/main">
+  <p:cSld>
+    <p:spTree>
+      <p:nvGrpSpPr>
+        <p:cNvPr id="1" name=""/>
+        <p:cNvGrpSpPr/>
+        <p:nvPr/>
+      </p:nvGrpSpPr>
+      <p:grpSpPr>
+        <a:xfrm>
+          <a:off x="0" y="0"/>
+          <a:ext cx="0" cy="0"/>
+          <a:chOff x="0" y="0"/>
+          <a:chExt cx="0" cy="0"/>
+        </a:xfrm>
+      </p:grpSpPr>
+      <p:sp>
+        <p:nvSpPr>
+          <p:cNvPr id="2" name="Title 1"/>
+          <p:cNvSpPr>
+            <a:spLocks noGrp="1"/>
+          </p:cNvSpPr>
+          <p:nvPr>
+            <p:ph type="title"/>
+          </p:nvPr>
+        </p:nvSpPr>
+        <p:spPr>
+          <a:xfrm>
+            <a:off x="457200" y="893763"/>
+            <a:ext cx="8229600" cy="553998"/>
+          </a:xfrm>
+        </p:spPr>
+        <p:txBody>
+          <a:bodyPr/>
+          <a:lstStyle/>
+          <a:p>
+            <a:r>
+              <a:rPr lang="en-US" dirty="0"/>
+              <a:t>Java </a:t>
+            </a:r>
+            <a:r>
+              <a:rPr lang="en-US" dirty="0" smtClean="0"/>
+              <a:t>- </a:t>
+            </a:r>
+            <a:r>
+              <a:rPr lang="en-US" dirty="0"/>
+              <a:t>Identifying User-Supplied </a:t>
+            </a:r>
+            <a:r>
+              <a:rPr lang="en-US" dirty="0" smtClean="0"/>
+              <a:t>Data</a:t>
+            </a:r>
+            <a:endParaRPr lang="en-US" dirty="0"/>
+          </a:p>
+        </p:txBody>
+      </p:sp>
+      <p:sp>
+        <p:nvSpPr>
+          <p:cNvPr id="3" name="Content Placeholder 2"/>
+          <p:cNvSpPr>
+            <a:spLocks noGrp="1"/>
+          </p:cNvSpPr>
+          <p:nvPr>
+            <p:ph idx="1"/>
+          </p:nvPr>
+        </p:nvSpPr>
+        <p:spPr>
+          <a:xfrm>
+            <a:off x="449263" y="1598613"/>
+            <a:ext cx="8229600" cy="5262979"/>
+          </a:xfrm>
+        </p:spPr>
+        <p:txBody>
+          <a:bodyPr/>
+          <a:lstStyle/>
+          <a:p>
+            <a:pPr lvl="1"/>
+            <a:r>
+              <a:rPr lang="en-US" dirty="0" err="1" smtClean="0"/>
+              <a:t>getParameter</a:t>
+            </a:r>
+            <a:endParaRPr lang="en-US" dirty="0" smtClean="0"/>
+          </a:p>
+          <a:p>
+            <a:pPr lvl="1"/>
+            <a:r>
+              <a:rPr lang="en-US" dirty="0" err="1"/>
+              <a:t>getParameterNames</a:t>
+            </a:r>
+            <a:endParaRPr lang="en-US" dirty="0"/>
+          </a:p>
+          <a:p>
+            <a:pPr lvl="1"/>
+            <a:r>
+              <a:rPr lang="en-US" dirty="0" err="1"/>
+              <a:t>getParameterValues</a:t>
+            </a:r>
+            <a:endParaRPr lang="en-US" dirty="0"/>
+          </a:p>
+          <a:p>
+            <a:pPr lvl="1"/>
+            <a:r>
+              <a:rPr lang="en-US" dirty="0" err="1"/>
+              <a:t>getParameterMap</a:t>
+            </a:r>
+            <a:endParaRPr lang="en-US" dirty="0"/>
+          </a:p>
+          <a:p>
+            <a:pPr lvl="1"/>
+            <a:r>
+              <a:rPr lang="en-US" dirty="0" err="1" smtClean="0"/>
+              <a:t>getQueryString</a:t>
+            </a:r>
+            <a:endParaRPr lang="en-US" dirty="0" smtClean="0"/>
+          </a:p>
+          <a:p>
+            <a:pPr lvl="1"/>
+            <a:r>
+              <a:rPr lang="en-US" dirty="0" err="1" smtClean="0"/>
+              <a:t>getHeader</a:t>
+            </a:r>
+            <a:endParaRPr lang="en-US" dirty="0" smtClean="0"/>
+          </a:p>
+          <a:p>
+            <a:pPr lvl="1"/>
+            <a:r>
+              <a:rPr lang="en-US" dirty="0" err="1" smtClean="0"/>
+              <a:t>getHeaders</a:t>
+            </a:r>
+            <a:endParaRPr lang="en-US" dirty="0" smtClean="0"/>
+          </a:p>
+          <a:p>
+            <a:pPr lvl="1"/>
+            <a:r>
+              <a:rPr lang="en-US" dirty="0" err="1"/>
+              <a:t>getRequestURI</a:t>
+            </a:r>
+            <a:endParaRPr lang="en-US" dirty="0"/>
+          </a:p>
+          <a:p>
+            <a:pPr lvl="1"/>
+            <a:r>
+              <a:rPr lang="en-US" dirty="0" err="1" smtClean="0"/>
+              <a:t>getRequestURL</a:t>
+            </a:r>
+            <a:endParaRPr lang="en-US" dirty="0" smtClean="0"/>
+          </a:p>
+          <a:p>
+            <a:pPr lvl="1"/>
+            <a:r>
+              <a:rPr lang="en-US" dirty="0" err="1" smtClean="0"/>
+              <a:t>getCookies</a:t>
+            </a:r>
+            <a:endParaRPr lang="en-US" dirty="0" smtClean="0"/>
+          </a:p>
+          <a:p>
+            <a:pPr lvl="1"/>
+            <a:r>
+              <a:rPr lang="en-US" dirty="0" err="1" smtClean="0"/>
+              <a:t>getRequestedSessionId</a:t>
+            </a:r>
+            <a:endParaRPr lang="en-US" dirty="0" smtClean="0"/>
+          </a:p>
+          <a:p>
+            <a:pPr lvl="1"/>
+            <a:r>
+              <a:rPr lang="en-US" dirty="0" err="1" smtClean="0"/>
+              <a:t>getInputStream</a:t>
+            </a:r>
+            <a:endParaRPr lang="en-US" dirty="0" smtClean="0"/>
+          </a:p>
+          <a:p>
+            <a:pPr lvl="1"/>
+            <a:r>
+              <a:rPr lang="en-US" dirty="0" err="1" smtClean="0"/>
+              <a:t>getReader</a:t>
+            </a:r>
+            <a:endParaRPr lang="en-US" dirty="0" smtClean="0"/>
+          </a:p>
+          <a:p>
+            <a:pPr marL="0" indent="0">
+              <a:buNone/>
+            </a:pPr>
+            <a:endParaRPr lang="en-US" dirty="0"/>
+          </a:p>
+        </p:txBody>
+      </p:sp>
+    </p:spTree>
+    <p:extLst>
+      <p:ext uri="{BB962C8B-B14F-4D97-AF65-F5344CB8AC3E}">
+        <p14:creationId xmlns:p14="http://schemas.microsoft.com/office/powerpoint/2010/main" val="4089346789"/>
+      </p:ext>
+    </p:extLst>
+  </p:cSld>
+  <p:clrMapOvr>
+    <a:masterClrMapping/>
+  </p:clrMapOvr>
+</p:sld>
+</file>
+
+<file path=ppt/slides/slide41.xml><?xml version="1.0" encoding="utf-8"?>
+<p:sld xmlns:a="http://schemas.openxmlformats.org/drawingml/2006/main" xmlns:r="http://schemas.openxmlformats.org/officeDocument/2006/relationships" xmlns:p="http://schemas.openxmlformats.org/presentationml/2006/main">
+  <p:cSld>
+    <p:spTree>
+      <p:nvGrpSpPr>
+        <p:cNvPr id="1" name=""/>
+        <p:cNvGrpSpPr/>
+        <p:nvPr/>
+      </p:nvGrpSpPr>
+      <p:grpSpPr>
+        <a:xfrm>
+          <a:off x="0" y="0"/>
+          <a:ext cx="0" cy="0"/>
+          <a:chOff x="0" y="0"/>
+          <a:chExt cx="0" cy="0"/>
+        </a:xfrm>
+      </p:grpSpPr>
+      <p:sp>
+        <p:nvSpPr>
+          <p:cNvPr id="2" name="Title 1"/>
+          <p:cNvSpPr>
+            <a:spLocks noGrp="1"/>
+          </p:cNvSpPr>
+          <p:nvPr>
+            <p:ph type="title"/>
+          </p:nvPr>
+        </p:nvSpPr>
+        <p:spPr>
+          <a:xfrm>
+            <a:off x="457200" y="893763"/>
+            <a:ext cx="8229600" cy="1107996"/>
+          </a:xfrm>
+        </p:spPr>
+        <p:txBody>
+          <a:bodyPr/>
+          <a:lstStyle/>
+          <a:p>
+            <a:r>
+              <a:rPr lang="en-US" dirty="0"/>
+              <a:t>Java - Session Interaction</a:t>
+            </a:r>
+            <a:br>
+              <a:rPr lang="en-US" dirty="0"/>
+            </a:br>
+            <a:endParaRPr lang="en-US" dirty="0"/>
+          </a:p>
+        </p:txBody>
+      </p:sp>
+      <p:sp>
+        <p:nvSpPr>
+          <p:cNvPr id="3" name="Content Placeholder 2"/>
+          <p:cNvSpPr>
+            <a:spLocks noGrp="1"/>
+          </p:cNvSpPr>
+          <p:nvPr>
+            <p:ph idx="1"/>
+          </p:nvPr>
+        </p:nvSpPr>
+        <p:spPr>
+          <a:xfrm>
+            <a:off x="449263" y="1598613"/>
+            <a:ext cx="8229600" cy="1938992"/>
+          </a:xfrm>
+        </p:spPr>
+        <p:txBody>
+          <a:bodyPr/>
+          <a:lstStyle/>
+          <a:p>
+            <a:r>
+              <a:rPr lang="en-US" dirty="0" err="1"/>
+              <a:t>getAttribute</a:t>
+            </a:r>
+            <a:endParaRPr lang="en-US" dirty="0"/>
+          </a:p>
+          <a:p>
+            <a:r>
+              <a:rPr lang="en-US" dirty="0" err="1"/>
+              <a:t>getValue</a:t>
+            </a:r>
+            <a:endParaRPr lang="en-US" dirty="0"/>
+          </a:p>
+          <a:p>
+            <a:r>
+              <a:rPr lang="en-US" dirty="0" err="1"/>
+              <a:t>getAttributeNames</a:t>
+            </a:r>
+            <a:endParaRPr lang="en-US" dirty="0"/>
+          </a:p>
+          <a:p>
+            <a:r>
+              <a:rPr lang="en-US" dirty="0" err="1"/>
+              <a:t>getValueNames</a:t>
+            </a:r>
+            <a:endParaRPr lang="en-US" dirty="0"/>
+          </a:p>
+        </p:txBody>
+      </p:sp>
+    </p:spTree>
+    <p:extLst>
+      <p:ext uri="{BB962C8B-B14F-4D97-AF65-F5344CB8AC3E}">
+        <p14:creationId xmlns:p14="http://schemas.microsoft.com/office/powerpoint/2010/main" val="1447222820"/>
+      </p:ext>
+    </p:extLst>
+  </p:cSld>
+  <p:clrMapOvr>
+    <a:masterClrMapping/>
+  </p:clrMapOvr>
+</p:sld>
+</file>
+
+<file path=ppt/slides/slide42.xml><?xml version="1.0" encoding="utf-8"?>
+<p:sld xmlns:a="http://schemas.openxmlformats.org/drawingml/2006/main" xmlns:r="http://schemas.openxmlformats.org/officeDocument/2006/relationships" xmlns:p="http://schemas.openxmlformats.org/presentationml/2006/main">
+  <p:cSld>
+    <p:spTree>
+      <p:nvGrpSpPr>
+        <p:cNvPr id="1" name=""/>
+        <p:cNvGrpSpPr/>
+        <p:nvPr/>
+      </p:nvGrpSpPr>
+      <p:grpSpPr>
+        <a:xfrm>
+          <a:off x="0" y="0"/>
+          <a:ext cx="0" cy="0"/>
+          <a:chOff x="0" y="0"/>
+          <a:chExt cx="0" cy="0"/>
+        </a:xfrm>
+      </p:grpSpPr>
+      <p:sp>
+        <p:nvSpPr>
+          <p:cNvPr id="2" name="Title 1"/>
+          <p:cNvSpPr>
+            <a:spLocks noGrp="1"/>
+          </p:cNvSpPr>
+          <p:nvPr>
+            <p:ph type="title"/>
+          </p:nvPr>
+        </p:nvSpPr>
+        <p:spPr>
+          <a:xfrm>
+            <a:off x="457200" y="893763"/>
+            <a:ext cx="8229600" cy="553998"/>
+          </a:xfrm>
+        </p:spPr>
+        <p:txBody>
+          <a:bodyPr/>
+          <a:lstStyle/>
+          <a:p>
+            <a:r>
+              <a:rPr lang="en-US" dirty="0" smtClean="0"/>
+              <a:t>Java Platform - Potentially Dangerous APIs</a:t>
+            </a:r>
+            <a:endParaRPr lang="en-US" dirty="0"/>
+          </a:p>
+        </p:txBody>
+      </p:sp>
+      <p:sp>
+        <p:nvSpPr>
+          <p:cNvPr id="3" name="Content Placeholder 2"/>
+          <p:cNvSpPr>
+            <a:spLocks noGrp="1"/>
+          </p:cNvSpPr>
+          <p:nvPr>
+            <p:ph idx="1"/>
+          </p:nvPr>
+        </p:nvSpPr>
+        <p:spPr>
+          <a:xfrm>
+            <a:off x="449263" y="1598613"/>
+            <a:ext cx="8229600" cy="3477875"/>
+          </a:xfrm>
+        </p:spPr>
+        <p:txBody>
+          <a:bodyPr/>
+          <a:lstStyle/>
+          <a:p>
+            <a:r>
+              <a:rPr lang="en-US" dirty="0"/>
+              <a:t>File Access</a:t>
+            </a:r>
+          </a:p>
+          <a:p>
+            <a:pPr lvl="1"/>
+            <a:r>
+              <a:rPr lang="en-US" dirty="0" err="1"/>
+              <a:t>java.io.FileInputStream</a:t>
+            </a:r>
+            <a:endParaRPr lang="en-US" dirty="0"/>
+          </a:p>
+          <a:p>
+            <a:pPr lvl="1"/>
+            <a:r>
+              <a:rPr lang="en-US" dirty="0" err="1" smtClean="0"/>
+              <a:t>java.io.FileOutputStream</a:t>
+            </a:r>
+            <a:endParaRPr lang="en-US" dirty="0"/>
+          </a:p>
+          <a:p>
+            <a:pPr lvl="1"/>
+            <a:r>
+              <a:rPr lang="en-US" dirty="0" err="1" smtClean="0"/>
+              <a:t>java.io.FileReader</a:t>
+            </a:r>
+            <a:endParaRPr lang="en-US" dirty="0"/>
+          </a:p>
+          <a:p>
+            <a:pPr lvl="1"/>
+            <a:r>
+              <a:rPr lang="en-US" dirty="0" err="1" smtClean="0"/>
+              <a:t>java.io.FileWriter</a:t>
+            </a:r>
+            <a:endParaRPr lang="en-US" dirty="0" smtClean="0"/>
+          </a:p>
+          <a:p>
+            <a:r>
+              <a:rPr lang="en-US" dirty="0"/>
+              <a:t>Database </a:t>
+            </a:r>
+            <a:r>
+              <a:rPr lang="en-US" dirty="0" smtClean="0"/>
+              <a:t>Access</a:t>
+            </a:r>
+          </a:p>
+          <a:p>
+            <a:pPr lvl="1"/>
+            <a:r>
+              <a:rPr lang="en-US" dirty="0" err="1" smtClean="0"/>
+              <a:t>java.sql.Connection.createStatement</a:t>
+            </a:r>
+            <a:endParaRPr lang="en-US" dirty="0"/>
+          </a:p>
+          <a:p>
+            <a:pPr lvl="1"/>
+            <a:r>
+              <a:rPr lang="en-US" dirty="0" err="1" smtClean="0"/>
+              <a:t>java.sql.Statement.execute</a:t>
+            </a:r>
+            <a:endParaRPr lang="en-US" dirty="0"/>
+          </a:p>
+          <a:p>
+            <a:pPr lvl="1"/>
+            <a:r>
+              <a:rPr lang="en-US" dirty="0" err="1" smtClean="0"/>
+              <a:t>java.sql.Statement.executeQuery</a:t>
+            </a:r>
+            <a:endParaRPr lang="en-US" dirty="0"/>
+          </a:p>
+        </p:txBody>
+      </p:sp>
+    </p:spTree>
+    <p:extLst>
+      <p:ext uri="{BB962C8B-B14F-4D97-AF65-F5344CB8AC3E}">
+        <p14:creationId xmlns:p14="http://schemas.microsoft.com/office/powerpoint/2010/main" val="141023517"/>
+      </p:ext>
+    </p:extLst>
+  </p:cSld>
+  <p:clrMapOvr>
+    <a:masterClrMapping/>
+  </p:clrMapOvr>
+</p:sld>
+</file>
+
+<file path=ppt/slides/slide43.xml><?xml version="1.0" encoding="utf-8"?>
+<p:sld xmlns:a="http://schemas.openxmlformats.org/drawingml/2006/main" xmlns:r="http://schemas.openxmlformats.org/officeDocument/2006/relationships" xmlns:p="http://schemas.openxmlformats.org/presentationml/2006/main">
+  <p:cSld>
+    <p:spTree>
+      <p:nvGrpSpPr>
+        <p:cNvPr id="1" name=""/>
+        <p:cNvGrpSpPr/>
+        <p:nvPr/>
+      </p:nvGrpSpPr>
+      <p:grpSpPr>
+        <a:xfrm>
+          <a:off x="0" y="0"/>
+          <a:ext cx="0" cy="0"/>
+          <a:chOff x="0" y="0"/>
+          <a:chExt cx="0" cy="0"/>
+        </a:xfrm>
+      </p:grpSpPr>
+      <p:sp>
+        <p:nvSpPr>
+          <p:cNvPr id="2" name="Title 1"/>
+          <p:cNvSpPr>
+            <a:spLocks noGrp="1"/>
+          </p:cNvSpPr>
+          <p:nvPr>
+            <p:ph type="title"/>
+          </p:nvPr>
+        </p:nvSpPr>
+        <p:spPr/>
+        <p:txBody>
+          <a:bodyPr/>
+          <a:lstStyle/>
+          <a:p>
+            <a:r>
+              <a:rPr lang="en-US" dirty="0"/>
+              <a:t>Java Platform - Potentially Dangerous APIs</a:t>
+            </a:r>
+          </a:p>
+        </p:txBody>
+      </p:sp>
+      <p:sp>
+        <p:nvSpPr>
+          <p:cNvPr id="3" name="Content Placeholder 2"/>
+          <p:cNvSpPr>
+            <a:spLocks noGrp="1"/>
+          </p:cNvSpPr>
+          <p:nvPr>
+            <p:ph idx="1"/>
+          </p:nvPr>
+        </p:nvSpPr>
+        <p:spPr>
+          <a:xfrm>
+            <a:off x="449263" y="1598613"/>
+            <a:ext cx="8229600" cy="4308872"/>
+          </a:xfrm>
+        </p:spPr>
+        <p:txBody>
+          <a:bodyPr/>
+          <a:lstStyle/>
+          <a:p>
+            <a:r>
+              <a:rPr lang="en-US" dirty="0"/>
+              <a:t>Dynamic Code Execution</a:t>
+            </a:r>
+          </a:p>
+          <a:p>
+            <a:r>
+              <a:rPr lang="en-US" dirty="0" smtClean="0"/>
+              <a:t>OS </a:t>
+            </a:r>
+            <a:r>
+              <a:rPr lang="en-US" dirty="0"/>
+              <a:t>Command </a:t>
+            </a:r>
+            <a:r>
+              <a:rPr lang="en-US" dirty="0" smtClean="0"/>
+              <a:t>Execution</a:t>
+            </a:r>
+          </a:p>
+          <a:p>
+            <a:pPr lvl="1"/>
+            <a:r>
+              <a:rPr lang="en-US" dirty="0" err="1" smtClean="0"/>
+              <a:t>java.lang.runtime.Runtime.getRuntime</a:t>
+            </a:r>
+            <a:endParaRPr lang="en-US" dirty="0"/>
+          </a:p>
+          <a:p>
+            <a:pPr lvl="1"/>
+            <a:r>
+              <a:rPr lang="en-US" dirty="0" err="1" smtClean="0"/>
+              <a:t>java.lang.runtime.Runtime.exec</a:t>
+            </a:r>
+            <a:endParaRPr lang="en-US" dirty="0" smtClean="0"/>
+          </a:p>
+          <a:p>
+            <a:r>
+              <a:rPr lang="en-US" dirty="0" smtClean="0"/>
+              <a:t>Sockets</a:t>
+            </a:r>
+          </a:p>
+          <a:p>
+            <a:pPr lvl="1"/>
+            <a:r>
+              <a:rPr lang="en-US" dirty="0"/>
+              <a:t> </a:t>
+            </a:r>
+            <a:r>
+              <a:rPr lang="en-US" dirty="0" err="1"/>
+              <a:t>java.net.Socket</a:t>
+            </a:r>
+            <a:r>
+              <a:rPr lang="en-US" dirty="0"/>
+              <a:t> </a:t>
+            </a:r>
+          </a:p>
+          <a:p>
+            <a:r>
+              <a:rPr lang="en-US" dirty="0" smtClean="0"/>
+              <a:t>URL Redirection</a:t>
+            </a:r>
+          </a:p>
+          <a:p>
+            <a:pPr lvl="1"/>
+            <a:r>
+              <a:rPr lang="en-US" dirty="0" err="1"/>
+              <a:t>javax.servlet.http.HttpServletResponse.sendRedirect</a:t>
+            </a:r>
+            <a:endParaRPr lang="en-US" dirty="0"/>
+          </a:p>
+          <a:p>
+            <a:pPr lvl="1"/>
+            <a:r>
+              <a:rPr lang="en-US" dirty="0" err="1" smtClean="0"/>
+              <a:t>javax.servlet.http.HttpServletResponse.setStatus</a:t>
+            </a:r>
+            <a:endParaRPr lang="en-US" dirty="0"/>
+          </a:p>
+          <a:p>
+            <a:pPr lvl="1"/>
+            <a:r>
+              <a:rPr lang="en-US" dirty="0" err="1" smtClean="0"/>
+              <a:t>javax.servlet.http.HttpServletResponse.addHeader</a:t>
+            </a:r>
+            <a:endParaRPr lang="en-US" dirty="0"/>
+          </a:p>
+        </p:txBody>
+      </p:sp>
+    </p:spTree>
+    <p:extLst>
+      <p:ext uri="{BB962C8B-B14F-4D97-AF65-F5344CB8AC3E}">
+        <p14:creationId xmlns:p14="http://schemas.microsoft.com/office/powerpoint/2010/main" val="3694006805"/>
+      </p:ext>
+    </p:extLst>
+  </p:cSld>
+  <p:clrMapOvr>
+    <a:masterClrMapping/>
+  </p:clrMapOvr>
+</p:sld>
+</file>
+
+<file path=ppt/slides/slide44.xml><?xml version="1.0" encoding="utf-8"?>
+<p:sld xmlns:a="http://schemas.openxmlformats.org/drawingml/2006/main" xmlns:r="http://schemas.openxmlformats.org/officeDocument/2006/relationships" xmlns:p="http://schemas.openxmlformats.org/presentationml/2006/main">
+  <p:cSld>
+    <p:spTree>
+      <p:nvGrpSpPr>
+        <p:cNvPr id="1" name=""/>
+        <p:cNvGrpSpPr/>
+        <p:nvPr/>
+      </p:nvGrpSpPr>
+      <p:grpSpPr>
+        <a:xfrm>
+          <a:off x="0" y="0"/>
+          <a:ext cx="0" cy="0"/>
+          <a:chOff x="0" y="0"/>
+          <a:chExt cx="0" cy="0"/>
+        </a:xfrm>
+      </p:grpSpPr>
+      <p:sp>
+        <p:nvSpPr>
+          <p:cNvPr id="2" name="Title 1"/>
+          <p:cNvSpPr>
+            <a:spLocks noGrp="1"/>
+          </p:cNvSpPr>
+          <p:nvPr>
+            <p:ph type="title"/>
+          </p:nvPr>
+        </p:nvSpPr>
+        <p:spPr/>
+        <p:txBody>
+          <a:bodyPr/>
+          <a:lstStyle/>
+          <a:p>
+            <a:r>
+              <a:rPr lang="en-US" dirty="0" smtClean="0"/>
+              <a:t>ASP.NET- </a:t>
+            </a:r>
+            <a:r>
+              <a:rPr lang="en-US" dirty="0"/>
+              <a:t>Identifying User-Supplied Data</a:t>
+            </a:r>
+            <a:r>
+              <a:rPr lang="en-US" dirty="0" smtClean="0"/>
+              <a:t> </a:t>
+            </a:r>
+            <a:endParaRPr lang="en-US" dirty="0"/>
+          </a:p>
+        </p:txBody>
+      </p:sp>
+      <p:sp>
+        <p:nvSpPr>
+          <p:cNvPr id="3" name="Content Placeholder 2"/>
+          <p:cNvSpPr>
+            <a:spLocks noGrp="1"/>
+          </p:cNvSpPr>
+          <p:nvPr>
+            <p:ph idx="1"/>
+          </p:nvPr>
+        </p:nvSpPr>
+        <p:spPr>
+          <a:xfrm>
+            <a:off x="449263" y="1598613"/>
+            <a:ext cx="8229600" cy="4524315"/>
+          </a:xfrm>
+        </p:spPr>
+        <p:txBody>
+          <a:bodyPr/>
+          <a:lstStyle/>
+          <a:p>
+            <a:pPr lvl="1"/>
+            <a:r>
+              <a:rPr lang="vi-VN" dirty="0" smtClean="0"/>
+              <a:t>Params</a:t>
+            </a:r>
+            <a:endParaRPr lang="vi-VN" dirty="0"/>
+          </a:p>
+          <a:p>
+            <a:pPr lvl="1"/>
+            <a:r>
+              <a:rPr lang="vi-VN" dirty="0" smtClean="0"/>
+              <a:t>Item</a:t>
+            </a:r>
+          </a:p>
+          <a:p>
+            <a:pPr lvl="1"/>
+            <a:r>
+              <a:rPr lang="vi-VN" dirty="0" smtClean="0"/>
+              <a:t>Form </a:t>
+            </a:r>
+          </a:p>
+          <a:p>
+            <a:pPr lvl="1"/>
+            <a:r>
+              <a:rPr lang="vi-VN" dirty="0" smtClean="0"/>
+              <a:t>QueryString ServerVariables Headers</a:t>
+            </a:r>
+          </a:p>
+          <a:p>
+            <a:pPr lvl="1"/>
+            <a:r>
+              <a:rPr lang="vi-VN" dirty="0" smtClean="0"/>
+              <a:t>Url</a:t>
+            </a:r>
+          </a:p>
+          <a:p>
+            <a:pPr lvl="1"/>
+            <a:r>
+              <a:rPr lang="vi-VN" dirty="0" smtClean="0"/>
+              <a:t>RawUrl</a:t>
+            </a:r>
+            <a:endParaRPr lang="vi-VN" dirty="0"/>
+          </a:p>
+          <a:p>
+            <a:pPr lvl="1"/>
+            <a:r>
+              <a:rPr lang="vi-VN" dirty="0" smtClean="0"/>
+              <a:t>UrlReferrer</a:t>
+            </a:r>
+          </a:p>
+          <a:p>
+            <a:pPr lvl="1"/>
+            <a:r>
+              <a:rPr lang="vi-VN" dirty="0" smtClean="0"/>
+              <a:t>Cookies InputStream</a:t>
+            </a:r>
+            <a:endParaRPr lang="vi-VN" dirty="0"/>
+          </a:p>
+          <a:p>
+            <a:pPr lvl="1"/>
+            <a:r>
+              <a:rPr lang="vi-VN" dirty="0"/>
+              <a:t>BinaryRead</a:t>
+            </a:r>
+          </a:p>
+          <a:p>
+            <a:pPr lvl="1"/>
+            <a:r>
+              <a:rPr lang="vi-VN" dirty="0" smtClean="0"/>
+              <a:t>Browser</a:t>
+            </a:r>
+            <a:endParaRPr lang="vi-VN" dirty="0"/>
+          </a:p>
+          <a:p>
+            <a:pPr lvl="1"/>
+            <a:r>
+              <a:rPr lang="vi-VN" dirty="0"/>
+              <a:t>UserAgent</a:t>
+            </a:r>
+          </a:p>
+          <a:p>
+            <a:pPr lvl="1"/>
+            <a:r>
+              <a:rPr lang="vi-VN" dirty="0" smtClean="0"/>
+              <a:t>UserLanguages</a:t>
+            </a:r>
+            <a:endParaRPr lang="en-US" dirty="0"/>
+          </a:p>
+        </p:txBody>
+      </p:sp>
+    </p:spTree>
+    <p:extLst>
+      <p:ext uri="{BB962C8B-B14F-4D97-AF65-F5344CB8AC3E}">
+        <p14:creationId xmlns:p14="http://schemas.microsoft.com/office/powerpoint/2010/main" val="1780019281"/>
+      </p:ext>
+    </p:extLst>
+  </p:cSld>
+  <p:clrMapOvr>
+    <a:masterClrMapping/>
+  </p:clrMapOvr>
+</p:sld>
+</file>
+
+<file path=ppt/slides/slide45.xml><?xml version="1.0" encoding="utf-8"?>
+<p:sld xmlns:a="http://schemas.openxmlformats.org/drawingml/2006/main" xmlns:r="http://schemas.openxmlformats.org/officeDocument/2006/relationships" xmlns:p="http://schemas.openxmlformats.org/presentationml/2006/main">
+  <p:cSld>
+    <p:spTree>
+      <p:nvGrpSpPr>
+        <p:cNvPr id="1" name=""/>
+        <p:cNvGrpSpPr/>
+        <p:nvPr/>
+      </p:nvGrpSpPr>
+      <p:grpSpPr>
+        <a:xfrm>
+          <a:off x="0" y="0"/>
+          <a:ext cx="0" cy="0"/>
+          <a:chOff x="0" y="0"/>
+          <a:chExt cx="0" cy="0"/>
+        </a:xfrm>
+      </p:grpSpPr>
+      <p:sp>
+        <p:nvSpPr>
+          <p:cNvPr id="2" name="Title 1"/>
+          <p:cNvSpPr>
+            <a:spLocks noGrp="1"/>
+          </p:cNvSpPr>
+          <p:nvPr>
+            <p:ph type="title"/>
+          </p:nvPr>
+        </p:nvSpPr>
+        <p:spPr/>
+        <p:txBody>
+          <a:bodyPr/>
+          <a:lstStyle/>
+          <a:p>
+            <a:r>
+              <a:rPr lang="en-US" dirty="0" smtClean="0"/>
+              <a:t>ASP.NET- </a:t>
+            </a:r>
+            <a:r>
+              <a:rPr lang="en-US" dirty="0"/>
+              <a:t>Potentially Dangerous APIs</a:t>
+            </a:r>
+          </a:p>
+        </p:txBody>
+      </p:sp>
+      <p:sp>
+        <p:nvSpPr>
+          <p:cNvPr id="3" name="Content Placeholder 2"/>
+          <p:cNvSpPr>
+            <a:spLocks noGrp="1"/>
+          </p:cNvSpPr>
+          <p:nvPr>
+            <p:ph idx="1"/>
+          </p:nvPr>
+        </p:nvSpPr>
+        <p:spPr>
+          <a:xfrm>
+            <a:off x="449263" y="1598613"/>
+            <a:ext cx="8229600" cy="4893647"/>
+          </a:xfrm>
+        </p:spPr>
+        <p:txBody>
+          <a:bodyPr/>
+          <a:lstStyle/>
+          <a:p>
+            <a:r>
+              <a:rPr lang="en-US" dirty="0"/>
+              <a:t>File </a:t>
+            </a:r>
+            <a:r>
+              <a:rPr lang="en-US" dirty="0" smtClean="0"/>
+              <a:t>Access</a:t>
+            </a:r>
+          </a:p>
+          <a:p>
+            <a:pPr lvl="1"/>
+            <a:r>
+              <a:rPr lang="en-US" dirty="0" err="1"/>
+              <a:t>System.IO.FileStream</a:t>
+            </a:r>
+            <a:endParaRPr lang="en-US" dirty="0"/>
+          </a:p>
+          <a:p>
+            <a:pPr lvl="1"/>
+            <a:r>
+              <a:rPr lang="en-US" dirty="0" err="1" smtClean="0"/>
+              <a:t>System.IO.StreamReader</a:t>
+            </a:r>
+            <a:endParaRPr lang="en-US" dirty="0"/>
+          </a:p>
+          <a:p>
+            <a:pPr lvl="1"/>
+            <a:r>
+              <a:rPr lang="en-US" dirty="0" err="1" smtClean="0"/>
+              <a:t>System.IO.StreamWriter</a:t>
+            </a:r>
+            <a:endParaRPr lang="en-US" dirty="0" smtClean="0"/>
+          </a:p>
+          <a:p>
+            <a:r>
+              <a:rPr lang="en-US" dirty="0" smtClean="0"/>
+              <a:t>Sockets</a:t>
+            </a:r>
+          </a:p>
+          <a:p>
+            <a:pPr lvl="1"/>
+            <a:r>
+              <a:rPr lang="en-US" dirty="0" err="1"/>
+              <a:t>System.Net.Sockets.Socket</a:t>
+            </a:r>
+            <a:endParaRPr lang="en-US" dirty="0"/>
+          </a:p>
+          <a:p>
+            <a:r>
+              <a:rPr lang="en-US" dirty="0" smtClean="0"/>
+              <a:t>Database Access</a:t>
+            </a:r>
+          </a:p>
+          <a:p>
+            <a:pPr lvl="1"/>
+            <a:r>
+              <a:rPr lang="en-US" dirty="0" err="1" smtClean="0"/>
+              <a:t>System.Data.SqlClient.SqlCommand</a:t>
+            </a:r>
+            <a:endParaRPr lang="en-US" dirty="0"/>
+          </a:p>
+          <a:p>
+            <a:pPr lvl="1"/>
+            <a:r>
+              <a:rPr lang="en-US" dirty="0" err="1" smtClean="0"/>
+              <a:t>System.Data.SqlClient.SqlDataAdapter</a:t>
+            </a:r>
+            <a:endParaRPr lang="en-US" dirty="0"/>
+          </a:p>
+          <a:p>
+            <a:pPr lvl="1"/>
+            <a:r>
+              <a:rPr lang="en-US" dirty="0" err="1" smtClean="0"/>
+              <a:t>System.Data.Oledb.OleDbCommand</a:t>
+            </a:r>
+            <a:endParaRPr lang="en-US" dirty="0"/>
+          </a:p>
+          <a:p>
+            <a:pPr lvl="1"/>
+            <a:r>
+              <a:rPr lang="en-US" dirty="0" err="1" smtClean="0"/>
+              <a:t>System.Data.Odbc.OdbcCommand</a:t>
+            </a:r>
+            <a:endParaRPr lang="en-US" dirty="0"/>
+          </a:p>
+          <a:p>
+            <a:pPr lvl="1"/>
+            <a:r>
+              <a:rPr lang="en-US" dirty="0" err="1" smtClean="0"/>
+              <a:t>System.Data.SqlServerCe.SqlCeCommand</a:t>
+            </a:r>
+            <a:endParaRPr lang="en-US" dirty="0"/>
+          </a:p>
+        </p:txBody>
+      </p:sp>
+    </p:spTree>
+    <p:extLst>
+      <p:ext uri="{BB962C8B-B14F-4D97-AF65-F5344CB8AC3E}">
+        <p14:creationId xmlns:p14="http://schemas.microsoft.com/office/powerpoint/2010/main" val="3480463037"/>
+      </p:ext>
+    </p:extLst>
+  </p:cSld>
+  <p:clrMapOvr>
+    <a:masterClrMapping/>
+  </p:clrMapOvr>
+</p:sld>
+</file>
+
+<file path=ppt/slides/slide46.xml><?xml version="1.0" encoding="utf-8"?>
+<p:sld xmlns:a="http://schemas.openxmlformats.org/drawingml/2006/main" xmlns:r="http://schemas.openxmlformats.org/officeDocument/2006/relationships" xmlns:p="http://schemas.openxmlformats.org/presentationml/2006/main">
+  <p:cSld>
+    <p:spTree>
+      <p:nvGrpSpPr>
+        <p:cNvPr id="1" name=""/>
+        <p:cNvGrpSpPr/>
+        <p:nvPr/>
+      </p:nvGrpSpPr>
+      <p:grpSpPr>
+        <a:xfrm>
+          <a:off x="0" y="0"/>
+          <a:ext cx="0" cy="0"/>
+          <a:chOff x="0" y="0"/>
+          <a:chExt cx="0" cy="0"/>
+        </a:xfrm>
+      </p:grpSpPr>
+      <p:sp>
+        <p:nvSpPr>
+          <p:cNvPr id="2" name="Title 1"/>
+          <p:cNvSpPr>
+            <a:spLocks noGrp="1"/>
+          </p:cNvSpPr>
+          <p:nvPr>
+            <p:ph type="title"/>
+          </p:nvPr>
+        </p:nvSpPr>
+        <p:spPr/>
+        <p:txBody>
+          <a:bodyPr/>
+          <a:lstStyle/>
+          <a:p>
+            <a:r>
+              <a:rPr lang="en-US" dirty="0"/>
+              <a:t>ASP.NET- Potentially Dangerous APIs</a:t>
+            </a:r>
+          </a:p>
+        </p:txBody>
+      </p:sp>
+      <p:sp>
+        <p:nvSpPr>
+          <p:cNvPr id="3" name="Content Placeholder 2"/>
+          <p:cNvSpPr>
+            <a:spLocks noGrp="1"/>
+          </p:cNvSpPr>
+          <p:nvPr>
+            <p:ph idx="1"/>
+          </p:nvPr>
+        </p:nvSpPr>
+        <p:spPr>
+          <a:xfrm>
+            <a:off x="449263" y="1598613"/>
+            <a:ext cx="8229600" cy="4739759"/>
+          </a:xfrm>
+        </p:spPr>
+        <p:txBody>
+          <a:bodyPr/>
+          <a:lstStyle/>
+          <a:p>
+            <a:r>
+              <a:rPr lang="en-US" dirty="0"/>
+              <a:t>Dynamic Code </a:t>
+            </a:r>
+            <a:r>
+              <a:rPr lang="en-US" dirty="0" smtClean="0"/>
+              <a:t>Execution</a:t>
+            </a:r>
+          </a:p>
+          <a:p>
+            <a:pPr lvl="1"/>
+            <a:r>
+              <a:rPr lang="en-US" dirty="0" err="1" smtClean="0"/>
+              <a:t>Eval</a:t>
+            </a:r>
+            <a:r>
+              <a:rPr lang="en-US" dirty="0"/>
+              <a:t>, Execute, </a:t>
+            </a:r>
+            <a:r>
+              <a:rPr lang="en-US" dirty="0" err="1"/>
+              <a:t>ExecuteGlobal</a:t>
+            </a:r>
+            <a:endParaRPr lang="en-US" dirty="0"/>
+          </a:p>
+          <a:p>
+            <a:r>
+              <a:rPr lang="en-US" dirty="0"/>
+              <a:t>OS Command </a:t>
+            </a:r>
+            <a:r>
+              <a:rPr lang="en-US" dirty="0" smtClean="0"/>
+              <a:t>Execution</a:t>
+            </a:r>
+          </a:p>
+          <a:p>
+            <a:pPr lvl="1"/>
+            <a:r>
+              <a:rPr lang="en-US" dirty="0" err="1" smtClean="0"/>
+              <a:t>System.Diagnostics.Start.Process</a:t>
+            </a:r>
+            <a:endParaRPr lang="en-US" dirty="0"/>
+          </a:p>
+          <a:p>
+            <a:pPr lvl="1"/>
+            <a:r>
+              <a:rPr lang="en-US" dirty="0" err="1" smtClean="0"/>
+              <a:t>System.Diagnostics.Start.ProcessStartInfo</a:t>
+            </a:r>
+            <a:endParaRPr lang="en-US" dirty="0" smtClean="0"/>
+          </a:p>
+          <a:p>
+            <a:r>
+              <a:rPr lang="en-US" dirty="0"/>
+              <a:t>URL </a:t>
+            </a:r>
+            <a:r>
+              <a:rPr lang="en-US" dirty="0" smtClean="0"/>
+              <a:t>Redirection</a:t>
+            </a:r>
+          </a:p>
+          <a:p>
+            <a:pPr lvl="1"/>
+            <a:r>
+              <a:rPr lang="en-US" dirty="0" err="1" smtClean="0"/>
+              <a:t>System.Web.HttpResponse.Redirect</a:t>
+            </a:r>
+            <a:endParaRPr lang="en-US" dirty="0"/>
+          </a:p>
+          <a:p>
+            <a:pPr lvl="1"/>
+            <a:r>
+              <a:rPr lang="en-US" dirty="0" err="1" smtClean="0"/>
+              <a:t>System.Web.HttpResponse.Status</a:t>
+            </a:r>
+            <a:endParaRPr lang="en-US" dirty="0"/>
+          </a:p>
+          <a:p>
+            <a:pPr lvl="1"/>
+            <a:r>
+              <a:rPr lang="en-US" dirty="0" err="1" smtClean="0"/>
+              <a:t>System.Web.HttpResponse.StatusCode</a:t>
+            </a:r>
+            <a:endParaRPr lang="en-US" dirty="0"/>
+          </a:p>
+          <a:p>
+            <a:pPr lvl="1"/>
+            <a:r>
+              <a:rPr lang="en-US" dirty="0" err="1" smtClean="0"/>
+              <a:t>System.Web.HttpResponse.AddHeader</a:t>
+            </a:r>
+            <a:endParaRPr lang="en-US" dirty="0"/>
+          </a:p>
+          <a:p>
+            <a:pPr lvl="1"/>
+            <a:r>
+              <a:rPr lang="en-US" dirty="0" err="1" smtClean="0"/>
+              <a:t>System.Web.HttpResponse.AppendHeader</a:t>
+            </a:r>
+            <a:endParaRPr lang="en-US" dirty="0"/>
+          </a:p>
+          <a:p>
+            <a:pPr lvl="1"/>
+            <a:r>
+              <a:rPr lang="en-US" dirty="0" err="1" smtClean="0"/>
+              <a:t>Server.Transfer</a:t>
+            </a:r>
+            <a:endParaRPr lang="en-US" dirty="0"/>
+          </a:p>
+        </p:txBody>
+      </p:sp>
+    </p:spTree>
+    <p:extLst>
+      <p:ext uri="{BB962C8B-B14F-4D97-AF65-F5344CB8AC3E}">
+        <p14:creationId xmlns:p14="http://schemas.microsoft.com/office/powerpoint/2010/main" val="1730317530"/>
+      </p:ext>
+    </p:extLst>
+  </p:cSld>
+  <p:clrMapOvr>
+    <a:masterClrMapping/>
+  </p:clrMapOvr>
+</p:sld>
+</file>
+
+<file path=ppt/slides/slide47.xml><?xml version="1.0" encoding="utf-8"?>
+<p:sld xmlns:a="http://schemas.openxmlformats.org/drawingml/2006/main" xmlns:r="http://schemas.openxmlformats.org/officeDocument/2006/relationships" xmlns:p="http://schemas.openxmlformats.org/presentationml/2006/main">
+  <p:cSld>
+    <p:spTree>
+      <p:nvGrpSpPr>
+        <p:cNvPr id="1" name=""/>
+        <p:cNvGrpSpPr/>
+        <p:nvPr/>
+      </p:nvGrpSpPr>
+      <p:grpSpPr>
+        <a:xfrm>
+          <a:off x="0" y="0"/>
+          <a:ext cx="0" cy="0"/>
+          <a:chOff x="0" y="0"/>
+          <a:chExt cx="0" cy="0"/>
+        </a:xfrm>
+      </p:grpSpPr>
+      <p:sp>
+        <p:nvSpPr>
+          <p:cNvPr id="4" name="Title 3"/>
+          <p:cNvSpPr>
+            <a:spLocks noGrp="1"/>
+          </p:cNvSpPr>
+          <p:nvPr>
+            <p:ph type="title"/>
+          </p:nvPr>
+        </p:nvSpPr>
+        <p:spPr>
+          <a:xfrm>
+            <a:off x="436563" y="3121818"/>
+            <a:ext cx="8026400" cy="738664"/>
+          </a:xfrm>
+        </p:spPr>
+        <p:txBody>
+          <a:bodyPr/>
+          <a:lstStyle/>
+          <a:p>
+            <a:pPr lvl="0"/>
+            <a:r>
+              <a:rPr lang="en-US" dirty="0"/>
+              <a:t>Tools for Code </a:t>
+            </a:r>
+            <a:r>
+              <a:rPr lang="en-US" dirty="0" smtClean="0"/>
+              <a:t>Review</a:t>
+            </a:r>
+            <a:endParaRPr lang="en-US" dirty="0"/>
+          </a:p>
+        </p:txBody>
+      </p:sp>
+    </p:spTree>
+    <p:extLst>
+      <p:ext uri="{BB962C8B-B14F-4D97-AF65-F5344CB8AC3E}">
+        <p14:creationId xmlns:p14="http://schemas.microsoft.com/office/powerpoint/2010/main" val="2661752966"/>
+      </p:ext>
+    </p:extLst>
+  </p:cSld>
+  <p:clrMapOvr>
+    <a:masterClrMapping/>
+  </p:clrMapOvr>
+  <p:timing>
+    <p:tnLst>
+      <p:par>
+        <p:cTn id="1" dur="indefinite" restart="never" nodeType="tmRoot"/>
+      </p:par>
+    </p:tnLst>
+  </p:timing>
+</p:sld>
+</file>
+
+<file path=ppt/slides/slide48.xml><?xml version="1.0" encoding="utf-8"?>
+<p:sld xmlns:a="http://schemas.openxmlformats.org/drawingml/2006/main" xmlns:r="http://schemas.openxmlformats.org/officeDocument/2006/relationships" xmlns:p="http://schemas.openxmlformats.org/presentationml/2006/main">
+  <p:cSld>
+    <p:spTree>
+      <p:nvGrpSpPr>
+        <p:cNvPr id="1" name=""/>
+        <p:cNvGrpSpPr/>
+        <p:nvPr/>
+      </p:nvGrpSpPr>
+      <p:grpSpPr>
+        <a:xfrm>
+          <a:off x="0" y="0"/>
+          <a:ext cx="0" cy="0"/>
+          <a:chOff x="0" y="0"/>
+          <a:chExt cx="0" cy="0"/>
+        </a:xfrm>
+      </p:grpSpPr>
+      <p:sp>
+        <p:nvSpPr>
+          <p:cNvPr id="2" name="Title 1"/>
+          <p:cNvSpPr>
+            <a:spLocks noGrp="1"/>
+          </p:cNvSpPr>
+          <p:nvPr>
+            <p:ph type="title"/>
+          </p:nvPr>
+        </p:nvSpPr>
+        <p:spPr/>
+        <p:txBody>
+          <a:bodyPr/>
+          <a:lstStyle/>
+          <a:p>
+            <a:r>
+              <a:rPr lang="en-US" dirty="0"/>
+              <a:t>Tools for Code Review</a:t>
+            </a:r>
+            <a:endParaRPr lang="en-US" dirty="0"/>
+          </a:p>
+        </p:txBody>
+      </p:sp>
+      <p:sp>
+        <p:nvSpPr>
+          <p:cNvPr id="3" name="Content Placeholder 2"/>
+          <p:cNvSpPr>
+            <a:spLocks noGrp="1"/>
+          </p:cNvSpPr>
+          <p:nvPr>
+            <p:ph idx="1"/>
+          </p:nvPr>
+        </p:nvSpPr>
+        <p:spPr>
+          <a:xfrm>
+            <a:off x="449263" y="1598613"/>
+            <a:ext cx="8229600" cy="2893100"/>
+          </a:xfrm>
+        </p:spPr>
+        <p:txBody>
+          <a:bodyPr/>
+          <a:lstStyle/>
+          <a:p>
+            <a:r>
+              <a:rPr lang="en-US" dirty="0"/>
+              <a:t>Code </a:t>
+            </a:r>
+            <a:r>
+              <a:rPr lang="en-US" dirty="0" smtClean="0"/>
+              <a:t>Browsing</a:t>
+            </a:r>
+          </a:p>
+          <a:p>
+            <a:pPr lvl="1"/>
+            <a:r>
+              <a:rPr lang="en-US" dirty="0" smtClean="0"/>
+              <a:t>Support languages </a:t>
+            </a:r>
+            <a:endParaRPr lang="en-US" dirty="0"/>
+          </a:p>
+          <a:p>
+            <a:pPr lvl="1"/>
+            <a:r>
+              <a:rPr lang="en-US" dirty="0" smtClean="0"/>
+              <a:t>Understands </a:t>
+            </a:r>
+            <a:r>
+              <a:rPr lang="en-US" dirty="0"/>
+              <a:t>the code </a:t>
+            </a:r>
+            <a:r>
+              <a:rPr lang="en-US" dirty="0" smtClean="0"/>
+              <a:t>constructs: IDE</a:t>
+            </a:r>
+          </a:p>
+          <a:p>
+            <a:r>
+              <a:rPr lang="en-US" dirty="0" smtClean="0"/>
+              <a:t>Search </a:t>
+            </a:r>
+            <a:r>
+              <a:rPr lang="en-US" dirty="0"/>
+              <a:t>Pattern Tool:</a:t>
+            </a:r>
+          </a:p>
+          <a:p>
+            <a:pPr lvl="1"/>
+            <a:r>
+              <a:rPr lang="en-US" dirty="0"/>
+              <a:t>Lightweight Editor: Notepad++, </a:t>
+            </a:r>
+            <a:r>
+              <a:rPr lang="en-US" dirty="0" smtClean="0"/>
+              <a:t>Sublime</a:t>
+            </a:r>
+          </a:p>
+          <a:p>
+            <a:pPr lvl="1"/>
+            <a:r>
+              <a:rPr lang="en-US" dirty="0" smtClean="0"/>
+              <a:t>Support Regex</a:t>
+            </a:r>
+          </a:p>
+          <a:p>
+            <a:r>
+              <a:rPr lang="en-US" dirty="0" smtClean="0"/>
+              <a:t>Drink ???</a:t>
+            </a:r>
+            <a:endParaRPr lang="en-US" dirty="0"/>
+          </a:p>
+        </p:txBody>
+      </p:sp>
+    </p:spTree>
+    <p:extLst>
+      <p:ext uri="{BB962C8B-B14F-4D97-AF65-F5344CB8AC3E}">
+        <p14:creationId xmlns:p14="http://schemas.microsoft.com/office/powerpoint/2010/main" val="384796486"/>
+      </p:ext>
+    </p:extLst>
+  </p:cSld>
+  <p:clrMapOvr>
+    <a:masterClrMapping/>
+  </p:clrMapOvr>
+  <p:timing>
+    <p:tnLst>
+      <p:par>
+        <p:cTn id="1" dur="indefinite" restart="never" nodeType="tmRoot"/>
+      </p:par>
+    </p:tnLst>
+  </p:timing>
+</p:sld>
+</file>
+
+<file path=ppt/slides/slide49.xml><?xml version="1.0" encoding="utf-8"?>
+<p:sld xmlns:a="http://schemas.openxmlformats.org/drawingml/2006/main" xmlns:r="http://schemas.openxmlformats.org/officeDocument/2006/relationships" xmlns:p="http://schemas.openxmlformats.org/presentationml/2006/main">
+  <p:cSld>
+    <p:spTree>
+      <p:nvGrpSpPr>
+        <p:cNvPr id="1" name=""/>
+        <p:cNvGrpSpPr/>
+        <p:nvPr/>
+      </p:nvGrpSpPr>
+      <p:grpSpPr>
+        <a:xfrm>
+          <a:off x="0" y="0"/>
+          <a:ext cx="0" cy="0"/>
+          <a:chOff x="0" y="0"/>
+          <a:chExt cx="0" cy="0"/>
+        </a:xfrm>
+      </p:grpSpPr>
+      <p:sp>
+        <p:nvSpPr>
+          <p:cNvPr id="26626" name="Title 1"/>
+          <p:cNvSpPr>
+            <a:spLocks noGrp="1"/>
+          </p:cNvSpPr>
+          <p:nvPr>
+            <p:ph type="title"/>
+          </p:nvPr>
+        </p:nvSpPr>
+        <p:spPr/>
+        <p:txBody>
+          <a:bodyPr/>
+          <a:lstStyle/>
+          <a:p>
+            <a:r>
+              <a:rPr lang="en-US" smtClean="0"/>
+              <a:t>Questions?</a:t>
+            </a:r>
+            <a:endParaRPr lang="en-US" dirty="0" smtClean="0"/>
+          </a:p>
+        </p:txBody>
+      </p:sp>
+      <p:pic>
+        <p:nvPicPr>
+          <p:cNvPr id="7" name="Picture 2" descr="C:\Users\shernan\AppData\Local\Microsoft\Windows\Temporary Internet Files\Content.IE5\ZB0MPM8Y\MCj04042630000[1].wmf"/>
+          <p:cNvPicPr>
+            <a:picLocks noChangeAspect="1" noChangeArrowheads="1"/>
+          </p:cNvPicPr>
+          <p:nvPr/>
+        </p:nvPicPr>
+        <p:blipFill>
+          <a:blip r:embed="rId3" cstate="print"/>
+          <a:srcRect/>
+          <a:stretch>
+            <a:fillRect/>
+          </a:stretch>
+        </p:blipFill>
+        <p:spPr bwMode="auto">
+          <a:xfrm>
+            <a:off x="2737749" y="1591503"/>
+            <a:ext cx="3663051" cy="4367085"/>
+          </a:xfrm>
+          <a:prstGeom prst="rect">
+            <a:avLst/>
+          </a:prstGeom>
+          <a:noFill/>
+          <a:ln w="9525">
+            <a:noFill/>
+            <a:miter lim="800000"/>
+            <a:headEnd/>
+            <a:tailEnd/>
+          </a:ln>
+        </p:spPr>
+      </p:pic>
+    </p:spTree>
+    <p:extLst>
+      <p:ext uri="{BB962C8B-B14F-4D97-AF65-F5344CB8AC3E}">
+        <p14:creationId xmlns:p14="http://schemas.microsoft.com/office/powerpoint/2010/main" val="1104416198"/>
+      </p:ext>
+    </p:extLst>
+  </p:cSld>
+  <p:clrMapOvr>
+    <a:masterClrMapping/>
+  </p:clrMapOvr>
+  <p:transition>
+    <p:wipe dir="r"/>
+  </p:transition>
+  <p:timing>
+    <p:tnLst>
+      <p:par>
+        <p:cTn id="1" dur="indefinite" restart="never" nodeType="tmRoot"/>
+      </p:par>
+    </p:tnLst>
+  </p:timing>
+</p:sld>
+</file>
+
+<file path=ppt/slides/slide5.xml><?xml version="1.0" encoding="utf-8"?>
+<p:sld xmlns:a="http://schemas.openxmlformats.org/drawingml/2006/main" xmlns:r="http://schemas.openxmlformats.org/officeDocument/2006/relationships" xmlns:p="http://schemas.openxmlformats.org/presentationml/2006/main">
+  <p:cSld>
+    <p:spTree>
+      <p:nvGrpSpPr>
+        <p:cNvPr id="1" name=""/>
+        <p:cNvGrpSpPr/>
+        <p:nvPr/>
+      </p:nvGrpSpPr>
+      <p:grpSpPr>
+        <a:xfrm>
+          <a:off x="0" y="0"/>
+          <a:ext cx="0" cy="0"/>
+          <a:chOff x="0" y="0"/>
+          <a:chExt cx="0" cy="0"/>
+        </a:xfrm>
+      </p:grpSpPr>
+      <p:sp>
+        <p:nvSpPr>
+          <p:cNvPr id="2" name="Title 1"/>
+          <p:cNvSpPr>
+            <a:spLocks noGrp="1"/>
+          </p:cNvSpPr>
+          <p:nvPr>
+            <p:ph type="title"/>
+          </p:nvPr>
+        </p:nvSpPr>
+        <p:spPr/>
+        <p:txBody>
+          <a:bodyPr/>
+          <a:lstStyle/>
+          <a:p>
+            <a:r>
+              <a:rPr lang="en-US" dirty="0"/>
+              <a:t>Impact Analysis</a:t>
+            </a:r>
+          </a:p>
+        </p:txBody>
+      </p:sp>
+      <p:pic>
+        <p:nvPicPr>
+          <p:cNvPr id="4098" name="Picture 2"/>
+          <p:cNvPicPr>
+            <a:picLocks noGrp="1" noChangeAspect="1" noChangeArrowheads="1"/>
+          </p:cNvPicPr>
+          <p:nvPr>
+            <p:ph idx="1"/>
+          </p:nvPr>
+        </p:nvPicPr>
+        <p:blipFill>
+          <a:blip r:embed="rId2">
+            <a:extLst>
+              <a:ext uri="{28A0092B-C50C-407E-A947-70E740481C1C}">
+                <a14:useLocalDpi xmlns:a14="http://schemas.microsoft.com/office/drawing/2010/main" val="0"/>
+              </a:ext>
+            </a:extLst>
+          </a:blip>
+          <a:srcRect/>
+          <a:stretch>
+            <a:fillRect/>
+          </a:stretch>
+        </p:blipFill>
+        <p:spPr bwMode="auto">
+          <a:xfrm>
+            <a:off x="1400713" y="1687513"/>
+            <a:ext cx="5762087" cy="4256087"/>
+          </a:xfrm>
+          <a:prstGeom prst="rect">
+            <a:avLst/>
+          </a:prstGeom>
+          <a:noFill/>
+          <a:ln>
+            <a:noFill/>
+          </a:ln>
+          <a:extLst>
+            <a:ext uri="{909E8E84-426E-40DD-AFC4-6F175D3DCCD1}">
+              <a14:hiddenFill xmlns:a14="http://schemas.microsoft.com/office/drawing/2010/main">
+                <a:solidFill>
+                  <a:schemeClr val="accent1"/>
+                </a:solidFill>
+              </a14:hiddenFill>
+            </a:ext>
+            <a:ext uri="{91240B29-F687-4F45-9708-019B960494DF}">
+              <a14:hiddenLine xmlns:a14="http://schemas.microsoft.com/office/drawing/2010/main" w="9525">
+                <a:solidFill>
+                  <a:schemeClr val="tx1"/>
+                </a:solidFill>
+                <a:miter lim="800000"/>
+                <a:headEnd/>
+                <a:tailEnd/>
+              </a14:hiddenLine>
+            </a:ext>
+          </a:extLst>
+        </p:spPr>
+      </p:pic>
+    </p:spTree>
+    <p:extLst>
+      <p:ext uri="{BB962C8B-B14F-4D97-AF65-F5344CB8AC3E}">
+        <p14:creationId xmlns:p14="http://schemas.microsoft.com/office/powerpoint/2010/main" val="1097254522"/>
+      </p:ext>
+    </p:extLst>
+  </p:cSld>
+  <p:clrMapOvr>
+    <a:masterClrMapping/>
+  </p:clrMapOvr>
+</p:sld>
+</file>
+
+<file path=ppt/slides/slide50.xml><?xml version="1.0" encoding="utf-8"?>
+<p:sld xmlns:a="http://schemas.openxmlformats.org/drawingml/2006/main" xmlns:r="http://schemas.openxmlformats.org/officeDocument/2006/relationships" xmlns:p="http://schemas.openxmlformats.org/presentationml/2006/main">
+  <p:cSld>
+    <p:spTree>
+      <p:nvGrpSpPr>
+        <p:cNvPr id="1" name=""/>
+        <p:cNvGrpSpPr/>
+        <p:nvPr/>
+      </p:nvGrpSpPr>
+      <p:grpSpPr>
+        <a:xfrm>
+          <a:off x="0" y="0"/>
+          <a:ext cx="0" cy="0"/>
+          <a:chOff x="0" y="0"/>
+          <a:chExt cx="0" cy="0"/>
+        </a:xfrm>
+      </p:grpSpPr>
+      <p:sp>
+        <p:nvSpPr>
+          <p:cNvPr id="6" name="Title 5"/>
+          <p:cNvSpPr>
+            <a:spLocks noGrp="1"/>
+          </p:cNvSpPr>
+          <p:nvPr>
+            <p:ph type="ctrTitle"/>
+          </p:nvPr>
+        </p:nvSpPr>
+        <p:spPr>
+          <a:xfrm>
+            <a:off x="2135875" y="2112961"/>
+            <a:ext cx="6327088" cy="615553"/>
+          </a:xfrm>
+        </p:spPr>
+        <p:txBody>
+          <a:bodyPr/>
+          <a:lstStyle/>
+          <a:p>
+            <a:endParaRPr lang="en-US" dirty="0"/>
+          </a:p>
+        </p:txBody>
+      </p:sp>
+      <p:sp>
+        <p:nvSpPr>
+          <p:cNvPr id="7" name="Subtitle 6"/>
+          <p:cNvSpPr>
+            <a:spLocks noGrp="1"/>
+          </p:cNvSpPr>
+          <p:nvPr>
+            <p:ph type="subTitle" idx="1"/>
+          </p:nvPr>
+        </p:nvSpPr>
+        <p:spPr>
+          <a:xfrm>
+            <a:off x="2135875" y="4896133"/>
+            <a:ext cx="6327088" cy="369332"/>
+          </a:xfrm>
+        </p:spPr>
+        <p:txBody>
+          <a:bodyPr/>
+          <a:lstStyle/>
+          <a:p>
+            <a:r>
+              <a:rPr lang="en-US" dirty="0" smtClean="0"/>
+              <a:t>End of Part 3</a:t>
+            </a:r>
+            <a:endParaRPr lang="en-US" dirty="0"/>
+          </a:p>
+        </p:txBody>
+      </p:sp>
+      <p:sp>
+        <p:nvSpPr>
+          <p:cNvPr id="2" name="Rectangle 1"/>
+          <p:cNvSpPr/>
+          <p:nvPr/>
+        </p:nvSpPr>
+        <p:spPr>
+          <a:xfrm>
+            <a:off x="2133600" y="2895600"/>
+            <a:ext cx="5029200" cy="990600"/>
+          </a:xfrm>
+          <a:prstGeom prst="rect">
+            <a:avLst/>
+          </a:prstGeom>
+        </p:spPr>
+        <p:style>
+          <a:lnRef idx="2">
+            <a:schemeClr val="dk1">
+              <a:shade val="50000"/>
+            </a:schemeClr>
+          </a:lnRef>
+          <a:fillRef idx="1">
+            <a:schemeClr val="dk1"/>
+          </a:fillRef>
+          <a:effectRef idx="0">
+            <a:schemeClr val="dk1"/>
+          </a:effectRef>
+          <a:fontRef idx="minor">
+            <a:schemeClr val="lt1"/>
+          </a:fontRef>
+        </p:style>
+        <p:txBody>
+          <a:bodyPr rtlCol="0" anchor="ctr"/>
+          <a:lstStyle/>
+          <a:p>
+            <a:pPr algn="ctr"/>
+            <a:r>
+              <a:rPr lang="en-US" sz="3600" dirty="0"/>
+              <a:t>#Enter to next part</a:t>
+            </a:r>
+            <a:r>
+              <a:rPr lang="en-US" sz="3600" dirty="0" smtClean="0"/>
+              <a:t>_&gt;</a:t>
+            </a:r>
+            <a:endParaRPr lang="en-US" sz="3600" dirty="0"/>
+          </a:p>
+        </p:txBody>
+      </p:sp>
+    </p:spTree>
+    <p:extLst>
+      <p:ext uri="{BB962C8B-B14F-4D97-AF65-F5344CB8AC3E}">
+        <p14:creationId xmlns:p14="http://schemas.microsoft.com/office/powerpoint/2010/main" val="3710888893"/>
+      </p:ext>
+    </p:extLst>
+  </p:cSld>
+  <p:clrMapOvr>
+    <a:masterClrMapping/>
+  </p:clrMapOvr>
+  <p:timing>
+    <p:tnLst>
+      <p:par>
+        <p:cTn id="1" dur="indefinite" restart="never" nodeType="tmRoot"/>
+      </p:par>
+    </p:tnLst>
+  </p:timing>
+</p:sld>
+</file>
+
+<file path=ppt/slides/slide6.xml><?xml version="1.0" encoding="utf-8"?>
+<p:sld xmlns:a="http://schemas.openxmlformats.org/drawingml/2006/main" xmlns:r="http://schemas.openxmlformats.org/officeDocument/2006/relationships" xmlns:p="http://schemas.openxmlformats.org/presentationml/2006/main">
+  <p:cSld>
+    <p:spTree>
+      <p:nvGrpSpPr>
+        <p:cNvPr id="1" name=""/>
+        <p:cNvGrpSpPr/>
+        <p:nvPr/>
+      </p:nvGrpSpPr>
+      <p:grpSpPr>
+        <a:xfrm>
+          <a:off x="0" y="0"/>
+          <a:ext cx="0" cy="0"/>
+          <a:chOff x="0" y="0"/>
+          <a:chExt cx="0" cy="0"/>
+        </a:xfrm>
+      </p:grpSpPr>
+      <p:sp>
+        <p:nvSpPr>
+          <p:cNvPr id="2" name="Title 1"/>
+          <p:cNvSpPr>
+            <a:spLocks noGrp="1"/>
+          </p:cNvSpPr>
+          <p:nvPr>
+            <p:ph type="title"/>
+          </p:nvPr>
+        </p:nvSpPr>
+        <p:spPr/>
+        <p:txBody>
+          <a:bodyPr/>
+          <a:lstStyle/>
+          <a:p>
+            <a:r>
+              <a:rPr lang="en-US" dirty="0"/>
+              <a:t>End points / Sinks</a:t>
+            </a:r>
+          </a:p>
+        </p:txBody>
+      </p:sp>
+      <p:sp>
+        <p:nvSpPr>
+          <p:cNvPr id="3" name="Content Placeholder 2"/>
+          <p:cNvSpPr>
+            <a:spLocks noGrp="1"/>
+          </p:cNvSpPr>
+          <p:nvPr>
+            <p:ph idx="1"/>
+          </p:nvPr>
+        </p:nvSpPr>
+        <p:spPr>
+          <a:xfrm>
+            <a:off x="449263" y="1598613"/>
+            <a:ext cx="8229600" cy="5139869"/>
+          </a:xfrm>
+        </p:spPr>
+        <p:txBody>
+          <a:bodyPr/>
+          <a:lstStyle/>
+          <a:p>
+            <a:r>
+              <a:rPr lang="en-US" dirty="0"/>
+              <a:t>Language Calls – Application language say for example C# </a:t>
+            </a:r>
+            <a:r>
+              <a:rPr lang="en-US" dirty="0" smtClean="0"/>
+              <a:t>or Java </a:t>
+            </a:r>
+            <a:r>
+              <a:rPr lang="en-US" dirty="0"/>
+              <a:t>provides various classes and interfaces to </a:t>
+            </a:r>
+            <a:r>
+              <a:rPr lang="en-US" dirty="0" smtClean="0"/>
+              <a:t>access resources </a:t>
+            </a:r>
+            <a:r>
+              <a:rPr lang="en-US" dirty="0"/>
+              <a:t>from the system.</a:t>
+            </a:r>
+          </a:p>
+          <a:p>
+            <a:r>
+              <a:rPr lang="en-US" dirty="0" smtClean="0"/>
+              <a:t>These </a:t>
+            </a:r>
+            <a:r>
+              <a:rPr lang="en-US" dirty="0"/>
+              <a:t>resources are outside application </a:t>
+            </a:r>
+            <a:r>
+              <a:rPr lang="en-US" dirty="0" smtClean="0"/>
+              <a:t>boundary. Application </a:t>
+            </a:r>
+            <a:r>
+              <a:rPr lang="en-US" dirty="0"/>
+              <a:t>may be passing value to SQL interface or </a:t>
+            </a:r>
+            <a:r>
+              <a:rPr lang="en-US" dirty="0" smtClean="0"/>
+              <a:t>system level </a:t>
+            </a:r>
+            <a:r>
+              <a:rPr lang="en-US" dirty="0"/>
+              <a:t>command.</a:t>
+            </a:r>
+          </a:p>
+          <a:p>
+            <a:r>
+              <a:rPr lang="en-US" dirty="0" smtClean="0"/>
+              <a:t>File </a:t>
+            </a:r>
+            <a:r>
+              <a:rPr lang="en-US" dirty="0"/>
+              <a:t>system calls (Read/Write)</a:t>
+            </a:r>
+          </a:p>
+          <a:p>
+            <a:r>
+              <a:rPr lang="en-US" dirty="0" smtClean="0"/>
+              <a:t>Operating </a:t>
+            </a:r>
+            <a:r>
+              <a:rPr lang="en-US" dirty="0"/>
+              <a:t>system calls</a:t>
+            </a:r>
+          </a:p>
+          <a:p>
+            <a:r>
+              <a:rPr lang="en-US" dirty="0" smtClean="0"/>
+              <a:t>Network/Socket </a:t>
+            </a:r>
+            <a:r>
+              <a:rPr lang="en-US" dirty="0"/>
+              <a:t>calls</a:t>
+            </a:r>
+          </a:p>
+          <a:p>
+            <a:r>
+              <a:rPr lang="en-US" dirty="0" smtClean="0"/>
+              <a:t>SQL </a:t>
+            </a:r>
+            <a:r>
+              <a:rPr lang="en-US" dirty="0"/>
+              <a:t>interfaces</a:t>
+            </a:r>
+          </a:p>
+          <a:p>
+            <a:r>
+              <a:rPr lang="en-US" dirty="0" smtClean="0"/>
+              <a:t>LDAP/Authentication </a:t>
+            </a:r>
+            <a:r>
+              <a:rPr lang="en-US" dirty="0"/>
+              <a:t>interfaces</a:t>
+            </a:r>
+          </a:p>
+        </p:txBody>
+      </p:sp>
+    </p:spTree>
+    <p:extLst>
+      <p:ext uri="{BB962C8B-B14F-4D97-AF65-F5344CB8AC3E}">
+        <p14:creationId xmlns:p14="http://schemas.microsoft.com/office/powerpoint/2010/main" val="3670637243"/>
+      </p:ext>
+    </p:extLst>
+  </p:cSld>
+  <p:clrMapOvr>
+    <a:masterClrMapping/>
+  </p:clrMapOvr>
+</p:sld>
+</file>
+
+<file path=ppt/slides/slide7.xml><?xml version="1.0" encoding="utf-8"?>
+<p:sld xmlns:a="http://schemas.openxmlformats.org/drawingml/2006/main" xmlns:r="http://schemas.openxmlformats.org/officeDocument/2006/relationships" xmlns:p="http://schemas.openxmlformats.org/presentationml/2006/main">
+  <p:cSld>
+    <p:spTree>
+      <p:nvGrpSpPr>
+        <p:cNvPr id="1" name=""/>
+        <p:cNvGrpSpPr/>
+        <p:nvPr/>
+      </p:nvGrpSpPr>
+      <p:grpSpPr>
+        <a:xfrm>
+          <a:off x="0" y="0"/>
+          <a:ext cx="0" cy="0"/>
+          <a:chOff x="0" y="0"/>
+          <a:chExt cx="0" cy="0"/>
+        </a:xfrm>
+      </p:grpSpPr>
+      <p:sp>
+        <p:nvSpPr>
+          <p:cNvPr id="2" name="Title 1"/>
+          <p:cNvSpPr>
+            <a:spLocks noGrp="1"/>
+          </p:cNvSpPr>
+          <p:nvPr>
+            <p:ph type="title"/>
+          </p:nvPr>
+        </p:nvSpPr>
+        <p:spPr/>
+        <p:txBody>
+          <a:bodyPr/>
+          <a:lstStyle/>
+          <a:p>
+            <a:r>
+              <a:rPr lang="en-US" dirty="0"/>
+              <a:t>End points / Sinks</a:t>
+            </a:r>
+          </a:p>
+        </p:txBody>
+      </p:sp>
+      <p:sp>
+        <p:nvSpPr>
+          <p:cNvPr id="3" name="Content Placeholder 2"/>
+          <p:cNvSpPr>
+            <a:spLocks noGrp="1"/>
+          </p:cNvSpPr>
+          <p:nvPr>
+            <p:ph idx="1"/>
+          </p:nvPr>
+        </p:nvSpPr>
+        <p:spPr>
+          <a:xfrm>
+            <a:off x="449263" y="1598613"/>
+            <a:ext cx="8229600" cy="3262432"/>
+          </a:xfrm>
+        </p:spPr>
+        <p:txBody>
+          <a:bodyPr/>
+          <a:lstStyle/>
+          <a:p>
+            <a:r>
+              <a:rPr lang="en-US" dirty="0" smtClean="0"/>
+              <a:t>Third </a:t>
+            </a:r>
+            <a:r>
+              <a:rPr lang="en-US" dirty="0"/>
+              <a:t>party/Vendor interfaces – Application is </a:t>
+            </a:r>
+            <a:r>
+              <a:rPr lang="en-US" dirty="0" smtClean="0"/>
+              <a:t>using some </a:t>
+            </a:r>
+            <a:r>
+              <a:rPr lang="en-US" dirty="0"/>
+              <a:t>third party components and these are in </a:t>
+            </a:r>
+            <a:r>
+              <a:rPr lang="en-US" dirty="0" smtClean="0"/>
+              <a:t>binary form</a:t>
+            </a:r>
+            <a:r>
+              <a:rPr lang="en-US" dirty="0"/>
+              <a:t>.</a:t>
+            </a:r>
+          </a:p>
+          <a:p>
+            <a:r>
+              <a:rPr lang="en-US" dirty="0" smtClean="0"/>
+              <a:t>Applications </a:t>
+            </a:r>
+            <a:r>
+              <a:rPr lang="en-US" dirty="0"/>
+              <a:t>to application – In recent </a:t>
+            </a:r>
+            <a:r>
+              <a:rPr lang="en-US" dirty="0" smtClean="0"/>
+              <a:t>time’s applications </a:t>
+            </a:r>
+            <a:r>
+              <a:rPr lang="en-US" dirty="0"/>
+              <a:t>are doing lot of </a:t>
+            </a:r>
+            <a:r>
+              <a:rPr lang="en-US" dirty="0" smtClean="0"/>
+              <a:t>intercommunication across </a:t>
+            </a:r>
+            <a:r>
+              <a:rPr lang="en-US" dirty="0"/>
+              <a:t>cross domains. In this case sink or end </a:t>
+            </a:r>
+            <a:r>
+              <a:rPr lang="en-US" dirty="0" smtClean="0"/>
+              <a:t>point can </a:t>
+            </a:r>
+            <a:r>
+              <a:rPr lang="en-US" dirty="0"/>
+              <a:t>be another application.</a:t>
+            </a:r>
+          </a:p>
+          <a:p>
+            <a:r>
+              <a:rPr lang="en-US" dirty="0" smtClean="0"/>
+              <a:t>Middleware </a:t>
+            </a:r>
+            <a:r>
+              <a:rPr lang="en-US" dirty="0"/>
+              <a:t>call – Applications like banking </a:t>
+            </a:r>
+            <a:r>
+              <a:rPr lang="en-US" dirty="0" smtClean="0"/>
+              <a:t>or trading </a:t>
+            </a:r>
+            <a:r>
+              <a:rPr lang="en-US" dirty="0"/>
+              <a:t>uses middle ware extensively and several </a:t>
+            </a:r>
+            <a:r>
+              <a:rPr lang="en-US" dirty="0" smtClean="0"/>
+              <a:t>end points </a:t>
+            </a:r>
+            <a:r>
+              <a:rPr lang="en-US" dirty="0"/>
+              <a:t>are terminating into these middle ware calls.</a:t>
+            </a:r>
+          </a:p>
+        </p:txBody>
+      </p:sp>
+    </p:spTree>
+    <p:extLst>
+      <p:ext uri="{BB962C8B-B14F-4D97-AF65-F5344CB8AC3E}">
+        <p14:creationId xmlns:p14="http://schemas.microsoft.com/office/powerpoint/2010/main" val="2653351035"/>
+      </p:ext>
+    </p:extLst>
+  </p:cSld>
+  <p:clrMapOvr>
+    <a:masterClrMapping/>
+  </p:clrMapOvr>
+</p:sld>
+</file>
+
+<file path=ppt/slides/slide8.xml><?xml version="1.0" encoding="utf-8"?>
+<p:sld xmlns:a="http://schemas.openxmlformats.org/drawingml/2006/main" xmlns:r="http://schemas.openxmlformats.org/officeDocument/2006/relationships" xmlns:p="http://schemas.openxmlformats.org/presentationml/2006/main">
+  <p:cSld>
+    <p:spTree>
+      <p:nvGrpSpPr>
+        <p:cNvPr id="1" name=""/>
+        <p:cNvGrpSpPr/>
+        <p:nvPr/>
+      </p:nvGrpSpPr>
+      <p:grpSpPr>
+        <a:xfrm>
+          <a:off x="0" y="0"/>
+          <a:ext cx="0" cy="0"/>
+          <a:chOff x="0" y="0"/>
+          <a:chExt cx="0" cy="0"/>
+        </a:xfrm>
+      </p:grpSpPr>
+      <p:sp>
+        <p:nvSpPr>
+          <p:cNvPr id="2" name="Title 1"/>
+          <p:cNvSpPr>
+            <a:spLocks noGrp="1"/>
+          </p:cNvSpPr>
+          <p:nvPr>
+            <p:ph type="title"/>
+          </p:nvPr>
+        </p:nvSpPr>
+        <p:spPr/>
+        <p:txBody>
+          <a:bodyPr/>
+          <a:lstStyle/>
+          <a:p>
+            <a:r>
+              <a:rPr lang="en-US" dirty="0"/>
+              <a:t>End points / Sinks</a:t>
+            </a:r>
+          </a:p>
+        </p:txBody>
+      </p:sp>
+      <p:sp>
+        <p:nvSpPr>
+          <p:cNvPr id="3" name="Content Placeholder 2"/>
+          <p:cNvSpPr>
+            <a:spLocks noGrp="1"/>
+          </p:cNvSpPr>
+          <p:nvPr>
+            <p:ph idx="1"/>
+          </p:nvPr>
+        </p:nvSpPr>
+        <p:spPr>
+          <a:xfrm>
+            <a:off x="449263" y="1598613"/>
+            <a:ext cx="8229600" cy="3262432"/>
+          </a:xfrm>
+        </p:spPr>
+        <p:txBody>
+          <a:bodyPr/>
+          <a:lstStyle/>
+          <a:p>
+            <a:r>
+              <a:rPr lang="en-US" dirty="0" smtClean="0"/>
+              <a:t>Response </a:t>
+            </a:r>
+            <a:r>
+              <a:rPr lang="en-US" dirty="0"/>
+              <a:t>call back – In some cases entry point </a:t>
+            </a:r>
+            <a:r>
+              <a:rPr lang="en-US" dirty="0" smtClean="0"/>
+              <a:t>or information </a:t>
+            </a:r>
+            <a:r>
+              <a:rPr lang="en-US" dirty="0"/>
+              <a:t>coming through it is going back to </a:t>
+            </a:r>
+            <a:r>
+              <a:rPr lang="en-US" dirty="0" smtClean="0"/>
+              <a:t>the client </a:t>
+            </a:r>
+            <a:r>
+              <a:rPr lang="en-US" dirty="0"/>
+              <a:t>as response.</a:t>
+            </a:r>
+          </a:p>
+          <a:p>
+            <a:r>
+              <a:rPr lang="en-US" dirty="0" smtClean="0"/>
+              <a:t>Audit </a:t>
+            </a:r>
+            <a:r>
+              <a:rPr lang="en-US" dirty="0"/>
+              <a:t>and Logs – In some cases </a:t>
+            </a:r>
+            <a:r>
+              <a:rPr lang="en-US" dirty="0" smtClean="0"/>
+              <a:t>application information </a:t>
+            </a:r>
+            <a:r>
+              <a:rPr lang="en-US" dirty="0"/>
+              <a:t>is going to logs or audit resources.</a:t>
+            </a:r>
+          </a:p>
+          <a:p>
+            <a:r>
+              <a:rPr lang="en-US" dirty="0" smtClean="0"/>
+              <a:t>Exception/Error </a:t>
+            </a:r>
+            <a:r>
+              <a:rPr lang="en-US" dirty="0"/>
+              <a:t>message – This end point is </a:t>
+            </a:r>
+            <a:r>
+              <a:rPr lang="en-US" dirty="0" smtClean="0"/>
+              <a:t>special and </a:t>
+            </a:r>
+            <a:r>
+              <a:rPr lang="en-US" dirty="0"/>
+              <a:t>lot of application are taking value of entry </a:t>
+            </a:r>
+            <a:r>
+              <a:rPr lang="en-US" dirty="0" smtClean="0"/>
+              <a:t>point and </a:t>
+            </a:r>
+            <a:r>
+              <a:rPr lang="en-US" dirty="0"/>
+              <a:t>putting into exception or error message block.</a:t>
+            </a:r>
+          </a:p>
+        </p:txBody>
+      </p:sp>
+    </p:spTree>
+    <p:extLst>
+      <p:ext uri="{BB962C8B-B14F-4D97-AF65-F5344CB8AC3E}">
+        <p14:creationId xmlns:p14="http://schemas.microsoft.com/office/powerpoint/2010/main" val="3989257179"/>
+      </p:ext>
+    </p:extLst>
+  </p:cSld>
+  <p:clrMapOvr>
+    <a:masterClrMapping/>
+  </p:clrMapOvr>
+</p:sld>
+</file>
+
+<file path=ppt/slides/slide9.xml><?xml version="1.0" encoding="utf-8"?>
+<p:sld xmlns:a="http://schemas.openxmlformats.org/drawingml/2006/main" xmlns:r="http://schemas.openxmlformats.org/officeDocument/2006/relationships" xmlns:p="http://schemas.openxmlformats.org/presentationml/2006/main">
+  <p:cSld>
+    <p:spTree>
+      <p:nvGrpSpPr>
+        <p:cNvPr id="1" name=""/>
+        <p:cNvGrpSpPr/>
+        <p:nvPr/>
+      </p:nvGrpSpPr>
+      <p:grpSpPr>
+        <a:xfrm>
+          <a:off x="0" y="0"/>
+          <a:ext cx="0" cy="0"/>
+          <a:chOff x="0" y="0"/>
+          <a:chExt cx="0" cy="0"/>
+        </a:xfrm>
+      </p:grpSpPr>
+      <p:sp>
+        <p:nvSpPr>
+          <p:cNvPr id="2" name="Title 1"/>
+          <p:cNvSpPr>
+            <a:spLocks noGrp="1"/>
+          </p:cNvSpPr>
+          <p:nvPr>
+            <p:ph type="title"/>
+          </p:nvPr>
+        </p:nvSpPr>
+        <p:spPr/>
+        <p:txBody>
+          <a:bodyPr/>
+          <a:lstStyle/>
+          <a:p>
+            <a:r>
+              <a:rPr lang="en-US" dirty="0"/>
+              <a:t>End points / Sinks</a:t>
+            </a:r>
+          </a:p>
+        </p:txBody>
+      </p:sp>
+      <p:sp>
+        <p:nvSpPr>
+          <p:cNvPr id="3" name="Content Placeholder 2"/>
+          <p:cNvSpPr>
+            <a:spLocks noGrp="1"/>
+          </p:cNvSpPr>
+          <p:nvPr>
+            <p:ph idx="1"/>
+          </p:nvPr>
+        </p:nvSpPr>
+        <p:spPr>
+          <a:xfrm>
+            <a:off x="449263" y="1598613"/>
+            <a:ext cx="8229600" cy="2369880"/>
+          </a:xfrm>
+        </p:spPr>
+        <p:txBody>
+          <a:bodyPr/>
+          <a:lstStyle/>
+          <a:p>
+            <a:r>
+              <a:rPr lang="en-US" dirty="0"/>
+              <a:t>Business logic – Certain entry points are </a:t>
+            </a:r>
+            <a:r>
+              <a:rPr lang="en-US" dirty="0" smtClean="0"/>
+              <a:t>not going </a:t>
+            </a:r>
+            <a:r>
+              <a:rPr lang="en-US" dirty="0"/>
+              <a:t>out side application boundary </a:t>
+            </a:r>
+            <a:r>
+              <a:rPr lang="en-US" dirty="0" smtClean="0"/>
+              <a:t>but staying </a:t>
+            </a:r>
+            <a:r>
+              <a:rPr lang="en-US" dirty="0"/>
+              <a:t>in business logic space and </a:t>
+            </a:r>
+            <a:r>
+              <a:rPr lang="en-US" dirty="0" smtClean="0"/>
+              <a:t>get processed </a:t>
+            </a:r>
+            <a:r>
+              <a:rPr lang="en-US" dirty="0"/>
+              <a:t>inside application.</a:t>
+            </a:r>
+          </a:p>
+          <a:p>
+            <a:r>
+              <a:rPr lang="en-US" dirty="0" smtClean="0"/>
+              <a:t>Reflection </a:t>
+            </a:r>
+            <a:r>
+              <a:rPr lang="en-US" dirty="0"/>
+              <a:t>level calls – Applications </a:t>
+            </a:r>
+            <a:r>
+              <a:rPr lang="en-US" dirty="0" smtClean="0"/>
+              <a:t>are running </a:t>
+            </a:r>
+            <a:r>
+              <a:rPr lang="en-US" dirty="0"/>
+              <a:t>in virtual machines and there </a:t>
+            </a:r>
+            <a:r>
+              <a:rPr lang="en-US" dirty="0" smtClean="0"/>
+              <a:t>are certain </a:t>
+            </a:r>
+            <a:r>
+              <a:rPr lang="en-US" dirty="0"/>
+              <a:t>reflection APIs which are </a:t>
+            </a:r>
+            <a:r>
+              <a:rPr lang="en-US" dirty="0" smtClean="0"/>
+              <a:t>responsible for </a:t>
+            </a:r>
+            <a:r>
+              <a:rPr lang="en-US" dirty="0"/>
+              <a:t>virtual machine processing.</a:t>
+            </a:r>
+          </a:p>
+        </p:txBody>
+      </p:sp>
+    </p:spTree>
+    <p:extLst>
+      <p:ext uri="{BB962C8B-B14F-4D97-AF65-F5344CB8AC3E}">
+        <p14:creationId xmlns:p14="http://schemas.microsoft.com/office/powerpoint/2010/main" val="636682843"/>
+      </p:ext>
+    </p:extLst>
+  </p:cSld>
+  <p:clrMapOvr>
+    <a:masterClrMapping/>
+  </p:clrMapOvr>
+  <p:timing>
+    <p:tnLst>
+      <p:par>
+        <p:cTn id="1" dur="indefinite" restart="never" nodeType="tmRoot"/>
+      </p:par>
+    </p:tnLst>
+  </p:timing>
 </p:sld>
 </file>
 
